--- a/Lections/L6/FE-L6-15-05-positioning.pptx
+++ b/Lections/L6/FE-L6-15-05-positioning.pptx
@@ -5,14 +5,22 @@
     <p:sldMasterId id="2147483660" r:id="rId1"/>
   </p:sldMasterIdLst>
   <p:notesMasterIdLst>
-    <p:notesMasterId r:id="rId7"/>
+    <p:notesMasterId r:id="rId15"/>
   </p:notesMasterIdLst>
   <p:sldIdLst>
     <p:sldId id="256" r:id="rId2"/>
-    <p:sldId id="261" r:id="rId3"/>
-    <p:sldId id="273" r:id="rId4"/>
-    <p:sldId id="274" r:id="rId5"/>
-    <p:sldId id="275" r:id="rId6"/>
+    <p:sldId id="265" r:id="rId3"/>
+    <p:sldId id="263" r:id="rId4"/>
+    <p:sldId id="264" r:id="rId5"/>
+    <p:sldId id="266" r:id="rId6"/>
+    <p:sldId id="267" r:id="rId7"/>
+    <p:sldId id="268" r:id="rId8"/>
+    <p:sldId id="269" r:id="rId9"/>
+    <p:sldId id="270" r:id="rId10"/>
+    <p:sldId id="272" r:id="rId11"/>
+    <p:sldId id="271" r:id="rId12"/>
+    <p:sldId id="273" r:id="rId13"/>
+    <p:sldId id="262" r:id="rId14"/>
   </p:sldIdLst>
   <p:sldSz cx="9144000" cy="5715000" type="screen16x10"/>
   <p:notesSz cx="6858000" cy="9144000"/>
@@ -3896,7 +3904,7 @@
           <a:p>
             <a:fld id="{F6D8C1CC-B947-4082-943C-2B15D0562C1D}" type="datetimeFigureOut">
               <a:rPr lang="en-US" smtClean="0"/>
-              <a:t>14-May-18</a:t>
+              <a:t>15-May-18</a:t>
             </a:fld>
             <a:endParaRPr lang="en-US"/>
           </a:p>
@@ -4237,7 +4245,259 @@
     </p:spTree>
     <p:extLst>
       <p:ext uri="{BB962C8B-B14F-4D97-AF65-F5344CB8AC3E}">
-        <p14:creationId xmlns:p14="http://schemas.microsoft.com/office/powerpoint/2010/main" val="460375832"/>
+        <p14:creationId xmlns:p14="http://schemas.microsoft.com/office/powerpoint/2010/main" val="2425039552"/>
+      </p:ext>
+    </p:extLst>
+  </p:cSld>
+  <p:clrMapOvr>
+    <a:masterClrMapping/>
+  </p:clrMapOvr>
+</p:notes>
+</file>
+
+<file path=ppt/notesSlides/notesSlide10.xml><?xml version="1.0" encoding="utf-8"?>
+<p:notes xmlns:a="http://schemas.openxmlformats.org/drawingml/2006/main" xmlns:r="http://schemas.openxmlformats.org/officeDocument/2006/relationships" xmlns:p="http://schemas.openxmlformats.org/presentationml/2006/main">
+  <p:cSld>
+    <p:spTree>
+      <p:nvGrpSpPr>
+        <p:cNvPr id="1" name=""/>
+        <p:cNvGrpSpPr/>
+        <p:nvPr/>
+      </p:nvGrpSpPr>
+      <p:grpSpPr>
+        <a:xfrm>
+          <a:off x="0" y="0"/>
+          <a:ext cx="0" cy="0"/>
+          <a:chOff x="0" y="0"/>
+          <a:chExt cx="0" cy="0"/>
+        </a:xfrm>
+      </p:grpSpPr>
+      <p:sp>
+        <p:nvSpPr>
+          <p:cNvPr id="2" name="Slide Image Placeholder 1"/>
+          <p:cNvSpPr>
+            <a:spLocks noGrp="1" noRot="1" noChangeAspect="1"/>
+          </p:cNvSpPr>
+          <p:nvPr>
+            <p:ph type="sldImg"/>
+          </p:nvPr>
+        </p:nvSpPr>
+        <p:spPr/>
+      </p:sp>
+      <p:sp>
+        <p:nvSpPr>
+          <p:cNvPr id="3" name="Notes Placeholder 2"/>
+          <p:cNvSpPr>
+            <a:spLocks noGrp="1"/>
+          </p:cNvSpPr>
+          <p:nvPr>
+            <p:ph type="body" idx="1"/>
+          </p:nvPr>
+        </p:nvSpPr>
+        <p:spPr/>
+        <p:txBody>
+          <a:bodyPr/>
+          <a:lstStyle/>
+          <a:p>
+            <a:endParaRPr lang="en-US" dirty="0"/>
+          </a:p>
+        </p:txBody>
+      </p:sp>
+      <p:sp>
+        <p:nvSpPr>
+          <p:cNvPr id="4" name="Slide Number Placeholder 3"/>
+          <p:cNvSpPr>
+            <a:spLocks noGrp="1"/>
+          </p:cNvSpPr>
+          <p:nvPr>
+            <p:ph type="sldNum" sz="quarter" idx="10"/>
+          </p:nvPr>
+        </p:nvSpPr>
+        <p:spPr/>
+        <p:txBody>
+          <a:bodyPr/>
+          <a:lstStyle/>
+          <a:p>
+            <a:fld id="{8C65C300-19CC-4360-A650-4F04F63F7B82}" type="slidenum">
+              <a:rPr lang="en-US" smtClean="0"/>
+              <a:t>11</a:t>
+            </a:fld>
+            <a:endParaRPr lang="en-US"/>
+          </a:p>
+        </p:txBody>
+      </p:sp>
+    </p:spTree>
+    <p:extLst>
+      <p:ext uri="{BB962C8B-B14F-4D97-AF65-F5344CB8AC3E}">
+        <p14:creationId xmlns:p14="http://schemas.microsoft.com/office/powerpoint/2010/main" val="2280064012"/>
+      </p:ext>
+    </p:extLst>
+  </p:cSld>
+  <p:clrMapOvr>
+    <a:masterClrMapping/>
+  </p:clrMapOvr>
+</p:notes>
+</file>
+
+<file path=ppt/notesSlides/notesSlide11.xml><?xml version="1.0" encoding="utf-8"?>
+<p:notes xmlns:a="http://schemas.openxmlformats.org/drawingml/2006/main" xmlns:r="http://schemas.openxmlformats.org/officeDocument/2006/relationships" xmlns:p="http://schemas.openxmlformats.org/presentationml/2006/main">
+  <p:cSld>
+    <p:spTree>
+      <p:nvGrpSpPr>
+        <p:cNvPr id="1" name=""/>
+        <p:cNvGrpSpPr/>
+        <p:nvPr/>
+      </p:nvGrpSpPr>
+      <p:grpSpPr>
+        <a:xfrm>
+          <a:off x="0" y="0"/>
+          <a:ext cx="0" cy="0"/>
+          <a:chOff x="0" y="0"/>
+          <a:chExt cx="0" cy="0"/>
+        </a:xfrm>
+      </p:grpSpPr>
+      <p:sp>
+        <p:nvSpPr>
+          <p:cNvPr id="2" name="Slide Image Placeholder 1"/>
+          <p:cNvSpPr>
+            <a:spLocks noGrp="1" noRot="1" noChangeAspect="1"/>
+          </p:cNvSpPr>
+          <p:nvPr>
+            <p:ph type="sldImg"/>
+          </p:nvPr>
+        </p:nvSpPr>
+        <p:spPr/>
+      </p:sp>
+      <p:sp>
+        <p:nvSpPr>
+          <p:cNvPr id="3" name="Notes Placeholder 2"/>
+          <p:cNvSpPr>
+            <a:spLocks noGrp="1"/>
+          </p:cNvSpPr>
+          <p:nvPr>
+            <p:ph type="body" idx="1"/>
+          </p:nvPr>
+        </p:nvSpPr>
+        <p:spPr/>
+        <p:txBody>
+          <a:bodyPr/>
+          <a:lstStyle/>
+          <a:p>
+            <a:endParaRPr lang="en-US" dirty="0"/>
+          </a:p>
+        </p:txBody>
+      </p:sp>
+      <p:sp>
+        <p:nvSpPr>
+          <p:cNvPr id="4" name="Slide Number Placeholder 3"/>
+          <p:cNvSpPr>
+            <a:spLocks noGrp="1"/>
+          </p:cNvSpPr>
+          <p:nvPr>
+            <p:ph type="sldNum" sz="quarter" idx="10"/>
+          </p:nvPr>
+        </p:nvSpPr>
+        <p:spPr/>
+        <p:txBody>
+          <a:bodyPr/>
+          <a:lstStyle/>
+          <a:p>
+            <a:fld id="{8C65C300-19CC-4360-A650-4F04F63F7B82}" type="slidenum">
+              <a:rPr lang="en-US" smtClean="0"/>
+              <a:t>12</a:t>
+            </a:fld>
+            <a:endParaRPr lang="en-US"/>
+          </a:p>
+        </p:txBody>
+      </p:sp>
+    </p:spTree>
+    <p:extLst>
+      <p:ext uri="{BB962C8B-B14F-4D97-AF65-F5344CB8AC3E}">
+        <p14:creationId xmlns:p14="http://schemas.microsoft.com/office/powerpoint/2010/main" val="1008481829"/>
+      </p:ext>
+    </p:extLst>
+  </p:cSld>
+  <p:clrMapOvr>
+    <a:masterClrMapping/>
+  </p:clrMapOvr>
+</p:notes>
+</file>
+
+<file path=ppt/notesSlides/notesSlide12.xml><?xml version="1.0" encoding="utf-8"?>
+<p:notes xmlns:a="http://schemas.openxmlformats.org/drawingml/2006/main" xmlns:r="http://schemas.openxmlformats.org/officeDocument/2006/relationships" xmlns:p="http://schemas.openxmlformats.org/presentationml/2006/main">
+  <p:cSld>
+    <p:spTree>
+      <p:nvGrpSpPr>
+        <p:cNvPr id="1" name=""/>
+        <p:cNvGrpSpPr/>
+        <p:nvPr/>
+      </p:nvGrpSpPr>
+      <p:grpSpPr>
+        <a:xfrm>
+          <a:off x="0" y="0"/>
+          <a:ext cx="0" cy="0"/>
+          <a:chOff x="0" y="0"/>
+          <a:chExt cx="0" cy="0"/>
+        </a:xfrm>
+      </p:grpSpPr>
+      <p:sp>
+        <p:nvSpPr>
+          <p:cNvPr id="2" name="Slide Image Placeholder 1"/>
+          <p:cNvSpPr>
+            <a:spLocks noGrp="1" noRot="1" noChangeAspect="1"/>
+          </p:cNvSpPr>
+          <p:nvPr>
+            <p:ph type="sldImg"/>
+          </p:nvPr>
+        </p:nvSpPr>
+        <p:spPr/>
+      </p:sp>
+      <p:sp>
+        <p:nvSpPr>
+          <p:cNvPr id="3" name="Notes Placeholder 2"/>
+          <p:cNvSpPr>
+            <a:spLocks noGrp="1"/>
+          </p:cNvSpPr>
+          <p:nvPr>
+            <p:ph type="body" idx="1"/>
+          </p:nvPr>
+        </p:nvSpPr>
+        <p:spPr/>
+        <p:txBody>
+          <a:bodyPr/>
+          <a:lstStyle/>
+          <a:p>
+            <a:endParaRPr lang="en-US" dirty="0"/>
+          </a:p>
+        </p:txBody>
+      </p:sp>
+      <p:sp>
+        <p:nvSpPr>
+          <p:cNvPr id="4" name="Slide Number Placeholder 3"/>
+          <p:cNvSpPr>
+            <a:spLocks noGrp="1"/>
+          </p:cNvSpPr>
+          <p:nvPr>
+            <p:ph type="sldNum" sz="quarter" idx="10"/>
+          </p:nvPr>
+        </p:nvSpPr>
+        <p:spPr/>
+        <p:txBody>
+          <a:bodyPr/>
+          <a:lstStyle/>
+          <a:p>
+            <a:fld id="{8C65C300-19CC-4360-A650-4F04F63F7B82}" type="slidenum">
+              <a:rPr lang="en-US" smtClean="0"/>
+              <a:t>13</a:t>
+            </a:fld>
+            <a:endParaRPr lang="en-US"/>
+          </a:p>
+        </p:txBody>
+      </p:sp>
+    </p:spTree>
+    <p:extLst>
+      <p:ext uri="{BB962C8B-B14F-4D97-AF65-F5344CB8AC3E}">
+        <p14:creationId xmlns:p14="http://schemas.microsoft.com/office/powerpoint/2010/main" val="831666888"/>
       </p:ext>
     </p:extLst>
   </p:cSld>
@@ -4321,7 +4581,7 @@
     </p:spTree>
     <p:extLst>
       <p:ext uri="{BB962C8B-B14F-4D97-AF65-F5344CB8AC3E}">
-        <p14:creationId xmlns:p14="http://schemas.microsoft.com/office/powerpoint/2010/main" val="2442580349"/>
+        <p14:creationId xmlns:p14="http://schemas.microsoft.com/office/powerpoint/2010/main" val="2925019027"/>
       </p:ext>
     </p:extLst>
   </p:cSld>
@@ -4405,7 +4665,7 @@
     </p:spTree>
     <p:extLst>
       <p:ext uri="{BB962C8B-B14F-4D97-AF65-F5344CB8AC3E}">
-        <p14:creationId xmlns:p14="http://schemas.microsoft.com/office/powerpoint/2010/main" val="1861257401"/>
+        <p14:creationId xmlns:p14="http://schemas.microsoft.com/office/powerpoint/2010/main" val="27468485"/>
       </p:ext>
     </p:extLst>
   </p:cSld>
@@ -4489,7 +4749,431 @@
     </p:spTree>
     <p:extLst>
       <p:ext uri="{BB962C8B-B14F-4D97-AF65-F5344CB8AC3E}">
-        <p14:creationId xmlns:p14="http://schemas.microsoft.com/office/powerpoint/2010/main" val="296148161"/>
+        <p14:creationId xmlns:p14="http://schemas.microsoft.com/office/powerpoint/2010/main" val="2761115683"/>
+      </p:ext>
+    </p:extLst>
+  </p:cSld>
+  <p:clrMapOvr>
+    <a:masterClrMapping/>
+  </p:clrMapOvr>
+</p:notes>
+</file>
+
+<file path=ppt/notesSlides/notesSlide5.xml><?xml version="1.0" encoding="utf-8"?>
+<p:notes xmlns:a="http://schemas.openxmlformats.org/drawingml/2006/main" xmlns:r="http://schemas.openxmlformats.org/officeDocument/2006/relationships" xmlns:p="http://schemas.openxmlformats.org/presentationml/2006/main">
+  <p:cSld>
+    <p:spTree>
+      <p:nvGrpSpPr>
+        <p:cNvPr id="1" name=""/>
+        <p:cNvGrpSpPr/>
+        <p:nvPr/>
+      </p:nvGrpSpPr>
+      <p:grpSpPr>
+        <a:xfrm>
+          <a:off x="0" y="0"/>
+          <a:ext cx="0" cy="0"/>
+          <a:chOff x="0" y="0"/>
+          <a:chExt cx="0" cy="0"/>
+        </a:xfrm>
+      </p:grpSpPr>
+      <p:sp>
+        <p:nvSpPr>
+          <p:cNvPr id="2" name="Slide Image Placeholder 1"/>
+          <p:cNvSpPr>
+            <a:spLocks noGrp="1" noRot="1" noChangeAspect="1"/>
+          </p:cNvSpPr>
+          <p:nvPr>
+            <p:ph type="sldImg"/>
+          </p:nvPr>
+        </p:nvSpPr>
+        <p:spPr/>
+      </p:sp>
+      <p:sp>
+        <p:nvSpPr>
+          <p:cNvPr id="3" name="Notes Placeholder 2"/>
+          <p:cNvSpPr>
+            <a:spLocks noGrp="1"/>
+          </p:cNvSpPr>
+          <p:nvPr>
+            <p:ph type="body" idx="1"/>
+          </p:nvPr>
+        </p:nvSpPr>
+        <p:spPr/>
+        <p:txBody>
+          <a:bodyPr/>
+          <a:lstStyle/>
+          <a:p>
+            <a:endParaRPr lang="en-US" dirty="0"/>
+          </a:p>
+        </p:txBody>
+      </p:sp>
+      <p:sp>
+        <p:nvSpPr>
+          <p:cNvPr id="4" name="Slide Number Placeholder 3"/>
+          <p:cNvSpPr>
+            <a:spLocks noGrp="1"/>
+          </p:cNvSpPr>
+          <p:nvPr>
+            <p:ph type="sldNum" sz="quarter" idx="10"/>
+          </p:nvPr>
+        </p:nvSpPr>
+        <p:spPr/>
+        <p:txBody>
+          <a:bodyPr/>
+          <a:lstStyle/>
+          <a:p>
+            <a:fld id="{8C65C300-19CC-4360-A650-4F04F63F7B82}" type="slidenum">
+              <a:rPr lang="en-US" smtClean="0"/>
+              <a:t>6</a:t>
+            </a:fld>
+            <a:endParaRPr lang="en-US"/>
+          </a:p>
+        </p:txBody>
+      </p:sp>
+    </p:spTree>
+    <p:extLst>
+      <p:ext uri="{BB962C8B-B14F-4D97-AF65-F5344CB8AC3E}">
+        <p14:creationId xmlns:p14="http://schemas.microsoft.com/office/powerpoint/2010/main" val="2464044331"/>
+      </p:ext>
+    </p:extLst>
+  </p:cSld>
+  <p:clrMapOvr>
+    <a:masterClrMapping/>
+  </p:clrMapOvr>
+</p:notes>
+</file>
+
+<file path=ppt/notesSlides/notesSlide6.xml><?xml version="1.0" encoding="utf-8"?>
+<p:notes xmlns:a="http://schemas.openxmlformats.org/drawingml/2006/main" xmlns:r="http://schemas.openxmlformats.org/officeDocument/2006/relationships" xmlns:p="http://schemas.openxmlformats.org/presentationml/2006/main">
+  <p:cSld>
+    <p:spTree>
+      <p:nvGrpSpPr>
+        <p:cNvPr id="1" name=""/>
+        <p:cNvGrpSpPr/>
+        <p:nvPr/>
+      </p:nvGrpSpPr>
+      <p:grpSpPr>
+        <a:xfrm>
+          <a:off x="0" y="0"/>
+          <a:ext cx="0" cy="0"/>
+          <a:chOff x="0" y="0"/>
+          <a:chExt cx="0" cy="0"/>
+        </a:xfrm>
+      </p:grpSpPr>
+      <p:sp>
+        <p:nvSpPr>
+          <p:cNvPr id="2" name="Slide Image Placeholder 1"/>
+          <p:cNvSpPr>
+            <a:spLocks noGrp="1" noRot="1" noChangeAspect="1"/>
+          </p:cNvSpPr>
+          <p:nvPr>
+            <p:ph type="sldImg"/>
+          </p:nvPr>
+        </p:nvSpPr>
+        <p:spPr/>
+      </p:sp>
+      <p:sp>
+        <p:nvSpPr>
+          <p:cNvPr id="3" name="Notes Placeholder 2"/>
+          <p:cNvSpPr>
+            <a:spLocks noGrp="1"/>
+          </p:cNvSpPr>
+          <p:nvPr>
+            <p:ph type="body" idx="1"/>
+          </p:nvPr>
+        </p:nvSpPr>
+        <p:spPr/>
+        <p:txBody>
+          <a:bodyPr/>
+          <a:lstStyle/>
+          <a:p>
+            <a:endParaRPr lang="en-US" dirty="0"/>
+          </a:p>
+        </p:txBody>
+      </p:sp>
+      <p:sp>
+        <p:nvSpPr>
+          <p:cNvPr id="4" name="Slide Number Placeholder 3"/>
+          <p:cNvSpPr>
+            <a:spLocks noGrp="1"/>
+          </p:cNvSpPr>
+          <p:nvPr>
+            <p:ph type="sldNum" sz="quarter" idx="10"/>
+          </p:nvPr>
+        </p:nvSpPr>
+        <p:spPr/>
+        <p:txBody>
+          <a:bodyPr/>
+          <a:lstStyle/>
+          <a:p>
+            <a:fld id="{8C65C300-19CC-4360-A650-4F04F63F7B82}" type="slidenum">
+              <a:rPr lang="en-US" smtClean="0"/>
+              <a:t>7</a:t>
+            </a:fld>
+            <a:endParaRPr lang="en-US"/>
+          </a:p>
+        </p:txBody>
+      </p:sp>
+    </p:spTree>
+    <p:extLst>
+      <p:ext uri="{BB962C8B-B14F-4D97-AF65-F5344CB8AC3E}">
+        <p14:creationId xmlns:p14="http://schemas.microsoft.com/office/powerpoint/2010/main" val="409886830"/>
+      </p:ext>
+    </p:extLst>
+  </p:cSld>
+  <p:clrMapOvr>
+    <a:masterClrMapping/>
+  </p:clrMapOvr>
+</p:notes>
+</file>
+
+<file path=ppt/notesSlides/notesSlide7.xml><?xml version="1.0" encoding="utf-8"?>
+<p:notes xmlns:a="http://schemas.openxmlformats.org/drawingml/2006/main" xmlns:r="http://schemas.openxmlformats.org/officeDocument/2006/relationships" xmlns:p="http://schemas.openxmlformats.org/presentationml/2006/main">
+  <p:cSld>
+    <p:spTree>
+      <p:nvGrpSpPr>
+        <p:cNvPr id="1" name=""/>
+        <p:cNvGrpSpPr/>
+        <p:nvPr/>
+      </p:nvGrpSpPr>
+      <p:grpSpPr>
+        <a:xfrm>
+          <a:off x="0" y="0"/>
+          <a:ext cx="0" cy="0"/>
+          <a:chOff x="0" y="0"/>
+          <a:chExt cx="0" cy="0"/>
+        </a:xfrm>
+      </p:grpSpPr>
+      <p:sp>
+        <p:nvSpPr>
+          <p:cNvPr id="2" name="Slide Image Placeholder 1"/>
+          <p:cNvSpPr>
+            <a:spLocks noGrp="1" noRot="1" noChangeAspect="1"/>
+          </p:cNvSpPr>
+          <p:nvPr>
+            <p:ph type="sldImg"/>
+          </p:nvPr>
+        </p:nvSpPr>
+        <p:spPr/>
+      </p:sp>
+      <p:sp>
+        <p:nvSpPr>
+          <p:cNvPr id="3" name="Notes Placeholder 2"/>
+          <p:cNvSpPr>
+            <a:spLocks noGrp="1"/>
+          </p:cNvSpPr>
+          <p:nvPr>
+            <p:ph type="body" idx="1"/>
+          </p:nvPr>
+        </p:nvSpPr>
+        <p:spPr/>
+        <p:txBody>
+          <a:bodyPr/>
+          <a:lstStyle/>
+          <a:p>
+            <a:endParaRPr lang="en-US" dirty="0"/>
+          </a:p>
+        </p:txBody>
+      </p:sp>
+      <p:sp>
+        <p:nvSpPr>
+          <p:cNvPr id="4" name="Slide Number Placeholder 3"/>
+          <p:cNvSpPr>
+            <a:spLocks noGrp="1"/>
+          </p:cNvSpPr>
+          <p:nvPr>
+            <p:ph type="sldNum" sz="quarter" idx="10"/>
+          </p:nvPr>
+        </p:nvSpPr>
+        <p:spPr/>
+        <p:txBody>
+          <a:bodyPr/>
+          <a:lstStyle/>
+          <a:p>
+            <a:fld id="{8C65C300-19CC-4360-A650-4F04F63F7B82}" type="slidenum">
+              <a:rPr lang="en-US" smtClean="0"/>
+              <a:t>8</a:t>
+            </a:fld>
+            <a:endParaRPr lang="en-US"/>
+          </a:p>
+        </p:txBody>
+      </p:sp>
+    </p:spTree>
+    <p:extLst>
+      <p:ext uri="{BB962C8B-B14F-4D97-AF65-F5344CB8AC3E}">
+        <p14:creationId xmlns:p14="http://schemas.microsoft.com/office/powerpoint/2010/main" val="3602228483"/>
+      </p:ext>
+    </p:extLst>
+  </p:cSld>
+  <p:clrMapOvr>
+    <a:masterClrMapping/>
+  </p:clrMapOvr>
+</p:notes>
+</file>
+
+<file path=ppt/notesSlides/notesSlide8.xml><?xml version="1.0" encoding="utf-8"?>
+<p:notes xmlns:a="http://schemas.openxmlformats.org/drawingml/2006/main" xmlns:r="http://schemas.openxmlformats.org/officeDocument/2006/relationships" xmlns:p="http://schemas.openxmlformats.org/presentationml/2006/main">
+  <p:cSld>
+    <p:spTree>
+      <p:nvGrpSpPr>
+        <p:cNvPr id="1" name=""/>
+        <p:cNvGrpSpPr/>
+        <p:nvPr/>
+      </p:nvGrpSpPr>
+      <p:grpSpPr>
+        <a:xfrm>
+          <a:off x="0" y="0"/>
+          <a:ext cx="0" cy="0"/>
+          <a:chOff x="0" y="0"/>
+          <a:chExt cx="0" cy="0"/>
+        </a:xfrm>
+      </p:grpSpPr>
+      <p:sp>
+        <p:nvSpPr>
+          <p:cNvPr id="2" name="Slide Image Placeholder 1"/>
+          <p:cNvSpPr>
+            <a:spLocks noGrp="1" noRot="1" noChangeAspect="1"/>
+          </p:cNvSpPr>
+          <p:nvPr>
+            <p:ph type="sldImg"/>
+          </p:nvPr>
+        </p:nvSpPr>
+        <p:spPr/>
+      </p:sp>
+      <p:sp>
+        <p:nvSpPr>
+          <p:cNvPr id="3" name="Notes Placeholder 2"/>
+          <p:cNvSpPr>
+            <a:spLocks noGrp="1"/>
+          </p:cNvSpPr>
+          <p:nvPr>
+            <p:ph type="body" idx="1"/>
+          </p:nvPr>
+        </p:nvSpPr>
+        <p:spPr/>
+        <p:txBody>
+          <a:bodyPr/>
+          <a:lstStyle/>
+          <a:p>
+            <a:r>
+              <a:rPr lang="en-US" dirty="0" smtClean="0"/>
+              <a:t>Box sizing ?</a:t>
+            </a:r>
+            <a:endParaRPr lang="en-US" dirty="0"/>
+          </a:p>
+        </p:txBody>
+      </p:sp>
+      <p:sp>
+        <p:nvSpPr>
+          <p:cNvPr id="4" name="Slide Number Placeholder 3"/>
+          <p:cNvSpPr>
+            <a:spLocks noGrp="1"/>
+          </p:cNvSpPr>
+          <p:nvPr>
+            <p:ph type="sldNum" sz="quarter" idx="10"/>
+          </p:nvPr>
+        </p:nvSpPr>
+        <p:spPr/>
+        <p:txBody>
+          <a:bodyPr/>
+          <a:lstStyle/>
+          <a:p>
+            <a:fld id="{8C65C300-19CC-4360-A650-4F04F63F7B82}" type="slidenum">
+              <a:rPr lang="en-US" smtClean="0"/>
+              <a:t>9</a:t>
+            </a:fld>
+            <a:endParaRPr lang="en-US"/>
+          </a:p>
+        </p:txBody>
+      </p:sp>
+    </p:spTree>
+    <p:extLst>
+      <p:ext uri="{BB962C8B-B14F-4D97-AF65-F5344CB8AC3E}">
+        <p14:creationId xmlns:p14="http://schemas.microsoft.com/office/powerpoint/2010/main" val="3740262004"/>
+      </p:ext>
+    </p:extLst>
+  </p:cSld>
+  <p:clrMapOvr>
+    <a:masterClrMapping/>
+  </p:clrMapOvr>
+</p:notes>
+</file>
+
+<file path=ppt/notesSlides/notesSlide9.xml><?xml version="1.0" encoding="utf-8"?>
+<p:notes xmlns:a="http://schemas.openxmlformats.org/drawingml/2006/main" xmlns:r="http://schemas.openxmlformats.org/officeDocument/2006/relationships" xmlns:p="http://schemas.openxmlformats.org/presentationml/2006/main">
+  <p:cSld>
+    <p:spTree>
+      <p:nvGrpSpPr>
+        <p:cNvPr id="1" name=""/>
+        <p:cNvGrpSpPr/>
+        <p:nvPr/>
+      </p:nvGrpSpPr>
+      <p:grpSpPr>
+        <a:xfrm>
+          <a:off x="0" y="0"/>
+          <a:ext cx="0" cy="0"/>
+          <a:chOff x="0" y="0"/>
+          <a:chExt cx="0" cy="0"/>
+        </a:xfrm>
+      </p:grpSpPr>
+      <p:sp>
+        <p:nvSpPr>
+          <p:cNvPr id="2" name="Slide Image Placeholder 1"/>
+          <p:cNvSpPr>
+            <a:spLocks noGrp="1" noRot="1" noChangeAspect="1"/>
+          </p:cNvSpPr>
+          <p:nvPr>
+            <p:ph type="sldImg"/>
+          </p:nvPr>
+        </p:nvSpPr>
+        <p:spPr/>
+      </p:sp>
+      <p:sp>
+        <p:nvSpPr>
+          <p:cNvPr id="3" name="Notes Placeholder 2"/>
+          <p:cNvSpPr>
+            <a:spLocks noGrp="1"/>
+          </p:cNvSpPr>
+          <p:nvPr>
+            <p:ph type="body" idx="1"/>
+          </p:nvPr>
+        </p:nvSpPr>
+        <p:spPr/>
+        <p:txBody>
+          <a:bodyPr/>
+          <a:lstStyle/>
+          <a:p>
+            <a:endParaRPr lang="en-US" dirty="0"/>
+          </a:p>
+        </p:txBody>
+      </p:sp>
+      <p:sp>
+        <p:nvSpPr>
+          <p:cNvPr id="4" name="Slide Number Placeholder 3"/>
+          <p:cNvSpPr>
+            <a:spLocks noGrp="1"/>
+          </p:cNvSpPr>
+          <p:nvPr>
+            <p:ph type="sldNum" sz="quarter" idx="10"/>
+          </p:nvPr>
+        </p:nvSpPr>
+        <p:spPr/>
+        <p:txBody>
+          <a:bodyPr/>
+          <a:lstStyle/>
+          <a:p>
+            <a:fld id="{8C65C300-19CC-4360-A650-4F04F63F7B82}" type="slidenum">
+              <a:rPr lang="en-US" smtClean="0"/>
+              <a:t>10</a:t>
+            </a:fld>
+            <a:endParaRPr lang="en-US"/>
+          </a:p>
+        </p:txBody>
+      </p:sp>
+    </p:spTree>
+    <p:extLst>
+      <p:ext uri="{BB962C8B-B14F-4D97-AF65-F5344CB8AC3E}">
+        <p14:creationId xmlns:p14="http://schemas.microsoft.com/office/powerpoint/2010/main" val="1184303722"/>
       </p:ext>
     </p:extLst>
   </p:cSld>
@@ -4521,7 +5205,7 @@
           <p:cNvPr id="2" name="Title 1">
             <a:extLst>
               <a:ext uri="{FF2B5EF4-FFF2-40B4-BE49-F238E27FC236}">
-                <a16:creationId xmlns="" xmlns:a16="http://schemas.microsoft.com/office/drawing/2014/main" id="{797E933C-7502-4F4D-819B-1376D681604C}"/>
+                <a16:creationId xmlns:a16="http://schemas.microsoft.com/office/drawing/2014/main" xmlns="" id="{797E933C-7502-4F4D-819B-1376D681604C}"/>
               </a:ext>
             </a:extLst>
           </p:cNvPr>
@@ -4558,7 +5242,7 @@
           <p:cNvPr id="3" name="Subtitle 2">
             <a:extLst>
               <a:ext uri="{FF2B5EF4-FFF2-40B4-BE49-F238E27FC236}">
-                <a16:creationId xmlns="" xmlns:a16="http://schemas.microsoft.com/office/drawing/2014/main" id="{810F970D-4C44-4675-AC1D-2452B2D10126}"/>
+                <a16:creationId xmlns:a16="http://schemas.microsoft.com/office/drawing/2014/main" xmlns="" id="{810F970D-4C44-4675-AC1D-2452B2D10126}"/>
               </a:ext>
             </a:extLst>
           </p:cNvPr>
@@ -4628,7 +5312,7 @@
           <p:cNvPr id="4" name="Date Placeholder 3">
             <a:extLst>
               <a:ext uri="{FF2B5EF4-FFF2-40B4-BE49-F238E27FC236}">
-                <a16:creationId xmlns="" xmlns:a16="http://schemas.microsoft.com/office/drawing/2014/main" id="{AA0A371D-EDD3-49FB-A5E7-B8C2B4A743D0}"/>
+                <a16:creationId xmlns:a16="http://schemas.microsoft.com/office/drawing/2014/main" xmlns="" id="{AA0A371D-EDD3-49FB-A5E7-B8C2B4A743D0}"/>
               </a:ext>
             </a:extLst>
           </p:cNvPr>
@@ -4646,7 +5330,7 @@
           <a:p>
             <a:fld id="{C3092D70-B9B3-42E8-972A-1A494C668E52}" type="datetimeFigureOut">
               <a:rPr lang="bg-BG" smtClean="0"/>
-              <a:t>14.5.2018 г.</a:t>
+              <a:t>15.5.2018 г.</a:t>
             </a:fld>
             <a:endParaRPr lang="bg-BG"/>
           </a:p>
@@ -4657,7 +5341,7 @@
           <p:cNvPr id="5" name="Footer Placeholder 4">
             <a:extLst>
               <a:ext uri="{FF2B5EF4-FFF2-40B4-BE49-F238E27FC236}">
-                <a16:creationId xmlns="" xmlns:a16="http://schemas.microsoft.com/office/drawing/2014/main" id="{A0DDBA1B-E053-4C8C-BCB6-32A726F7587A}"/>
+                <a16:creationId xmlns:a16="http://schemas.microsoft.com/office/drawing/2014/main" xmlns="" id="{A0DDBA1B-E053-4C8C-BCB6-32A726F7587A}"/>
               </a:ext>
             </a:extLst>
           </p:cNvPr>
@@ -4682,7 +5366,7 @@
           <p:cNvPr id="6" name="Slide Number Placeholder 5">
             <a:extLst>
               <a:ext uri="{FF2B5EF4-FFF2-40B4-BE49-F238E27FC236}">
-                <a16:creationId xmlns="" xmlns:a16="http://schemas.microsoft.com/office/drawing/2014/main" id="{027369A6-CA85-4F4E-9B7F-D58C297C3E2E}"/>
+                <a16:creationId xmlns:a16="http://schemas.microsoft.com/office/drawing/2014/main" xmlns="" id="{027369A6-CA85-4F4E-9B7F-D58C297C3E2E}"/>
               </a:ext>
             </a:extLst>
           </p:cNvPr>
@@ -4741,7 +5425,7 @@
           <p:cNvPr id="2" name="Title 1">
             <a:extLst>
               <a:ext uri="{FF2B5EF4-FFF2-40B4-BE49-F238E27FC236}">
-                <a16:creationId xmlns="" xmlns:a16="http://schemas.microsoft.com/office/drawing/2014/main" id="{A5C274AD-169E-43A5-B98F-253891EC8316}"/>
+                <a16:creationId xmlns:a16="http://schemas.microsoft.com/office/drawing/2014/main" xmlns="" id="{A5C274AD-169E-43A5-B98F-253891EC8316}"/>
               </a:ext>
             </a:extLst>
           </p:cNvPr>
@@ -4769,7 +5453,7 @@
           <p:cNvPr id="3" name="Vertical Text Placeholder 2">
             <a:extLst>
               <a:ext uri="{FF2B5EF4-FFF2-40B4-BE49-F238E27FC236}">
-                <a16:creationId xmlns="" xmlns:a16="http://schemas.microsoft.com/office/drawing/2014/main" id="{7D3BA573-C352-46A1-A9D7-969987561C38}"/>
+                <a16:creationId xmlns:a16="http://schemas.microsoft.com/office/drawing/2014/main" xmlns="" id="{7D3BA573-C352-46A1-A9D7-969987561C38}"/>
               </a:ext>
             </a:extLst>
           </p:cNvPr>
@@ -4826,7 +5510,7 @@
           <p:cNvPr id="4" name="Date Placeholder 3">
             <a:extLst>
               <a:ext uri="{FF2B5EF4-FFF2-40B4-BE49-F238E27FC236}">
-                <a16:creationId xmlns="" xmlns:a16="http://schemas.microsoft.com/office/drawing/2014/main" id="{F1BA29C4-F0DF-473A-AF84-3572AB7211F5}"/>
+                <a16:creationId xmlns:a16="http://schemas.microsoft.com/office/drawing/2014/main" xmlns="" id="{F1BA29C4-F0DF-473A-AF84-3572AB7211F5}"/>
               </a:ext>
             </a:extLst>
           </p:cNvPr>
@@ -4844,7 +5528,7 @@
           <a:p>
             <a:fld id="{C3092D70-B9B3-42E8-972A-1A494C668E52}" type="datetimeFigureOut">
               <a:rPr lang="bg-BG" smtClean="0"/>
-              <a:t>14.5.2018 г.</a:t>
+              <a:t>15.5.2018 г.</a:t>
             </a:fld>
             <a:endParaRPr lang="bg-BG"/>
           </a:p>
@@ -4855,7 +5539,7 @@
           <p:cNvPr id="5" name="Footer Placeholder 4">
             <a:extLst>
               <a:ext uri="{FF2B5EF4-FFF2-40B4-BE49-F238E27FC236}">
-                <a16:creationId xmlns="" xmlns:a16="http://schemas.microsoft.com/office/drawing/2014/main" id="{99BCF1D9-AFA4-437D-A014-D039F746082A}"/>
+                <a16:creationId xmlns:a16="http://schemas.microsoft.com/office/drawing/2014/main" xmlns="" id="{99BCF1D9-AFA4-437D-A014-D039F746082A}"/>
               </a:ext>
             </a:extLst>
           </p:cNvPr>
@@ -4880,7 +5564,7 @@
           <p:cNvPr id="6" name="Slide Number Placeholder 5">
             <a:extLst>
               <a:ext uri="{FF2B5EF4-FFF2-40B4-BE49-F238E27FC236}">
-                <a16:creationId xmlns="" xmlns:a16="http://schemas.microsoft.com/office/drawing/2014/main" id="{477A2EBE-A687-45F8-8E43-CCF51EF8A7FE}"/>
+                <a16:creationId xmlns:a16="http://schemas.microsoft.com/office/drawing/2014/main" xmlns="" id="{477A2EBE-A687-45F8-8E43-CCF51EF8A7FE}"/>
               </a:ext>
             </a:extLst>
           </p:cNvPr>
@@ -4939,7 +5623,7 @@
           <p:cNvPr id="2" name="Vertical Title 1">
             <a:extLst>
               <a:ext uri="{FF2B5EF4-FFF2-40B4-BE49-F238E27FC236}">
-                <a16:creationId xmlns="" xmlns:a16="http://schemas.microsoft.com/office/drawing/2014/main" id="{D073D44B-91FC-4E46-AE45-86CE8E7B6EC0}"/>
+                <a16:creationId xmlns:a16="http://schemas.microsoft.com/office/drawing/2014/main" xmlns="" id="{D073D44B-91FC-4E46-AE45-86CE8E7B6EC0}"/>
               </a:ext>
             </a:extLst>
           </p:cNvPr>
@@ -4972,7 +5656,7 @@
           <p:cNvPr id="3" name="Vertical Text Placeholder 2">
             <a:extLst>
               <a:ext uri="{FF2B5EF4-FFF2-40B4-BE49-F238E27FC236}">
-                <a16:creationId xmlns="" xmlns:a16="http://schemas.microsoft.com/office/drawing/2014/main" id="{C6C0A9D6-0319-40A3-9E6B-3B0EFA4D471C}"/>
+                <a16:creationId xmlns:a16="http://schemas.microsoft.com/office/drawing/2014/main" xmlns="" id="{C6C0A9D6-0319-40A3-9E6B-3B0EFA4D471C}"/>
               </a:ext>
             </a:extLst>
           </p:cNvPr>
@@ -5034,7 +5718,7 @@
           <p:cNvPr id="4" name="Date Placeholder 3">
             <a:extLst>
               <a:ext uri="{FF2B5EF4-FFF2-40B4-BE49-F238E27FC236}">
-                <a16:creationId xmlns="" xmlns:a16="http://schemas.microsoft.com/office/drawing/2014/main" id="{E24C1A50-5C87-467B-A7C4-6A0843C6AACE}"/>
+                <a16:creationId xmlns:a16="http://schemas.microsoft.com/office/drawing/2014/main" xmlns="" id="{E24C1A50-5C87-467B-A7C4-6A0843C6AACE}"/>
               </a:ext>
             </a:extLst>
           </p:cNvPr>
@@ -5052,7 +5736,7 @@
           <a:p>
             <a:fld id="{C3092D70-B9B3-42E8-972A-1A494C668E52}" type="datetimeFigureOut">
               <a:rPr lang="bg-BG" smtClean="0"/>
-              <a:t>14.5.2018 г.</a:t>
+              <a:t>15.5.2018 г.</a:t>
             </a:fld>
             <a:endParaRPr lang="bg-BG"/>
           </a:p>
@@ -5063,7 +5747,7 @@
           <p:cNvPr id="5" name="Footer Placeholder 4">
             <a:extLst>
               <a:ext uri="{FF2B5EF4-FFF2-40B4-BE49-F238E27FC236}">
-                <a16:creationId xmlns="" xmlns:a16="http://schemas.microsoft.com/office/drawing/2014/main" id="{A7DBC687-7231-499D-8C04-D28756B35529}"/>
+                <a16:creationId xmlns:a16="http://schemas.microsoft.com/office/drawing/2014/main" xmlns="" id="{A7DBC687-7231-499D-8C04-D28756B35529}"/>
               </a:ext>
             </a:extLst>
           </p:cNvPr>
@@ -5088,7 +5772,7 @@
           <p:cNvPr id="6" name="Slide Number Placeholder 5">
             <a:extLst>
               <a:ext uri="{FF2B5EF4-FFF2-40B4-BE49-F238E27FC236}">
-                <a16:creationId xmlns="" xmlns:a16="http://schemas.microsoft.com/office/drawing/2014/main" id="{D2E55FB4-382C-4E6C-BBCE-22AE7988668F}"/>
+                <a16:creationId xmlns:a16="http://schemas.microsoft.com/office/drawing/2014/main" xmlns="" id="{D2E55FB4-382C-4E6C-BBCE-22AE7988668F}"/>
               </a:ext>
             </a:extLst>
           </p:cNvPr>
@@ -5147,7 +5831,7 @@
           <p:cNvPr id="2" name="Title 1">
             <a:extLst>
               <a:ext uri="{FF2B5EF4-FFF2-40B4-BE49-F238E27FC236}">
-                <a16:creationId xmlns="" xmlns:a16="http://schemas.microsoft.com/office/drawing/2014/main" id="{98A8ACE3-ABA5-497F-B402-8DC42C9D067F}"/>
+                <a16:creationId xmlns:a16="http://schemas.microsoft.com/office/drawing/2014/main" xmlns="" id="{98A8ACE3-ABA5-497F-B402-8DC42C9D067F}"/>
               </a:ext>
             </a:extLst>
           </p:cNvPr>
@@ -5175,7 +5859,7 @@
           <p:cNvPr id="3" name="Content Placeholder 2">
             <a:extLst>
               <a:ext uri="{FF2B5EF4-FFF2-40B4-BE49-F238E27FC236}">
-                <a16:creationId xmlns="" xmlns:a16="http://schemas.microsoft.com/office/drawing/2014/main" id="{E0F1BAC3-966A-4323-B970-65C29C5C417B}"/>
+                <a16:creationId xmlns:a16="http://schemas.microsoft.com/office/drawing/2014/main" xmlns="" id="{E0F1BAC3-966A-4323-B970-65C29C5C417B}"/>
               </a:ext>
             </a:extLst>
           </p:cNvPr>
@@ -5232,7 +5916,7 @@
           <p:cNvPr id="4" name="Date Placeholder 3">
             <a:extLst>
               <a:ext uri="{FF2B5EF4-FFF2-40B4-BE49-F238E27FC236}">
-                <a16:creationId xmlns="" xmlns:a16="http://schemas.microsoft.com/office/drawing/2014/main" id="{9C3EECC1-969E-4374-A0DD-07E2D200FACB}"/>
+                <a16:creationId xmlns:a16="http://schemas.microsoft.com/office/drawing/2014/main" xmlns="" id="{9C3EECC1-969E-4374-A0DD-07E2D200FACB}"/>
               </a:ext>
             </a:extLst>
           </p:cNvPr>
@@ -5250,7 +5934,7 @@
           <a:p>
             <a:fld id="{C3092D70-B9B3-42E8-972A-1A494C668E52}" type="datetimeFigureOut">
               <a:rPr lang="bg-BG" smtClean="0"/>
-              <a:t>14.5.2018 г.</a:t>
+              <a:t>15.5.2018 г.</a:t>
             </a:fld>
             <a:endParaRPr lang="bg-BG"/>
           </a:p>
@@ -5261,7 +5945,7 @@
           <p:cNvPr id="5" name="Footer Placeholder 4">
             <a:extLst>
               <a:ext uri="{FF2B5EF4-FFF2-40B4-BE49-F238E27FC236}">
-                <a16:creationId xmlns="" xmlns:a16="http://schemas.microsoft.com/office/drawing/2014/main" id="{63AA7379-2F0D-4A22-9D95-496969919E1D}"/>
+                <a16:creationId xmlns:a16="http://schemas.microsoft.com/office/drawing/2014/main" xmlns="" id="{63AA7379-2F0D-4A22-9D95-496969919E1D}"/>
               </a:ext>
             </a:extLst>
           </p:cNvPr>
@@ -5286,7 +5970,7 @@
           <p:cNvPr id="6" name="Slide Number Placeholder 5">
             <a:extLst>
               <a:ext uri="{FF2B5EF4-FFF2-40B4-BE49-F238E27FC236}">
-                <a16:creationId xmlns="" xmlns:a16="http://schemas.microsoft.com/office/drawing/2014/main" id="{E7A7ADAC-87AE-4D25-8BAD-B49421DF4232}"/>
+                <a16:creationId xmlns:a16="http://schemas.microsoft.com/office/drawing/2014/main" xmlns="" id="{E7A7ADAC-87AE-4D25-8BAD-B49421DF4232}"/>
               </a:ext>
             </a:extLst>
           </p:cNvPr>
@@ -5345,7 +6029,7 @@
           <p:cNvPr id="2" name="Title 1">
             <a:extLst>
               <a:ext uri="{FF2B5EF4-FFF2-40B4-BE49-F238E27FC236}">
-                <a16:creationId xmlns="" xmlns:a16="http://schemas.microsoft.com/office/drawing/2014/main" id="{C069FEC6-6106-46A3-8A0C-60F10327B5FC}"/>
+                <a16:creationId xmlns:a16="http://schemas.microsoft.com/office/drawing/2014/main" xmlns="" id="{C069FEC6-6106-46A3-8A0C-60F10327B5FC}"/>
               </a:ext>
             </a:extLst>
           </p:cNvPr>
@@ -5382,7 +6066,7 @@
           <p:cNvPr id="3" name="Text Placeholder 2">
             <a:extLst>
               <a:ext uri="{FF2B5EF4-FFF2-40B4-BE49-F238E27FC236}">
-                <a16:creationId xmlns="" xmlns:a16="http://schemas.microsoft.com/office/drawing/2014/main" id="{B0A98B17-A0BB-40E9-83F6-2E40901B69AA}"/>
+                <a16:creationId xmlns:a16="http://schemas.microsoft.com/office/drawing/2014/main" xmlns="" id="{B0A98B17-A0BB-40E9-83F6-2E40901B69AA}"/>
               </a:ext>
             </a:extLst>
           </p:cNvPr>
@@ -5507,7 +6191,7 @@
           <p:cNvPr id="4" name="Date Placeholder 3">
             <a:extLst>
               <a:ext uri="{FF2B5EF4-FFF2-40B4-BE49-F238E27FC236}">
-                <a16:creationId xmlns="" xmlns:a16="http://schemas.microsoft.com/office/drawing/2014/main" id="{753A77B6-F3A8-4FFC-8BD6-A296315587C4}"/>
+                <a16:creationId xmlns:a16="http://schemas.microsoft.com/office/drawing/2014/main" xmlns="" id="{753A77B6-F3A8-4FFC-8BD6-A296315587C4}"/>
               </a:ext>
             </a:extLst>
           </p:cNvPr>
@@ -5525,7 +6209,7 @@
           <a:p>
             <a:fld id="{C3092D70-B9B3-42E8-972A-1A494C668E52}" type="datetimeFigureOut">
               <a:rPr lang="bg-BG" smtClean="0"/>
-              <a:t>14.5.2018 г.</a:t>
+              <a:t>15.5.2018 г.</a:t>
             </a:fld>
             <a:endParaRPr lang="bg-BG"/>
           </a:p>
@@ -5536,7 +6220,7 @@
           <p:cNvPr id="5" name="Footer Placeholder 4">
             <a:extLst>
               <a:ext uri="{FF2B5EF4-FFF2-40B4-BE49-F238E27FC236}">
-                <a16:creationId xmlns="" xmlns:a16="http://schemas.microsoft.com/office/drawing/2014/main" id="{D5AF541E-40C5-4DF5-9AA4-FFCA11673B69}"/>
+                <a16:creationId xmlns:a16="http://schemas.microsoft.com/office/drawing/2014/main" xmlns="" id="{D5AF541E-40C5-4DF5-9AA4-FFCA11673B69}"/>
               </a:ext>
             </a:extLst>
           </p:cNvPr>
@@ -5561,7 +6245,7 @@
           <p:cNvPr id="6" name="Slide Number Placeholder 5">
             <a:extLst>
               <a:ext uri="{FF2B5EF4-FFF2-40B4-BE49-F238E27FC236}">
-                <a16:creationId xmlns="" xmlns:a16="http://schemas.microsoft.com/office/drawing/2014/main" id="{ECF717A8-6EFF-40A3-985A-8490714C44F2}"/>
+                <a16:creationId xmlns:a16="http://schemas.microsoft.com/office/drawing/2014/main" xmlns="" id="{ECF717A8-6EFF-40A3-985A-8490714C44F2}"/>
               </a:ext>
             </a:extLst>
           </p:cNvPr>
@@ -5620,7 +6304,7 @@
           <p:cNvPr id="2" name="Title 1">
             <a:extLst>
               <a:ext uri="{FF2B5EF4-FFF2-40B4-BE49-F238E27FC236}">
-                <a16:creationId xmlns="" xmlns:a16="http://schemas.microsoft.com/office/drawing/2014/main" id="{B82B55F1-3114-49B5-9D34-27437253BDD4}"/>
+                <a16:creationId xmlns:a16="http://schemas.microsoft.com/office/drawing/2014/main" xmlns="" id="{B82B55F1-3114-49B5-9D34-27437253BDD4}"/>
               </a:ext>
             </a:extLst>
           </p:cNvPr>
@@ -5648,7 +6332,7 @@
           <p:cNvPr id="3" name="Content Placeholder 2">
             <a:extLst>
               <a:ext uri="{FF2B5EF4-FFF2-40B4-BE49-F238E27FC236}">
-                <a16:creationId xmlns="" xmlns:a16="http://schemas.microsoft.com/office/drawing/2014/main" id="{D78F6BF2-AF0B-49F5-A1C8-5CB2F790A952}"/>
+                <a16:creationId xmlns:a16="http://schemas.microsoft.com/office/drawing/2014/main" xmlns="" id="{D78F6BF2-AF0B-49F5-A1C8-5CB2F790A952}"/>
               </a:ext>
             </a:extLst>
           </p:cNvPr>
@@ -5710,7 +6394,7 @@
           <p:cNvPr id="4" name="Content Placeholder 3">
             <a:extLst>
               <a:ext uri="{FF2B5EF4-FFF2-40B4-BE49-F238E27FC236}">
-                <a16:creationId xmlns="" xmlns:a16="http://schemas.microsoft.com/office/drawing/2014/main" id="{DE3D1C98-6F43-458F-B026-1488F7958B55}"/>
+                <a16:creationId xmlns:a16="http://schemas.microsoft.com/office/drawing/2014/main" xmlns="" id="{DE3D1C98-6F43-458F-B026-1488F7958B55}"/>
               </a:ext>
             </a:extLst>
           </p:cNvPr>
@@ -5772,7 +6456,7 @@
           <p:cNvPr id="5" name="Date Placeholder 4">
             <a:extLst>
               <a:ext uri="{FF2B5EF4-FFF2-40B4-BE49-F238E27FC236}">
-                <a16:creationId xmlns="" xmlns:a16="http://schemas.microsoft.com/office/drawing/2014/main" id="{C7D004A0-CB96-4E21-A678-39C37D814ED2}"/>
+                <a16:creationId xmlns:a16="http://schemas.microsoft.com/office/drawing/2014/main" xmlns="" id="{C7D004A0-CB96-4E21-A678-39C37D814ED2}"/>
               </a:ext>
             </a:extLst>
           </p:cNvPr>
@@ -5790,7 +6474,7 @@
           <a:p>
             <a:fld id="{C3092D70-B9B3-42E8-972A-1A494C668E52}" type="datetimeFigureOut">
               <a:rPr lang="bg-BG" smtClean="0"/>
-              <a:t>14.5.2018 г.</a:t>
+              <a:t>15.5.2018 г.</a:t>
             </a:fld>
             <a:endParaRPr lang="bg-BG"/>
           </a:p>
@@ -5801,7 +6485,7 @@
           <p:cNvPr id="6" name="Footer Placeholder 5">
             <a:extLst>
               <a:ext uri="{FF2B5EF4-FFF2-40B4-BE49-F238E27FC236}">
-                <a16:creationId xmlns="" xmlns:a16="http://schemas.microsoft.com/office/drawing/2014/main" id="{4E3D6B65-1FD8-42A4-981A-749270DB698C}"/>
+                <a16:creationId xmlns:a16="http://schemas.microsoft.com/office/drawing/2014/main" xmlns="" id="{4E3D6B65-1FD8-42A4-981A-749270DB698C}"/>
               </a:ext>
             </a:extLst>
           </p:cNvPr>
@@ -5826,7 +6510,7 @@
           <p:cNvPr id="7" name="Slide Number Placeholder 6">
             <a:extLst>
               <a:ext uri="{FF2B5EF4-FFF2-40B4-BE49-F238E27FC236}">
-                <a16:creationId xmlns="" xmlns:a16="http://schemas.microsoft.com/office/drawing/2014/main" id="{B13C0180-9791-4ADE-AC70-BBFA48C7D2AC}"/>
+                <a16:creationId xmlns:a16="http://schemas.microsoft.com/office/drawing/2014/main" xmlns="" id="{B13C0180-9791-4ADE-AC70-BBFA48C7D2AC}"/>
               </a:ext>
             </a:extLst>
           </p:cNvPr>
@@ -5885,7 +6569,7 @@
           <p:cNvPr id="2" name="Title 1">
             <a:extLst>
               <a:ext uri="{FF2B5EF4-FFF2-40B4-BE49-F238E27FC236}">
-                <a16:creationId xmlns="" xmlns:a16="http://schemas.microsoft.com/office/drawing/2014/main" id="{10CC678D-06CA-4FEF-AD6D-A6D964F953D0}"/>
+                <a16:creationId xmlns:a16="http://schemas.microsoft.com/office/drawing/2014/main" xmlns="" id="{10CC678D-06CA-4FEF-AD6D-A6D964F953D0}"/>
               </a:ext>
             </a:extLst>
           </p:cNvPr>
@@ -5918,7 +6602,7 @@
           <p:cNvPr id="3" name="Text Placeholder 2">
             <a:extLst>
               <a:ext uri="{FF2B5EF4-FFF2-40B4-BE49-F238E27FC236}">
-                <a16:creationId xmlns="" xmlns:a16="http://schemas.microsoft.com/office/drawing/2014/main" id="{0838CE19-F3D8-438D-B282-EEB9C3534D11}"/>
+                <a16:creationId xmlns:a16="http://schemas.microsoft.com/office/drawing/2014/main" xmlns="" id="{0838CE19-F3D8-438D-B282-EEB9C3534D11}"/>
               </a:ext>
             </a:extLst>
           </p:cNvPr>
@@ -5989,7 +6673,7 @@
           <p:cNvPr id="4" name="Content Placeholder 3">
             <a:extLst>
               <a:ext uri="{FF2B5EF4-FFF2-40B4-BE49-F238E27FC236}">
-                <a16:creationId xmlns="" xmlns:a16="http://schemas.microsoft.com/office/drawing/2014/main" id="{8FC17B3B-DE24-4C27-AE02-BD9B025826D5}"/>
+                <a16:creationId xmlns:a16="http://schemas.microsoft.com/office/drawing/2014/main" xmlns="" id="{8FC17B3B-DE24-4C27-AE02-BD9B025826D5}"/>
               </a:ext>
             </a:extLst>
           </p:cNvPr>
@@ -6051,7 +6735,7 @@
           <p:cNvPr id="5" name="Text Placeholder 4">
             <a:extLst>
               <a:ext uri="{FF2B5EF4-FFF2-40B4-BE49-F238E27FC236}">
-                <a16:creationId xmlns="" xmlns:a16="http://schemas.microsoft.com/office/drawing/2014/main" id="{FE7DADFA-C86F-45C1-9080-2C819119E0E0}"/>
+                <a16:creationId xmlns:a16="http://schemas.microsoft.com/office/drawing/2014/main" xmlns="" id="{FE7DADFA-C86F-45C1-9080-2C819119E0E0}"/>
               </a:ext>
             </a:extLst>
           </p:cNvPr>
@@ -6122,7 +6806,7 @@
           <p:cNvPr id="6" name="Content Placeholder 5">
             <a:extLst>
               <a:ext uri="{FF2B5EF4-FFF2-40B4-BE49-F238E27FC236}">
-                <a16:creationId xmlns="" xmlns:a16="http://schemas.microsoft.com/office/drawing/2014/main" id="{8C610FA5-BA5C-4015-9938-75250F24805A}"/>
+                <a16:creationId xmlns:a16="http://schemas.microsoft.com/office/drawing/2014/main" xmlns="" id="{8C610FA5-BA5C-4015-9938-75250F24805A}"/>
               </a:ext>
             </a:extLst>
           </p:cNvPr>
@@ -6184,7 +6868,7 @@
           <p:cNvPr id="7" name="Date Placeholder 6">
             <a:extLst>
               <a:ext uri="{FF2B5EF4-FFF2-40B4-BE49-F238E27FC236}">
-                <a16:creationId xmlns="" xmlns:a16="http://schemas.microsoft.com/office/drawing/2014/main" id="{6E99F4F8-4FA0-4CA7-83CF-68B226751271}"/>
+                <a16:creationId xmlns:a16="http://schemas.microsoft.com/office/drawing/2014/main" xmlns="" id="{6E99F4F8-4FA0-4CA7-83CF-68B226751271}"/>
               </a:ext>
             </a:extLst>
           </p:cNvPr>
@@ -6202,7 +6886,7 @@
           <a:p>
             <a:fld id="{C3092D70-B9B3-42E8-972A-1A494C668E52}" type="datetimeFigureOut">
               <a:rPr lang="bg-BG" smtClean="0"/>
-              <a:t>14.5.2018 г.</a:t>
+              <a:t>15.5.2018 г.</a:t>
             </a:fld>
             <a:endParaRPr lang="bg-BG"/>
           </a:p>
@@ -6213,7 +6897,7 @@
           <p:cNvPr id="8" name="Footer Placeholder 7">
             <a:extLst>
               <a:ext uri="{FF2B5EF4-FFF2-40B4-BE49-F238E27FC236}">
-                <a16:creationId xmlns="" xmlns:a16="http://schemas.microsoft.com/office/drawing/2014/main" id="{E59F1EEA-F77A-4867-B273-1F987A3112FD}"/>
+                <a16:creationId xmlns:a16="http://schemas.microsoft.com/office/drawing/2014/main" xmlns="" id="{E59F1EEA-F77A-4867-B273-1F987A3112FD}"/>
               </a:ext>
             </a:extLst>
           </p:cNvPr>
@@ -6238,7 +6922,7 @@
           <p:cNvPr id="9" name="Slide Number Placeholder 8">
             <a:extLst>
               <a:ext uri="{FF2B5EF4-FFF2-40B4-BE49-F238E27FC236}">
-                <a16:creationId xmlns="" xmlns:a16="http://schemas.microsoft.com/office/drawing/2014/main" id="{F472CA16-9CF3-4CCC-A83C-D9D3A44A4EFC}"/>
+                <a16:creationId xmlns:a16="http://schemas.microsoft.com/office/drawing/2014/main" xmlns="" id="{F472CA16-9CF3-4CCC-A83C-D9D3A44A4EFC}"/>
               </a:ext>
             </a:extLst>
           </p:cNvPr>
@@ -6297,7 +6981,7 @@
           <p:cNvPr id="2" name="Title 1">
             <a:extLst>
               <a:ext uri="{FF2B5EF4-FFF2-40B4-BE49-F238E27FC236}">
-                <a16:creationId xmlns="" xmlns:a16="http://schemas.microsoft.com/office/drawing/2014/main" id="{EB11BF20-E7FE-4C1F-B608-A6C42F078E57}"/>
+                <a16:creationId xmlns:a16="http://schemas.microsoft.com/office/drawing/2014/main" xmlns="" id="{EB11BF20-E7FE-4C1F-B608-A6C42F078E57}"/>
               </a:ext>
             </a:extLst>
           </p:cNvPr>
@@ -6325,7 +7009,7 @@
           <p:cNvPr id="3" name="Date Placeholder 2">
             <a:extLst>
               <a:ext uri="{FF2B5EF4-FFF2-40B4-BE49-F238E27FC236}">
-                <a16:creationId xmlns="" xmlns:a16="http://schemas.microsoft.com/office/drawing/2014/main" id="{189DF095-00C9-4121-A228-191E21380CF3}"/>
+                <a16:creationId xmlns:a16="http://schemas.microsoft.com/office/drawing/2014/main" xmlns="" id="{189DF095-00C9-4121-A228-191E21380CF3}"/>
               </a:ext>
             </a:extLst>
           </p:cNvPr>
@@ -6343,7 +7027,7 @@
           <a:p>
             <a:fld id="{C3092D70-B9B3-42E8-972A-1A494C668E52}" type="datetimeFigureOut">
               <a:rPr lang="bg-BG" smtClean="0"/>
-              <a:t>14.5.2018 г.</a:t>
+              <a:t>15.5.2018 г.</a:t>
             </a:fld>
             <a:endParaRPr lang="bg-BG"/>
           </a:p>
@@ -6354,7 +7038,7 @@
           <p:cNvPr id="4" name="Footer Placeholder 3">
             <a:extLst>
               <a:ext uri="{FF2B5EF4-FFF2-40B4-BE49-F238E27FC236}">
-                <a16:creationId xmlns="" xmlns:a16="http://schemas.microsoft.com/office/drawing/2014/main" id="{357DFE8F-1202-47BA-9792-057A0666AEB8}"/>
+                <a16:creationId xmlns:a16="http://schemas.microsoft.com/office/drawing/2014/main" xmlns="" id="{357DFE8F-1202-47BA-9792-057A0666AEB8}"/>
               </a:ext>
             </a:extLst>
           </p:cNvPr>
@@ -6379,7 +7063,7 @@
           <p:cNvPr id="5" name="Slide Number Placeholder 4">
             <a:extLst>
               <a:ext uri="{FF2B5EF4-FFF2-40B4-BE49-F238E27FC236}">
-                <a16:creationId xmlns="" xmlns:a16="http://schemas.microsoft.com/office/drawing/2014/main" id="{C529FDE9-94C5-4215-A342-838337B73D0C}"/>
+                <a16:creationId xmlns:a16="http://schemas.microsoft.com/office/drawing/2014/main" xmlns="" id="{C529FDE9-94C5-4215-A342-838337B73D0C}"/>
               </a:ext>
             </a:extLst>
           </p:cNvPr>
@@ -6438,7 +7122,7 @@
           <p:cNvPr id="2" name="Date Placeholder 1">
             <a:extLst>
               <a:ext uri="{FF2B5EF4-FFF2-40B4-BE49-F238E27FC236}">
-                <a16:creationId xmlns="" xmlns:a16="http://schemas.microsoft.com/office/drawing/2014/main" id="{E5229D22-9E35-46EE-95EF-E9FF5BF2AA64}"/>
+                <a16:creationId xmlns:a16="http://schemas.microsoft.com/office/drawing/2014/main" xmlns="" id="{E5229D22-9E35-46EE-95EF-E9FF5BF2AA64}"/>
               </a:ext>
             </a:extLst>
           </p:cNvPr>
@@ -6456,7 +7140,7 @@
           <a:p>
             <a:fld id="{C3092D70-B9B3-42E8-972A-1A494C668E52}" type="datetimeFigureOut">
               <a:rPr lang="bg-BG" smtClean="0"/>
-              <a:t>14.5.2018 г.</a:t>
+              <a:t>15.5.2018 г.</a:t>
             </a:fld>
             <a:endParaRPr lang="bg-BG"/>
           </a:p>
@@ -6467,7 +7151,7 @@
           <p:cNvPr id="3" name="Footer Placeholder 2">
             <a:extLst>
               <a:ext uri="{FF2B5EF4-FFF2-40B4-BE49-F238E27FC236}">
-                <a16:creationId xmlns="" xmlns:a16="http://schemas.microsoft.com/office/drawing/2014/main" id="{494B0981-6755-4D46-8493-5418DA11461F}"/>
+                <a16:creationId xmlns:a16="http://schemas.microsoft.com/office/drawing/2014/main" xmlns="" id="{494B0981-6755-4D46-8493-5418DA11461F}"/>
               </a:ext>
             </a:extLst>
           </p:cNvPr>
@@ -6492,7 +7176,7 @@
           <p:cNvPr id="4" name="Slide Number Placeholder 3">
             <a:extLst>
               <a:ext uri="{FF2B5EF4-FFF2-40B4-BE49-F238E27FC236}">
-                <a16:creationId xmlns="" xmlns:a16="http://schemas.microsoft.com/office/drawing/2014/main" id="{6E733BF2-6C03-46BC-886C-809FAE448CF9}"/>
+                <a16:creationId xmlns:a16="http://schemas.microsoft.com/office/drawing/2014/main" xmlns="" id="{6E733BF2-6C03-46BC-886C-809FAE448CF9}"/>
               </a:ext>
             </a:extLst>
           </p:cNvPr>
@@ -6551,7 +7235,7 @@
           <p:cNvPr id="2" name="Title 1">
             <a:extLst>
               <a:ext uri="{FF2B5EF4-FFF2-40B4-BE49-F238E27FC236}">
-                <a16:creationId xmlns="" xmlns:a16="http://schemas.microsoft.com/office/drawing/2014/main" id="{1315244E-0219-43C8-A462-B050AA4D8B61}"/>
+                <a16:creationId xmlns:a16="http://schemas.microsoft.com/office/drawing/2014/main" xmlns="" id="{1315244E-0219-43C8-A462-B050AA4D8B61}"/>
               </a:ext>
             </a:extLst>
           </p:cNvPr>
@@ -6588,7 +7272,7 @@
           <p:cNvPr id="3" name="Content Placeholder 2">
             <a:extLst>
               <a:ext uri="{FF2B5EF4-FFF2-40B4-BE49-F238E27FC236}">
-                <a16:creationId xmlns="" xmlns:a16="http://schemas.microsoft.com/office/drawing/2014/main" id="{4BD5FA65-5CA4-463A-9653-0B8D95647016}"/>
+                <a16:creationId xmlns:a16="http://schemas.microsoft.com/office/drawing/2014/main" xmlns="" id="{4BD5FA65-5CA4-463A-9653-0B8D95647016}"/>
               </a:ext>
             </a:extLst>
           </p:cNvPr>
@@ -6678,7 +7362,7 @@
           <p:cNvPr id="4" name="Text Placeholder 3">
             <a:extLst>
               <a:ext uri="{FF2B5EF4-FFF2-40B4-BE49-F238E27FC236}">
-                <a16:creationId xmlns="" xmlns:a16="http://schemas.microsoft.com/office/drawing/2014/main" id="{7A81A1CD-C086-4BE4-834F-180F923D539B}"/>
+                <a16:creationId xmlns:a16="http://schemas.microsoft.com/office/drawing/2014/main" xmlns="" id="{7A81A1CD-C086-4BE4-834F-180F923D539B}"/>
               </a:ext>
             </a:extLst>
           </p:cNvPr>
@@ -6749,7 +7433,7 @@
           <p:cNvPr id="5" name="Date Placeholder 4">
             <a:extLst>
               <a:ext uri="{FF2B5EF4-FFF2-40B4-BE49-F238E27FC236}">
-                <a16:creationId xmlns="" xmlns:a16="http://schemas.microsoft.com/office/drawing/2014/main" id="{0F5A7BD2-BB30-43ED-B2E9-68F264A56E07}"/>
+                <a16:creationId xmlns:a16="http://schemas.microsoft.com/office/drawing/2014/main" xmlns="" id="{0F5A7BD2-BB30-43ED-B2E9-68F264A56E07}"/>
               </a:ext>
             </a:extLst>
           </p:cNvPr>
@@ -6767,7 +7451,7 @@
           <a:p>
             <a:fld id="{C3092D70-B9B3-42E8-972A-1A494C668E52}" type="datetimeFigureOut">
               <a:rPr lang="bg-BG" smtClean="0"/>
-              <a:t>14.5.2018 г.</a:t>
+              <a:t>15.5.2018 г.</a:t>
             </a:fld>
             <a:endParaRPr lang="bg-BG"/>
           </a:p>
@@ -6778,7 +7462,7 @@
           <p:cNvPr id="6" name="Footer Placeholder 5">
             <a:extLst>
               <a:ext uri="{FF2B5EF4-FFF2-40B4-BE49-F238E27FC236}">
-                <a16:creationId xmlns="" xmlns:a16="http://schemas.microsoft.com/office/drawing/2014/main" id="{16972E9B-A662-4F9C-9FE8-1FE0FBDF811E}"/>
+                <a16:creationId xmlns:a16="http://schemas.microsoft.com/office/drawing/2014/main" xmlns="" id="{16972E9B-A662-4F9C-9FE8-1FE0FBDF811E}"/>
               </a:ext>
             </a:extLst>
           </p:cNvPr>
@@ -6803,7 +7487,7 @@
           <p:cNvPr id="7" name="Slide Number Placeholder 6">
             <a:extLst>
               <a:ext uri="{FF2B5EF4-FFF2-40B4-BE49-F238E27FC236}">
-                <a16:creationId xmlns="" xmlns:a16="http://schemas.microsoft.com/office/drawing/2014/main" id="{2FF2D642-3213-4582-B6A8-060F5A8C7F39}"/>
+                <a16:creationId xmlns:a16="http://schemas.microsoft.com/office/drawing/2014/main" xmlns="" id="{2FF2D642-3213-4582-B6A8-060F5A8C7F39}"/>
               </a:ext>
             </a:extLst>
           </p:cNvPr>
@@ -6862,7 +7546,7 @@
           <p:cNvPr id="2" name="Title 1">
             <a:extLst>
               <a:ext uri="{FF2B5EF4-FFF2-40B4-BE49-F238E27FC236}">
-                <a16:creationId xmlns="" xmlns:a16="http://schemas.microsoft.com/office/drawing/2014/main" id="{D2DC7C6F-C4A2-46D6-A487-225B0FCADD7F}"/>
+                <a16:creationId xmlns:a16="http://schemas.microsoft.com/office/drawing/2014/main" xmlns="" id="{D2DC7C6F-C4A2-46D6-A487-225B0FCADD7F}"/>
               </a:ext>
             </a:extLst>
           </p:cNvPr>
@@ -6899,7 +7583,7 @@
           <p:cNvPr id="3" name="Picture Placeholder 2">
             <a:extLst>
               <a:ext uri="{FF2B5EF4-FFF2-40B4-BE49-F238E27FC236}">
-                <a16:creationId xmlns="" xmlns:a16="http://schemas.microsoft.com/office/drawing/2014/main" id="{95AB7E70-EBC2-402A-89FD-40654F189EC8}"/>
+                <a16:creationId xmlns:a16="http://schemas.microsoft.com/office/drawing/2014/main" xmlns="" id="{95AB7E70-EBC2-402A-89FD-40654F189EC8}"/>
               </a:ext>
             </a:extLst>
           </p:cNvPr>
@@ -6966,7 +7650,7 @@
           <p:cNvPr id="4" name="Text Placeholder 3">
             <a:extLst>
               <a:ext uri="{FF2B5EF4-FFF2-40B4-BE49-F238E27FC236}">
-                <a16:creationId xmlns="" xmlns:a16="http://schemas.microsoft.com/office/drawing/2014/main" id="{F51F0FA0-5A0C-43E8-8135-3CEA1502760A}"/>
+                <a16:creationId xmlns:a16="http://schemas.microsoft.com/office/drawing/2014/main" xmlns="" id="{F51F0FA0-5A0C-43E8-8135-3CEA1502760A}"/>
               </a:ext>
             </a:extLst>
           </p:cNvPr>
@@ -7037,7 +7721,7 @@
           <p:cNvPr id="5" name="Date Placeholder 4">
             <a:extLst>
               <a:ext uri="{FF2B5EF4-FFF2-40B4-BE49-F238E27FC236}">
-                <a16:creationId xmlns="" xmlns:a16="http://schemas.microsoft.com/office/drawing/2014/main" id="{31092137-F02A-4210-BC94-6E446089DC5D}"/>
+                <a16:creationId xmlns:a16="http://schemas.microsoft.com/office/drawing/2014/main" xmlns="" id="{31092137-F02A-4210-BC94-6E446089DC5D}"/>
               </a:ext>
             </a:extLst>
           </p:cNvPr>
@@ -7055,7 +7739,7 @@
           <a:p>
             <a:fld id="{C3092D70-B9B3-42E8-972A-1A494C668E52}" type="datetimeFigureOut">
               <a:rPr lang="bg-BG" smtClean="0"/>
-              <a:t>14.5.2018 г.</a:t>
+              <a:t>15.5.2018 г.</a:t>
             </a:fld>
             <a:endParaRPr lang="bg-BG"/>
           </a:p>
@@ -7066,7 +7750,7 @@
           <p:cNvPr id="6" name="Footer Placeholder 5">
             <a:extLst>
               <a:ext uri="{FF2B5EF4-FFF2-40B4-BE49-F238E27FC236}">
-                <a16:creationId xmlns="" xmlns:a16="http://schemas.microsoft.com/office/drawing/2014/main" id="{D5440B88-271D-4CB6-89D9-8A4280A39E24}"/>
+                <a16:creationId xmlns:a16="http://schemas.microsoft.com/office/drawing/2014/main" xmlns="" id="{D5440B88-271D-4CB6-89D9-8A4280A39E24}"/>
               </a:ext>
             </a:extLst>
           </p:cNvPr>
@@ -7091,7 +7775,7 @@
           <p:cNvPr id="7" name="Slide Number Placeholder 6">
             <a:extLst>
               <a:ext uri="{FF2B5EF4-FFF2-40B4-BE49-F238E27FC236}">
-                <a16:creationId xmlns="" xmlns:a16="http://schemas.microsoft.com/office/drawing/2014/main" id="{97359E73-3BF7-4DBB-8EDF-B328D926DDDB}"/>
+                <a16:creationId xmlns:a16="http://schemas.microsoft.com/office/drawing/2014/main" xmlns="" id="{97359E73-3BF7-4DBB-8EDF-B328D926DDDB}"/>
               </a:ext>
             </a:extLst>
           </p:cNvPr>
@@ -7155,7 +7839,7 @@
           <p:cNvPr id="2" name="Title Placeholder 1">
             <a:extLst>
               <a:ext uri="{FF2B5EF4-FFF2-40B4-BE49-F238E27FC236}">
-                <a16:creationId xmlns="" xmlns:a16="http://schemas.microsoft.com/office/drawing/2014/main" id="{ABE57163-5E5E-4024-B604-AEA9E8F6C339}"/>
+                <a16:creationId xmlns:a16="http://schemas.microsoft.com/office/drawing/2014/main" xmlns="" id="{ABE57163-5E5E-4024-B604-AEA9E8F6C339}"/>
               </a:ext>
             </a:extLst>
           </p:cNvPr>
@@ -7193,7 +7877,7 @@
           <p:cNvPr id="3" name="Text Placeholder 2">
             <a:extLst>
               <a:ext uri="{FF2B5EF4-FFF2-40B4-BE49-F238E27FC236}">
-                <a16:creationId xmlns="" xmlns:a16="http://schemas.microsoft.com/office/drawing/2014/main" id="{90B5B0FA-BCB3-430E-BA86-275B53648F4A}"/>
+                <a16:creationId xmlns:a16="http://schemas.microsoft.com/office/drawing/2014/main" xmlns="" id="{90B5B0FA-BCB3-430E-BA86-275B53648F4A}"/>
               </a:ext>
             </a:extLst>
           </p:cNvPr>
@@ -7260,7 +7944,7 @@
           <p:cNvPr id="4" name="Date Placeholder 3">
             <a:extLst>
               <a:ext uri="{FF2B5EF4-FFF2-40B4-BE49-F238E27FC236}">
-                <a16:creationId xmlns="" xmlns:a16="http://schemas.microsoft.com/office/drawing/2014/main" id="{C9A7461D-826C-4354-9110-58738FC38631}"/>
+                <a16:creationId xmlns:a16="http://schemas.microsoft.com/office/drawing/2014/main" xmlns="" id="{C9A7461D-826C-4354-9110-58738FC38631}"/>
               </a:ext>
             </a:extLst>
           </p:cNvPr>
@@ -7296,7 +7980,7 @@
           <a:p>
             <a:fld id="{C3092D70-B9B3-42E8-972A-1A494C668E52}" type="datetimeFigureOut">
               <a:rPr lang="bg-BG" smtClean="0"/>
-              <a:t>14.5.2018 г.</a:t>
+              <a:t>15.5.2018 г.</a:t>
             </a:fld>
             <a:endParaRPr lang="bg-BG"/>
           </a:p>
@@ -7307,7 +7991,7 @@
           <p:cNvPr id="5" name="Footer Placeholder 4">
             <a:extLst>
               <a:ext uri="{FF2B5EF4-FFF2-40B4-BE49-F238E27FC236}">
-                <a16:creationId xmlns="" xmlns:a16="http://schemas.microsoft.com/office/drawing/2014/main" id="{85B3AA24-6BFD-4CC2-B305-AD5B64DBDC7C}"/>
+                <a16:creationId xmlns:a16="http://schemas.microsoft.com/office/drawing/2014/main" xmlns="" id="{85B3AA24-6BFD-4CC2-B305-AD5B64DBDC7C}"/>
               </a:ext>
             </a:extLst>
           </p:cNvPr>
@@ -7350,7 +8034,7 @@
           <p:cNvPr id="6" name="Slide Number Placeholder 5">
             <a:extLst>
               <a:ext uri="{FF2B5EF4-FFF2-40B4-BE49-F238E27FC236}">
-                <a16:creationId xmlns="" xmlns:a16="http://schemas.microsoft.com/office/drawing/2014/main" id="{A4413ACE-E4D9-40D6-9282-7A6BF98C1EF8}"/>
+                <a16:creationId xmlns:a16="http://schemas.microsoft.com/office/drawing/2014/main" xmlns="" id="{A4413ACE-E4D9-40D6-9282-7A6BF98C1EF8}"/>
               </a:ext>
             </a:extLst>
           </p:cNvPr>
@@ -7740,7 +8424,7 @@
 </p:sld>
 </file>
 
-<file path=ppt/slides/slide2.xml><?xml version="1.0" encoding="utf-8"?>
+<file path=ppt/slides/slide10.xml><?xml version="1.0" encoding="utf-8"?>
 <p:sld xmlns:a="http://schemas.openxmlformats.org/drawingml/2006/main" xmlns:r="http://schemas.openxmlformats.org/officeDocument/2006/relationships" xmlns:p="http://schemas.openxmlformats.org/presentationml/2006/main">
   <p:cSld>
     <p:bg>
@@ -7776,7 +8460,7 @@
           <p:cNvPr id="39" name="Rectangle 38">
             <a:extLst>
               <a:ext uri="{FF2B5EF4-FFF2-40B4-BE49-F238E27FC236}">
-                <a16:creationId xmlns="" xmlns:a16="http://schemas.microsoft.com/office/drawing/2014/main" id="{C1C163D1-85A2-4643-BA3C-22035ECBF6E9}"/>
+                <a16:creationId xmlns:a16="http://schemas.microsoft.com/office/drawing/2014/main" xmlns="" id="{C1C163D1-85A2-4643-BA3C-22035ECBF6E9}"/>
               </a:ext>
             </a:extLst>
           </p:cNvPr>
@@ -7821,7 +8505,11 @@
           <a:lstStyle/>
           <a:p>
             <a:pPr algn="ctr"/>
-            <a:endParaRPr lang="en-US"/>
+            <a:r>
+              <a:rPr lang="en-US" dirty="0" smtClean="0"/>
+              <a:t>Position</a:t>
+            </a:r>
+            <a:endParaRPr lang="en-US" dirty="0"/>
           </a:p>
         </p:txBody>
       </p:sp>
@@ -7830,7 +8518,7 @@
           <p:cNvPr id="5" name="Rectangle 4">
             <a:extLst>
               <a:ext uri="{FF2B5EF4-FFF2-40B4-BE49-F238E27FC236}">
-                <a16:creationId xmlns="" xmlns:a16="http://schemas.microsoft.com/office/drawing/2014/main" id="{12131ED0-4950-475C-B7DC-450FBBF3C54A}"/>
+                <a16:creationId xmlns:a16="http://schemas.microsoft.com/office/drawing/2014/main" xmlns="" id="{12131ED0-4950-475C-B7DC-450FBBF3C54A}"/>
               </a:ext>
             </a:extLst>
           </p:cNvPr>
@@ -7882,7 +8570,7 @@
           <p:cNvPr id="4" name="TextBox 3">
             <a:extLst>
               <a:ext uri="{FF2B5EF4-FFF2-40B4-BE49-F238E27FC236}">
-                <a16:creationId xmlns="" xmlns:a16="http://schemas.microsoft.com/office/drawing/2014/main" id="{DB2A6D78-D3DF-4739-BCDE-EE78ED59B04D}"/>
+                <a16:creationId xmlns:a16="http://schemas.microsoft.com/office/drawing/2014/main" xmlns="" id="{DB2A6D78-D3DF-4739-BCDE-EE78ED59B04D}"/>
               </a:ext>
             </a:extLst>
           </p:cNvPr>
@@ -7906,17 +8594,6 @@
           <a:lstStyle/>
           <a:p>
             <a:r>
-              <a:rPr lang="en-US" sz="1200" b="1" dirty="0">
-                <a:solidFill>
-                  <a:schemeClr val="bg1"/>
-                </a:solidFill>
-                <a:latin typeface="Verdana" panose="020B0604030504040204" pitchFamily="34" charset="0"/>
-                <a:ea typeface="Verdana" panose="020B0604030504040204" pitchFamily="34" charset="0"/>
-                <a:cs typeface="Verdana" panose="020B0604030504040204" pitchFamily="34" charset="0"/>
-              </a:rPr>
-              <a:t>CSS </a:t>
-            </a:r>
-            <a:r>
               <a:rPr lang="en-US" sz="1200" b="1" dirty="0" smtClean="0">
                 <a:solidFill>
                   <a:schemeClr val="bg1"/>
@@ -7925,7 +8602,7 @@
                 <a:ea typeface="Verdana" panose="020B0604030504040204" pitchFamily="34" charset="0"/>
                 <a:cs typeface="Verdana" panose="020B0604030504040204" pitchFamily="34" charset="0"/>
               </a:rPr>
-              <a:t>selectors</a:t>
+              <a:t>CSS Positioning</a:t>
             </a:r>
             <a:endParaRPr lang="bg-BG" sz="1200" dirty="0">
               <a:solidFill>
@@ -7940,10 +8617,10 @@
       </p:sp>
       <p:sp>
         <p:nvSpPr>
-          <p:cNvPr id="47" name="Rectangle: Rounded Corners 5">
+          <p:cNvPr id="10" name="Rectangle: Rounded Corners 5">
             <a:extLst>
               <a:ext uri="{FF2B5EF4-FFF2-40B4-BE49-F238E27FC236}">
-                <a16:creationId xmlns="" xmlns:a16="http://schemas.microsoft.com/office/drawing/2014/main" id="{682EAE92-D6DF-494B-9CC1-FF2B7145CC2C}"/>
+                <a16:creationId xmlns:a16="http://schemas.microsoft.com/office/drawing/2014/main" xmlns="" id="{682EAE92-D6DF-494B-9CC1-FF2B7145CC2C}"/>
               </a:ext>
             </a:extLst>
           </p:cNvPr>
@@ -7952,7 +8629,7 @@
         </p:nvSpPr>
         <p:spPr>
           <a:xfrm>
-            <a:off x="1187624" y="2123353"/>
+            <a:off x="1271850" y="625571"/>
             <a:ext cx="6624736" cy="504056"/>
           </a:xfrm>
           <a:prstGeom prst="roundRect">
@@ -7995,7 +8672,15 @@
             <a:pPr algn="ctr"/>
             <a:r>
               <a:rPr lang="en-US" dirty="0" smtClean="0"/>
-              <a:t>CSS Pseudo Selectors</a:t>
+              <a:t>position:</a:t>
+            </a:r>
+            <a:r>
+              <a:rPr lang="bg-BG" dirty="0" smtClean="0"/>
+              <a:t> </a:t>
+            </a:r>
+            <a:r>
+              <a:rPr lang="en-US" dirty="0" smtClean="0"/>
+              <a:t>fixed</a:t>
             </a:r>
             <a:endParaRPr lang="en-US" dirty="0"/>
           </a:p>
@@ -8003,10 +8688,130 @@
       </p:sp>
       <p:sp>
         <p:nvSpPr>
-          <p:cNvPr id="10" name="Rectangle: Rounded Corners 5">
+          <p:cNvPr id="2" name="TextBox 1"/>
+          <p:cNvSpPr txBox="1"/>
+          <p:nvPr/>
+        </p:nvSpPr>
+        <p:spPr>
+          <a:xfrm>
+            <a:off x="809498" y="1398233"/>
+            <a:ext cx="7780528" cy="1323439"/>
+          </a:xfrm>
+          <a:prstGeom prst="rect">
+            <a:avLst/>
+          </a:prstGeom>
+          <a:noFill/>
+        </p:spPr>
+        <p:txBody>
+          <a:bodyPr wrap="none" rtlCol="0">
+            <a:spAutoFit/>
+          </a:bodyPr>
+          <a:lstStyle/>
+          <a:p>
+            <a:r>
+              <a:rPr lang="bg-BG" sz="1600" dirty="0" smtClean="0"/>
+              <a:t>Елементи с </a:t>
+            </a:r>
+            <a:r>
+              <a:rPr lang="en-US" sz="1600" dirty="0" smtClean="0"/>
+              <a:t>position: fixed </a:t>
+            </a:r>
+            <a:r>
+              <a:rPr lang="bg-BG" sz="1600" dirty="0" smtClean="0"/>
+              <a:t>се държат по начин, сходен на тези, които са позиционирани</a:t>
+            </a:r>
+          </a:p>
+          <a:p>
+            <a:r>
+              <a:rPr lang="bg-BG" sz="1600" i="1" dirty="0" smtClean="0"/>
+              <a:t>абсолютно</a:t>
+            </a:r>
+            <a:r>
+              <a:rPr lang="bg-BG" sz="1600" dirty="0" smtClean="0"/>
+              <a:t>, с изключение на:</a:t>
+            </a:r>
+          </a:p>
+          <a:p>
+            <a:endParaRPr lang="bg-BG" sz="1600" dirty="0" smtClean="0"/>
+          </a:p>
+          <a:p>
+            <a:r>
+              <a:rPr lang="bg-BG" sz="1600" dirty="0" smtClean="0"/>
+              <a:t>1. Не биват афектирани от </a:t>
+            </a:r>
+            <a:r>
+              <a:rPr lang="en-US" sz="1600" dirty="0" smtClean="0"/>
+              <a:t>scroll</a:t>
+            </a:r>
+            <a:r>
+              <a:rPr lang="bg-BG" sz="1600" dirty="0" smtClean="0"/>
+              <a:t> на страницата</a:t>
+            </a:r>
+            <a:r>
+              <a:rPr lang="en-US" sz="1600" dirty="0" smtClean="0"/>
+              <a:t> </a:t>
+            </a:r>
+            <a:endParaRPr lang="bg-BG" sz="1600" dirty="0" smtClean="0"/>
+          </a:p>
+          <a:p>
+            <a:r>
+              <a:rPr lang="bg-BG" sz="1600" dirty="0" smtClean="0"/>
+              <a:t>2. Не биват позиционирани спрямо релативно декралиран родител</a:t>
+            </a:r>
+            <a:endParaRPr lang="en-US" sz="1600" dirty="0"/>
+          </a:p>
+        </p:txBody>
+      </p:sp>
+    </p:spTree>
+    <p:extLst>
+      <p:ext uri="{BB962C8B-B14F-4D97-AF65-F5344CB8AC3E}">
+        <p14:creationId xmlns:p14="http://schemas.microsoft.com/office/powerpoint/2010/main" val="4231622868"/>
+      </p:ext>
+    </p:extLst>
+  </p:cSld>
+  <p:clrMapOvr>
+    <a:masterClrMapping/>
+  </p:clrMapOvr>
+</p:sld>
+</file>
+
+<file path=ppt/slides/slide11.xml><?xml version="1.0" encoding="utf-8"?>
+<p:sld xmlns:a="http://schemas.openxmlformats.org/drawingml/2006/main" xmlns:r="http://schemas.openxmlformats.org/officeDocument/2006/relationships" xmlns:p="http://schemas.openxmlformats.org/presentationml/2006/main">
+  <p:cSld>
+    <p:bg>
+      <p:bgPr>
+        <a:blipFill dpi="0" rotWithShape="1">
+          <a:blip r:embed="rId3">
+            <a:lum/>
+          </a:blip>
+          <a:srcRect/>
+          <a:stretch>
+            <a:fillRect/>
+          </a:stretch>
+        </a:blipFill>
+        <a:effectLst/>
+      </p:bgPr>
+    </p:bg>
+    <p:spTree>
+      <p:nvGrpSpPr>
+        <p:cNvPr id="1" name=""/>
+        <p:cNvGrpSpPr/>
+        <p:nvPr/>
+      </p:nvGrpSpPr>
+      <p:grpSpPr>
+        <a:xfrm>
+          <a:off x="0" y="0"/>
+          <a:ext cx="0" cy="0"/>
+          <a:chOff x="0" y="0"/>
+          <a:chExt cx="0" cy="0"/>
+        </a:xfrm>
+      </p:grpSpPr>
+      <p:sp>
+        <p:nvSpPr>
+          <p:cNvPr id="39" name="Rectangle 38">
             <a:extLst>
               <a:ext uri="{FF2B5EF4-FFF2-40B4-BE49-F238E27FC236}">
-                <a16:creationId xmlns="" xmlns:a16="http://schemas.microsoft.com/office/drawing/2014/main" id="{682EAE92-D6DF-494B-9CC1-FF2B7145CC2C}"/>
+                <a16:creationId xmlns:a16="http://schemas.microsoft.com/office/drawing/2014/main" xmlns="" id="{C1C163D1-85A2-4643-BA3C-22035ECBF6E9}"/>
               </a:ext>
             </a:extLst>
           </p:cNvPr>
@@ -8015,7 +8820,167 @@
         </p:nvSpPr>
         <p:spPr>
           <a:xfrm>
-            <a:off x="1187624" y="1273324"/>
+            <a:off x="7210970" y="0"/>
+            <a:ext cx="1933031" cy="356965"/>
+          </a:xfrm>
+          <a:prstGeom prst="rect">
+            <a:avLst/>
+          </a:prstGeom>
+          <a:solidFill>
+            <a:srgbClr val="0F7792">
+              <a:alpha val="50196"/>
+            </a:srgbClr>
+          </a:solidFill>
+          <a:ln>
+            <a:noFill/>
+          </a:ln>
+        </p:spPr>
+        <p:style>
+          <a:lnRef idx="2">
+            <a:schemeClr val="accent1">
+              <a:shade val="50000"/>
+            </a:schemeClr>
+          </a:lnRef>
+          <a:fillRef idx="1">
+            <a:schemeClr val="accent1"/>
+          </a:fillRef>
+          <a:effectRef idx="0">
+            <a:schemeClr val="accent1"/>
+          </a:effectRef>
+          <a:fontRef idx="minor">
+            <a:schemeClr val="lt1"/>
+          </a:fontRef>
+        </p:style>
+        <p:txBody>
+          <a:bodyPr rtlCol="0" anchor="ctr"/>
+          <a:lstStyle/>
+          <a:p>
+            <a:pPr algn="ctr"/>
+            <a:r>
+              <a:rPr lang="en-US" dirty="0" smtClean="0"/>
+              <a:t>Position</a:t>
+            </a:r>
+            <a:endParaRPr lang="en-US" dirty="0"/>
+          </a:p>
+        </p:txBody>
+      </p:sp>
+      <p:sp>
+        <p:nvSpPr>
+          <p:cNvPr id="5" name="Rectangle 4">
+            <a:extLst>
+              <a:ext uri="{FF2B5EF4-FFF2-40B4-BE49-F238E27FC236}">
+                <a16:creationId xmlns:a16="http://schemas.microsoft.com/office/drawing/2014/main" xmlns="" id="{12131ED0-4950-475C-B7DC-450FBBF3C54A}"/>
+              </a:ext>
+            </a:extLst>
+          </p:cNvPr>
+          <p:cNvSpPr/>
+          <p:nvPr/>
+        </p:nvSpPr>
+        <p:spPr>
+          <a:xfrm>
+            <a:off x="0" y="0"/>
+            <a:ext cx="4283968" cy="356965"/>
+          </a:xfrm>
+          <a:prstGeom prst="rect">
+            <a:avLst/>
+          </a:prstGeom>
+          <a:solidFill>
+            <a:srgbClr val="0F7792"/>
+          </a:solidFill>
+          <a:ln>
+            <a:noFill/>
+          </a:ln>
+        </p:spPr>
+        <p:style>
+          <a:lnRef idx="2">
+            <a:schemeClr val="accent1">
+              <a:shade val="50000"/>
+            </a:schemeClr>
+          </a:lnRef>
+          <a:fillRef idx="1">
+            <a:schemeClr val="accent1"/>
+          </a:fillRef>
+          <a:effectRef idx="0">
+            <a:schemeClr val="accent1"/>
+          </a:effectRef>
+          <a:fontRef idx="minor">
+            <a:schemeClr val="lt1"/>
+          </a:fontRef>
+        </p:style>
+        <p:txBody>
+          <a:bodyPr rtlCol="0" anchor="ctr"/>
+          <a:lstStyle/>
+          <a:p>
+            <a:pPr algn="ctr"/>
+            <a:endParaRPr lang="en-US"/>
+          </a:p>
+        </p:txBody>
+      </p:sp>
+      <p:sp>
+        <p:nvSpPr>
+          <p:cNvPr id="4" name="TextBox 3">
+            <a:extLst>
+              <a:ext uri="{FF2B5EF4-FFF2-40B4-BE49-F238E27FC236}">
+                <a16:creationId xmlns:a16="http://schemas.microsoft.com/office/drawing/2014/main" xmlns="" id="{DB2A6D78-D3DF-4739-BCDE-EE78ED59B04D}"/>
+              </a:ext>
+            </a:extLst>
+          </p:cNvPr>
+          <p:cNvSpPr txBox="1"/>
+          <p:nvPr/>
+        </p:nvSpPr>
+        <p:spPr>
+          <a:xfrm>
+            <a:off x="89756" y="24634"/>
+            <a:ext cx="4122204" cy="276999"/>
+          </a:xfrm>
+          <a:prstGeom prst="rect">
+            <a:avLst/>
+          </a:prstGeom>
+          <a:noFill/>
+        </p:spPr>
+        <p:txBody>
+          <a:bodyPr wrap="square" rtlCol="0">
+            <a:spAutoFit/>
+          </a:bodyPr>
+          <a:lstStyle/>
+          <a:p>
+            <a:r>
+              <a:rPr lang="en-US" sz="1200" b="1" dirty="0" smtClean="0">
+                <a:solidFill>
+                  <a:schemeClr val="bg1"/>
+                </a:solidFill>
+                <a:latin typeface="Verdana" panose="020B0604030504040204" pitchFamily="34" charset="0"/>
+                <a:ea typeface="Verdana" panose="020B0604030504040204" pitchFamily="34" charset="0"/>
+                <a:cs typeface="Verdana" panose="020B0604030504040204" pitchFamily="34" charset="0"/>
+              </a:rPr>
+              <a:t>CSS Positioning</a:t>
+            </a:r>
+            <a:endParaRPr lang="bg-BG" sz="1200" dirty="0">
+              <a:solidFill>
+                <a:schemeClr val="bg1"/>
+              </a:solidFill>
+              <a:latin typeface="Verdana" panose="020B0604030504040204" pitchFamily="34" charset="0"/>
+              <a:ea typeface="Verdana" panose="020B0604030504040204" pitchFamily="34" charset="0"/>
+              <a:cs typeface="Verdana" panose="020B0604030504040204" pitchFamily="34" charset="0"/>
+            </a:endParaRPr>
+          </a:p>
+        </p:txBody>
+      </p:sp>
+      <p:sp>
+        <p:nvSpPr>
+          <p:cNvPr id="10" name="Rectangle: Rounded Corners 5">
+            <a:extLst>
+              <a:ext uri="{FF2B5EF4-FFF2-40B4-BE49-F238E27FC236}">
+                <a16:creationId xmlns:a16="http://schemas.microsoft.com/office/drawing/2014/main" xmlns="" id="{682EAE92-D6DF-494B-9CC1-FF2B7145CC2C}"/>
+              </a:ext>
+            </a:extLst>
+          </p:cNvPr>
+          <p:cNvSpPr/>
+          <p:nvPr/>
+        </p:nvSpPr>
+        <p:spPr>
+          <a:xfrm>
+            <a:off x="1271850" y="625571"/>
             <a:ext cx="6624736" cy="504056"/>
           </a:xfrm>
           <a:prstGeom prst="roundRect">
@@ -8058,7 +9023,15 @@
             <a:pPr algn="ctr"/>
             <a:r>
               <a:rPr lang="en-US" dirty="0" smtClean="0"/>
-              <a:t>CSS Pseudo Elements</a:t>
+              <a:t>position:</a:t>
+            </a:r>
+            <a:r>
+              <a:rPr lang="bg-BG" dirty="0" smtClean="0"/>
+              <a:t> </a:t>
+            </a:r>
+            <a:r>
+              <a:rPr lang="en-US" dirty="0" smtClean="0"/>
+              <a:t>fixed</a:t>
             </a:r>
             <a:endParaRPr lang="en-US" dirty="0"/>
           </a:p>
@@ -8066,10 +9039,108 @@
       </p:sp>
       <p:sp>
         <p:nvSpPr>
-          <p:cNvPr id="11" name="Rectangle: Rounded Corners 5">
+          <p:cNvPr id="2" name="TextBox 1"/>
+          <p:cNvSpPr txBox="1"/>
+          <p:nvPr/>
+        </p:nvSpPr>
+        <p:spPr>
+          <a:xfrm>
+            <a:off x="809498" y="1398233"/>
+            <a:ext cx="184731" cy="338554"/>
+          </a:xfrm>
+          <a:prstGeom prst="rect">
+            <a:avLst/>
+          </a:prstGeom>
+          <a:noFill/>
+        </p:spPr>
+        <p:txBody>
+          <a:bodyPr wrap="none" rtlCol="0">
+            <a:spAutoFit/>
+          </a:bodyPr>
+          <a:lstStyle/>
+          <a:p>
+            <a:endParaRPr lang="en-US" sz="1600" dirty="0" smtClean="0">
+              <a:solidFill>
+                <a:srgbClr val="427AA2"/>
+              </a:solidFill>
+            </a:endParaRPr>
+          </a:p>
+        </p:txBody>
+      </p:sp>
+      <p:pic>
+        <p:nvPicPr>
+          <p:cNvPr id="6" name="Picture 5"/>
+          <p:cNvPicPr>
+            <a:picLocks noChangeAspect="1"/>
+          </p:cNvPicPr>
+          <p:nvPr/>
+        </p:nvPicPr>
+        <p:blipFill>
+          <a:blip r:embed="rId4"/>
+          <a:stretch>
+            <a:fillRect/>
+          </a:stretch>
+        </p:blipFill>
+        <p:spPr>
+          <a:xfrm>
+            <a:off x="395536" y="1398233"/>
+            <a:ext cx="8140246" cy="2948502"/>
+          </a:xfrm>
+          <a:prstGeom prst="rect">
+            <a:avLst/>
+          </a:prstGeom>
+        </p:spPr>
+      </p:pic>
+    </p:spTree>
+    <p:extLst>
+      <p:ext uri="{BB962C8B-B14F-4D97-AF65-F5344CB8AC3E}">
+        <p14:creationId xmlns:p14="http://schemas.microsoft.com/office/powerpoint/2010/main" val="2170040005"/>
+      </p:ext>
+    </p:extLst>
+  </p:cSld>
+  <p:clrMapOvr>
+    <a:masterClrMapping/>
+  </p:clrMapOvr>
+</p:sld>
+</file>
+
+<file path=ppt/slides/slide12.xml><?xml version="1.0" encoding="utf-8"?>
+<p:sld xmlns:a="http://schemas.openxmlformats.org/drawingml/2006/main" xmlns:r="http://schemas.openxmlformats.org/officeDocument/2006/relationships" xmlns:p="http://schemas.openxmlformats.org/presentationml/2006/main">
+  <p:cSld>
+    <p:bg>
+      <p:bgPr>
+        <a:blipFill dpi="0" rotWithShape="1">
+          <a:blip r:embed="rId3">
+            <a:lum/>
+          </a:blip>
+          <a:srcRect/>
+          <a:stretch>
+            <a:fillRect/>
+          </a:stretch>
+        </a:blipFill>
+        <a:effectLst/>
+      </p:bgPr>
+    </p:bg>
+    <p:spTree>
+      <p:nvGrpSpPr>
+        <p:cNvPr id="1" name=""/>
+        <p:cNvGrpSpPr/>
+        <p:nvPr/>
+      </p:nvGrpSpPr>
+      <p:grpSpPr>
+        <a:xfrm>
+          <a:off x="0" y="0"/>
+          <a:ext cx="0" cy="0"/>
+          <a:chOff x="0" y="0"/>
+          <a:chExt cx="0" cy="0"/>
+        </a:xfrm>
+      </p:grpSpPr>
+      <p:sp>
+        <p:nvSpPr>
+          <p:cNvPr id="39" name="Rectangle 38">
             <a:extLst>
               <a:ext uri="{FF2B5EF4-FFF2-40B4-BE49-F238E27FC236}">
-                <a16:creationId xmlns="" xmlns:a16="http://schemas.microsoft.com/office/drawing/2014/main" id="{682EAE92-D6DF-494B-9CC1-FF2B7145CC2C}"/>
+                <a16:creationId xmlns:a16="http://schemas.microsoft.com/office/drawing/2014/main" xmlns="" id="{C1C163D1-85A2-4643-BA3C-22035ECBF6E9}"/>
               </a:ext>
             </a:extLst>
           </p:cNvPr>
@@ -8078,7 +9149,167 @@
         </p:nvSpPr>
         <p:spPr>
           <a:xfrm>
-            <a:off x="1187624" y="2973382"/>
+            <a:off x="7210970" y="0"/>
+            <a:ext cx="1933031" cy="356965"/>
+          </a:xfrm>
+          <a:prstGeom prst="rect">
+            <a:avLst/>
+          </a:prstGeom>
+          <a:solidFill>
+            <a:srgbClr val="0F7792">
+              <a:alpha val="50196"/>
+            </a:srgbClr>
+          </a:solidFill>
+          <a:ln>
+            <a:noFill/>
+          </a:ln>
+        </p:spPr>
+        <p:style>
+          <a:lnRef idx="2">
+            <a:schemeClr val="accent1">
+              <a:shade val="50000"/>
+            </a:schemeClr>
+          </a:lnRef>
+          <a:fillRef idx="1">
+            <a:schemeClr val="accent1"/>
+          </a:fillRef>
+          <a:effectRef idx="0">
+            <a:schemeClr val="accent1"/>
+          </a:effectRef>
+          <a:fontRef idx="minor">
+            <a:schemeClr val="lt1"/>
+          </a:fontRef>
+        </p:style>
+        <p:txBody>
+          <a:bodyPr rtlCol="0" anchor="ctr"/>
+          <a:lstStyle/>
+          <a:p>
+            <a:pPr algn="ctr"/>
+            <a:r>
+              <a:rPr lang="en-US" dirty="0" smtClean="0"/>
+              <a:t>Position</a:t>
+            </a:r>
+            <a:endParaRPr lang="en-US" dirty="0"/>
+          </a:p>
+        </p:txBody>
+      </p:sp>
+      <p:sp>
+        <p:nvSpPr>
+          <p:cNvPr id="5" name="Rectangle 4">
+            <a:extLst>
+              <a:ext uri="{FF2B5EF4-FFF2-40B4-BE49-F238E27FC236}">
+                <a16:creationId xmlns:a16="http://schemas.microsoft.com/office/drawing/2014/main" xmlns="" id="{12131ED0-4950-475C-B7DC-450FBBF3C54A}"/>
+              </a:ext>
+            </a:extLst>
+          </p:cNvPr>
+          <p:cNvSpPr/>
+          <p:nvPr/>
+        </p:nvSpPr>
+        <p:spPr>
+          <a:xfrm>
+            <a:off x="0" y="0"/>
+            <a:ext cx="4283968" cy="356965"/>
+          </a:xfrm>
+          <a:prstGeom prst="rect">
+            <a:avLst/>
+          </a:prstGeom>
+          <a:solidFill>
+            <a:srgbClr val="0F7792"/>
+          </a:solidFill>
+          <a:ln>
+            <a:noFill/>
+          </a:ln>
+        </p:spPr>
+        <p:style>
+          <a:lnRef idx="2">
+            <a:schemeClr val="accent1">
+              <a:shade val="50000"/>
+            </a:schemeClr>
+          </a:lnRef>
+          <a:fillRef idx="1">
+            <a:schemeClr val="accent1"/>
+          </a:fillRef>
+          <a:effectRef idx="0">
+            <a:schemeClr val="accent1"/>
+          </a:effectRef>
+          <a:fontRef idx="minor">
+            <a:schemeClr val="lt1"/>
+          </a:fontRef>
+        </p:style>
+        <p:txBody>
+          <a:bodyPr rtlCol="0" anchor="ctr"/>
+          <a:lstStyle/>
+          <a:p>
+            <a:pPr algn="ctr"/>
+            <a:endParaRPr lang="en-US"/>
+          </a:p>
+        </p:txBody>
+      </p:sp>
+      <p:sp>
+        <p:nvSpPr>
+          <p:cNvPr id="4" name="TextBox 3">
+            <a:extLst>
+              <a:ext uri="{FF2B5EF4-FFF2-40B4-BE49-F238E27FC236}">
+                <a16:creationId xmlns:a16="http://schemas.microsoft.com/office/drawing/2014/main" xmlns="" id="{DB2A6D78-D3DF-4739-BCDE-EE78ED59B04D}"/>
+              </a:ext>
+            </a:extLst>
+          </p:cNvPr>
+          <p:cNvSpPr txBox="1"/>
+          <p:nvPr/>
+        </p:nvSpPr>
+        <p:spPr>
+          <a:xfrm>
+            <a:off x="89756" y="24634"/>
+            <a:ext cx="4122204" cy="276999"/>
+          </a:xfrm>
+          <a:prstGeom prst="rect">
+            <a:avLst/>
+          </a:prstGeom>
+          <a:noFill/>
+        </p:spPr>
+        <p:txBody>
+          <a:bodyPr wrap="square" rtlCol="0">
+            <a:spAutoFit/>
+          </a:bodyPr>
+          <a:lstStyle/>
+          <a:p>
+            <a:r>
+              <a:rPr lang="en-US" sz="1200" b="1" dirty="0" smtClean="0">
+                <a:solidFill>
+                  <a:schemeClr val="bg1"/>
+                </a:solidFill>
+                <a:latin typeface="Verdana" panose="020B0604030504040204" pitchFamily="34" charset="0"/>
+                <a:ea typeface="Verdana" panose="020B0604030504040204" pitchFamily="34" charset="0"/>
+                <a:cs typeface="Verdana" panose="020B0604030504040204" pitchFamily="34" charset="0"/>
+              </a:rPr>
+              <a:t>CSS Positioning</a:t>
+            </a:r>
+            <a:endParaRPr lang="bg-BG" sz="1200" dirty="0">
+              <a:solidFill>
+                <a:schemeClr val="bg1"/>
+              </a:solidFill>
+              <a:latin typeface="Verdana" panose="020B0604030504040204" pitchFamily="34" charset="0"/>
+              <a:ea typeface="Verdana" panose="020B0604030504040204" pitchFamily="34" charset="0"/>
+              <a:cs typeface="Verdana" panose="020B0604030504040204" pitchFamily="34" charset="0"/>
+            </a:endParaRPr>
+          </a:p>
+        </p:txBody>
+      </p:sp>
+      <p:sp>
+        <p:nvSpPr>
+          <p:cNvPr id="10" name="Rectangle: Rounded Corners 5">
+            <a:extLst>
+              <a:ext uri="{FF2B5EF4-FFF2-40B4-BE49-F238E27FC236}">
+                <a16:creationId xmlns:a16="http://schemas.microsoft.com/office/drawing/2014/main" xmlns="" id="{682EAE92-D6DF-494B-9CC1-FF2B7145CC2C}"/>
+              </a:ext>
+            </a:extLst>
+          </p:cNvPr>
+          <p:cNvSpPr/>
+          <p:nvPr/>
+        </p:nvSpPr>
+        <p:spPr>
+          <a:xfrm>
+            <a:off x="1271850" y="625571"/>
             <a:ext cx="6624736" cy="504056"/>
           </a:xfrm>
           <a:prstGeom prst="roundRect">
@@ -8121,16 +9352,1396 @@
             <a:pPr algn="ctr"/>
             <a:r>
               <a:rPr lang="en-US" dirty="0" smtClean="0"/>
-              <a:t>CSS Selectors </a:t>
+              <a:t>position:</a:t>
+            </a:r>
+            <a:r>
+              <a:rPr lang="bg-BG" dirty="0" smtClean="0"/>
+              <a:t> </a:t>
+            </a:r>
+            <a:r>
+              <a:rPr lang="en-US" dirty="0" smtClean="0"/>
+              <a:t>fixed</a:t>
             </a:r>
             <a:endParaRPr lang="en-US" dirty="0"/>
           </a:p>
         </p:txBody>
       </p:sp>
+      <p:sp>
+        <p:nvSpPr>
+          <p:cNvPr id="2" name="TextBox 1"/>
+          <p:cNvSpPr txBox="1"/>
+          <p:nvPr/>
+        </p:nvSpPr>
+        <p:spPr>
+          <a:xfrm>
+            <a:off x="783337" y="1273324"/>
+            <a:ext cx="7601761" cy="1600438"/>
+          </a:xfrm>
+          <a:prstGeom prst="rect">
+            <a:avLst/>
+          </a:prstGeom>
+          <a:noFill/>
+        </p:spPr>
+        <p:txBody>
+          <a:bodyPr wrap="none" rtlCol="0">
+            <a:spAutoFit/>
+          </a:bodyPr>
+          <a:lstStyle/>
+          <a:p>
+            <a:r>
+              <a:rPr lang="bg-BG" sz="1400" dirty="0" smtClean="0"/>
+              <a:t>Може да се каже, че </a:t>
+            </a:r>
+            <a:r>
+              <a:rPr lang="en-US" sz="1400" dirty="0" smtClean="0"/>
+              <a:t>sticky </a:t>
+            </a:r>
+            <a:r>
+              <a:rPr lang="bg-BG" sz="1400" dirty="0" smtClean="0"/>
+              <a:t>е компромис/хибрид между </a:t>
+            </a:r>
+            <a:r>
+              <a:rPr lang="en-US" sz="1400" i="1" dirty="0" smtClean="0"/>
+              <a:t>relative </a:t>
+            </a:r>
+            <a:r>
+              <a:rPr lang="bg-BG" sz="1400" dirty="0" smtClean="0"/>
+              <a:t>и </a:t>
+            </a:r>
+            <a:r>
+              <a:rPr lang="en-US" sz="1400" i="1" dirty="0" smtClean="0"/>
+              <a:t>fixed.</a:t>
+            </a:r>
+          </a:p>
+          <a:p>
+            <a:r>
+              <a:rPr lang="bg-BG" sz="1400" i="1" dirty="0" smtClean="0"/>
+              <a:t>В момента не всички </a:t>
+            </a:r>
+            <a:r>
+              <a:rPr lang="en-US" sz="1400" i="1" dirty="0" smtClean="0"/>
+              <a:t>browser-</a:t>
+            </a:r>
+            <a:r>
+              <a:rPr lang="bg-BG" sz="1400" i="1" dirty="0" smtClean="0"/>
+              <a:t>и имат пълна и точна поддръжка на този тип позициониране;</a:t>
+            </a:r>
+            <a:endParaRPr lang="en-US" sz="1400" i="1" dirty="0" smtClean="0"/>
+          </a:p>
+          <a:p>
+            <a:endParaRPr lang="en-US" sz="1400" i="1" dirty="0"/>
+          </a:p>
+          <a:p>
+            <a:r>
+              <a:rPr lang="bg-BG" sz="1400" dirty="0" smtClean="0"/>
+              <a:t>Елементът ще се държи като релативно позициониран, до момента в който юзера достигне чрез</a:t>
+            </a:r>
+          </a:p>
+          <a:p>
+            <a:r>
+              <a:rPr lang="bg-BG" sz="1400" dirty="0" smtClean="0"/>
+              <a:t>скролване до него; след тази точка елементът ще се разглежда като фиксиран;</a:t>
+            </a:r>
+          </a:p>
+          <a:p>
+            <a:endParaRPr lang="bg-BG" sz="1400" i="1" dirty="0"/>
+          </a:p>
+          <a:p>
+            <a:endParaRPr lang="en-US" sz="1400" dirty="0"/>
+          </a:p>
+        </p:txBody>
+      </p:sp>
+      <p:pic>
+        <p:nvPicPr>
+          <p:cNvPr id="3" name="Picture 2"/>
+          <p:cNvPicPr>
+            <a:picLocks noChangeAspect="1"/>
+          </p:cNvPicPr>
+          <p:nvPr/>
+        </p:nvPicPr>
+        <p:blipFill>
+          <a:blip r:embed="rId4"/>
+          <a:stretch>
+            <a:fillRect/>
+          </a:stretch>
+        </p:blipFill>
+        <p:spPr>
+          <a:xfrm>
+            <a:off x="1775905" y="2555171"/>
+            <a:ext cx="5616624" cy="2469900"/>
+          </a:xfrm>
+          <a:prstGeom prst="rect">
+            <a:avLst/>
+          </a:prstGeom>
+        </p:spPr>
+      </p:pic>
     </p:spTree>
     <p:extLst>
       <p:ext uri="{BB962C8B-B14F-4D97-AF65-F5344CB8AC3E}">
-        <p14:creationId xmlns:p14="http://schemas.microsoft.com/office/powerpoint/2010/main" val="3210024911"/>
+        <p14:creationId xmlns:p14="http://schemas.microsoft.com/office/powerpoint/2010/main" val="3312517881"/>
+      </p:ext>
+    </p:extLst>
+  </p:cSld>
+  <p:clrMapOvr>
+    <a:masterClrMapping/>
+  </p:clrMapOvr>
+</p:sld>
+</file>
+
+<file path=ppt/slides/slide13.xml><?xml version="1.0" encoding="utf-8"?>
+<p:sld xmlns:a="http://schemas.openxmlformats.org/drawingml/2006/main" xmlns:r="http://schemas.openxmlformats.org/officeDocument/2006/relationships" xmlns:p="http://schemas.openxmlformats.org/presentationml/2006/main">
+  <p:cSld>
+    <p:bg>
+      <p:bgPr>
+        <a:blipFill dpi="0" rotWithShape="1">
+          <a:blip r:embed="rId3">
+            <a:lum/>
+          </a:blip>
+          <a:srcRect/>
+          <a:stretch>
+            <a:fillRect/>
+          </a:stretch>
+        </a:blipFill>
+        <a:effectLst/>
+      </p:bgPr>
+    </p:bg>
+    <p:spTree>
+      <p:nvGrpSpPr>
+        <p:cNvPr id="1" name=""/>
+        <p:cNvGrpSpPr/>
+        <p:nvPr/>
+      </p:nvGrpSpPr>
+      <p:grpSpPr>
+        <a:xfrm>
+          <a:off x="0" y="0"/>
+          <a:ext cx="0" cy="0"/>
+          <a:chOff x="0" y="0"/>
+          <a:chExt cx="0" cy="0"/>
+        </a:xfrm>
+      </p:grpSpPr>
+      <p:sp>
+        <p:nvSpPr>
+          <p:cNvPr id="39" name="Rectangle 38">
+            <a:extLst>
+              <a:ext uri="{FF2B5EF4-FFF2-40B4-BE49-F238E27FC236}">
+                <a16:creationId xmlns:a16="http://schemas.microsoft.com/office/drawing/2014/main" xmlns="" id="{C1C163D1-85A2-4643-BA3C-22035ECBF6E9}"/>
+              </a:ext>
+            </a:extLst>
+          </p:cNvPr>
+          <p:cNvSpPr/>
+          <p:nvPr/>
+        </p:nvSpPr>
+        <p:spPr>
+          <a:xfrm>
+            <a:off x="7210970" y="0"/>
+            <a:ext cx="1933031" cy="356965"/>
+          </a:xfrm>
+          <a:prstGeom prst="rect">
+            <a:avLst/>
+          </a:prstGeom>
+          <a:solidFill>
+            <a:srgbClr val="0F7792">
+              <a:alpha val="50196"/>
+            </a:srgbClr>
+          </a:solidFill>
+          <a:ln>
+            <a:noFill/>
+          </a:ln>
+        </p:spPr>
+        <p:style>
+          <a:lnRef idx="2">
+            <a:schemeClr val="accent1">
+              <a:shade val="50000"/>
+            </a:schemeClr>
+          </a:lnRef>
+          <a:fillRef idx="1">
+            <a:schemeClr val="accent1"/>
+          </a:fillRef>
+          <a:effectRef idx="0">
+            <a:schemeClr val="accent1"/>
+          </a:effectRef>
+          <a:fontRef idx="minor">
+            <a:schemeClr val="lt1"/>
+          </a:fontRef>
+        </p:style>
+        <p:txBody>
+          <a:bodyPr rtlCol="0" anchor="ctr"/>
+          <a:lstStyle/>
+          <a:p>
+            <a:pPr algn="ctr"/>
+            <a:r>
+              <a:rPr lang="en-US" dirty="0" smtClean="0"/>
+              <a:t>Position</a:t>
+            </a:r>
+            <a:endParaRPr lang="en-US" dirty="0"/>
+          </a:p>
+        </p:txBody>
+      </p:sp>
+      <p:sp>
+        <p:nvSpPr>
+          <p:cNvPr id="5" name="Rectangle 4">
+            <a:extLst>
+              <a:ext uri="{FF2B5EF4-FFF2-40B4-BE49-F238E27FC236}">
+                <a16:creationId xmlns:a16="http://schemas.microsoft.com/office/drawing/2014/main" xmlns="" id="{12131ED0-4950-475C-B7DC-450FBBF3C54A}"/>
+              </a:ext>
+            </a:extLst>
+          </p:cNvPr>
+          <p:cNvSpPr/>
+          <p:nvPr/>
+        </p:nvSpPr>
+        <p:spPr>
+          <a:xfrm>
+            <a:off x="0" y="0"/>
+            <a:ext cx="4283968" cy="356965"/>
+          </a:xfrm>
+          <a:prstGeom prst="rect">
+            <a:avLst/>
+          </a:prstGeom>
+          <a:solidFill>
+            <a:srgbClr val="0F7792"/>
+          </a:solidFill>
+          <a:ln>
+            <a:noFill/>
+          </a:ln>
+        </p:spPr>
+        <p:style>
+          <a:lnRef idx="2">
+            <a:schemeClr val="accent1">
+              <a:shade val="50000"/>
+            </a:schemeClr>
+          </a:lnRef>
+          <a:fillRef idx="1">
+            <a:schemeClr val="accent1"/>
+          </a:fillRef>
+          <a:effectRef idx="0">
+            <a:schemeClr val="accent1"/>
+          </a:effectRef>
+          <a:fontRef idx="minor">
+            <a:schemeClr val="lt1"/>
+          </a:fontRef>
+        </p:style>
+        <p:txBody>
+          <a:bodyPr rtlCol="0" anchor="ctr"/>
+          <a:lstStyle/>
+          <a:p>
+            <a:pPr algn="ctr"/>
+            <a:endParaRPr lang="en-US"/>
+          </a:p>
+        </p:txBody>
+      </p:sp>
+      <p:sp>
+        <p:nvSpPr>
+          <p:cNvPr id="4" name="TextBox 3">
+            <a:extLst>
+              <a:ext uri="{FF2B5EF4-FFF2-40B4-BE49-F238E27FC236}">
+                <a16:creationId xmlns:a16="http://schemas.microsoft.com/office/drawing/2014/main" xmlns="" id="{DB2A6D78-D3DF-4739-BCDE-EE78ED59B04D}"/>
+              </a:ext>
+            </a:extLst>
+          </p:cNvPr>
+          <p:cNvSpPr txBox="1"/>
+          <p:nvPr/>
+        </p:nvSpPr>
+        <p:spPr>
+          <a:xfrm>
+            <a:off x="89756" y="24634"/>
+            <a:ext cx="4122204" cy="276999"/>
+          </a:xfrm>
+          <a:prstGeom prst="rect">
+            <a:avLst/>
+          </a:prstGeom>
+          <a:noFill/>
+        </p:spPr>
+        <p:txBody>
+          <a:bodyPr wrap="square" rtlCol="0">
+            <a:spAutoFit/>
+          </a:bodyPr>
+          <a:lstStyle/>
+          <a:p>
+            <a:r>
+              <a:rPr lang="en-US" sz="1200" b="1" dirty="0" smtClean="0">
+                <a:solidFill>
+                  <a:schemeClr val="bg1"/>
+                </a:solidFill>
+                <a:latin typeface="Verdana" panose="020B0604030504040204" pitchFamily="34" charset="0"/>
+                <a:ea typeface="Verdana" panose="020B0604030504040204" pitchFamily="34" charset="0"/>
+                <a:cs typeface="Verdana" panose="020B0604030504040204" pitchFamily="34" charset="0"/>
+              </a:rPr>
+              <a:t>CSS Positioning</a:t>
+            </a:r>
+            <a:endParaRPr lang="bg-BG" sz="1200" dirty="0">
+              <a:solidFill>
+                <a:schemeClr val="bg1"/>
+              </a:solidFill>
+              <a:latin typeface="Verdana" panose="020B0604030504040204" pitchFamily="34" charset="0"/>
+              <a:ea typeface="Verdana" panose="020B0604030504040204" pitchFamily="34" charset="0"/>
+              <a:cs typeface="Verdana" panose="020B0604030504040204" pitchFamily="34" charset="0"/>
+            </a:endParaRPr>
+          </a:p>
+        </p:txBody>
+      </p:sp>
+      <p:sp>
+        <p:nvSpPr>
+          <p:cNvPr id="10" name="Rectangle: Rounded Corners 5">
+            <a:extLst>
+              <a:ext uri="{FF2B5EF4-FFF2-40B4-BE49-F238E27FC236}">
+                <a16:creationId xmlns:a16="http://schemas.microsoft.com/office/drawing/2014/main" xmlns="" id="{682EAE92-D6DF-494B-9CC1-FF2B7145CC2C}"/>
+              </a:ext>
+            </a:extLst>
+          </p:cNvPr>
+          <p:cNvSpPr/>
+          <p:nvPr/>
+        </p:nvSpPr>
+        <p:spPr>
+          <a:xfrm>
+            <a:off x="1271850" y="625571"/>
+            <a:ext cx="6624736" cy="504056"/>
+          </a:xfrm>
+          <a:prstGeom prst="roundRect">
+            <a:avLst/>
+          </a:prstGeom>
+          <a:solidFill>
+            <a:srgbClr val="127994"/>
+          </a:solidFill>
+          <a:ln>
+            <a:noFill/>
+          </a:ln>
+          <a:effectLst>
+            <a:outerShdw blurRad="50800" dist="38100" dir="5400000" algn="t" rotWithShape="0">
+              <a:prstClr val="black">
+                <a:alpha val="40000"/>
+              </a:prstClr>
+            </a:outerShdw>
+          </a:effectLst>
+        </p:spPr>
+        <p:style>
+          <a:lnRef idx="2">
+            <a:schemeClr val="accent1">
+              <a:shade val="50000"/>
+            </a:schemeClr>
+          </a:lnRef>
+          <a:fillRef idx="1">
+            <a:schemeClr val="accent1"/>
+          </a:fillRef>
+          <a:effectRef idx="0">
+            <a:schemeClr val="accent1"/>
+          </a:effectRef>
+          <a:fontRef idx="minor">
+            <a:schemeClr val="lt1"/>
+          </a:fontRef>
+        </p:style>
+        <p:txBody>
+          <a:bodyPr rtlCol="0" anchor="ctr"/>
+          <a:lstStyle/>
+          <a:p>
+            <a:pPr algn="ctr"/>
+            <a:r>
+              <a:rPr lang="en-US" dirty="0" smtClean="0"/>
+              <a:t>top, right, bottom &amp; left </a:t>
+            </a:r>
+            <a:endParaRPr lang="en-US" dirty="0"/>
+          </a:p>
+        </p:txBody>
+      </p:sp>
+      <p:sp>
+        <p:nvSpPr>
+          <p:cNvPr id="2" name="TextBox 1"/>
+          <p:cNvSpPr txBox="1"/>
+          <p:nvPr/>
+        </p:nvSpPr>
+        <p:spPr>
+          <a:xfrm>
+            <a:off x="395536" y="1398233"/>
+            <a:ext cx="8908914" cy="3539430"/>
+          </a:xfrm>
+          <a:prstGeom prst="rect">
+            <a:avLst/>
+          </a:prstGeom>
+          <a:noFill/>
+        </p:spPr>
+        <p:txBody>
+          <a:bodyPr wrap="none" rtlCol="0">
+            <a:spAutoFit/>
+          </a:bodyPr>
+          <a:lstStyle/>
+          <a:p>
+            <a:r>
+              <a:rPr lang="en-US" sz="1600" b="1" dirty="0">
+                <a:solidFill>
+                  <a:srgbClr val="9365B8"/>
+                </a:solidFill>
+              </a:rPr>
+              <a:t>t</a:t>
+            </a:r>
+            <a:r>
+              <a:rPr lang="en-US" sz="1600" b="1" dirty="0" smtClean="0">
+                <a:solidFill>
+                  <a:srgbClr val="9365B8"/>
+                </a:solidFill>
+              </a:rPr>
+              <a:t>op</a:t>
+            </a:r>
+            <a:r>
+              <a:rPr lang="en-US" sz="1600" dirty="0" smtClean="0"/>
+              <a:t> </a:t>
+            </a:r>
+            <a:r>
+              <a:rPr lang="bg-BG" sz="1600" dirty="0" smtClean="0"/>
+              <a:t>влияе на вертикалната позиция на елемент и ако този елемент не е изрично </a:t>
+            </a:r>
+            <a:r>
+              <a:rPr lang="bg-BG" sz="1600" i="1" dirty="0" smtClean="0"/>
+              <a:t>позициониран</a:t>
+            </a:r>
+            <a:r>
+              <a:rPr lang="bg-BG" sz="1600" dirty="0" smtClean="0"/>
+              <a:t>,</a:t>
+            </a:r>
+          </a:p>
+          <a:p>
+            <a:r>
+              <a:rPr lang="en-US" sz="1600" dirty="0" smtClean="0"/>
+              <a:t>property</a:t>
+            </a:r>
+            <a:r>
+              <a:rPr lang="bg-BG" sz="1600" dirty="0" smtClean="0"/>
+              <a:t>-то няма да окаже влияние.</a:t>
+            </a:r>
+            <a:endParaRPr lang="en-US" sz="1600" dirty="0" smtClean="0"/>
+          </a:p>
+          <a:p>
+            <a:endParaRPr lang="en-US" sz="1600" dirty="0"/>
+          </a:p>
+          <a:p>
+            <a:r>
+              <a:rPr lang="bg-BG" sz="1600" dirty="0" smtClean="0"/>
+              <a:t>При </a:t>
+            </a:r>
+            <a:r>
+              <a:rPr lang="en-US" sz="1600" dirty="0" smtClean="0"/>
+              <a:t>position: </a:t>
+            </a:r>
+            <a:r>
+              <a:rPr lang="en-US" sz="1600" dirty="0" smtClean="0">
+                <a:solidFill>
+                  <a:srgbClr val="427AA2"/>
+                </a:solidFill>
+              </a:rPr>
+              <a:t>absolute/fixed</a:t>
+            </a:r>
+            <a:r>
+              <a:rPr lang="en-US" sz="1600" dirty="0" smtClean="0"/>
+              <a:t> </a:t>
+            </a:r>
+            <a:r>
+              <a:rPr lang="bg-BG" sz="1600" dirty="0" smtClean="0"/>
+              <a:t>– </a:t>
+            </a:r>
+            <a:r>
+              <a:rPr lang="en-US" sz="1600" dirty="0" smtClean="0">
+                <a:solidFill>
+                  <a:srgbClr val="9365B8"/>
+                </a:solidFill>
+              </a:rPr>
+              <a:t>top,</a:t>
+            </a:r>
+            <a:r>
+              <a:rPr lang="bg-BG" sz="1600" dirty="0" smtClean="0">
+                <a:solidFill>
+                  <a:srgbClr val="9365B8"/>
+                </a:solidFill>
+              </a:rPr>
+              <a:t> </a:t>
+            </a:r>
+            <a:r>
+              <a:rPr lang="bg-BG" sz="1600" dirty="0" smtClean="0">
+                <a:solidFill>
+                  <a:schemeClr val="tx2">
+                    <a:lumMod val="75000"/>
+                  </a:schemeClr>
+                </a:solidFill>
+              </a:rPr>
+              <a:t>ще позиционира горния край на елемента спрямо горния край </a:t>
+            </a:r>
+          </a:p>
+          <a:p>
+            <a:r>
+              <a:rPr lang="bg-BG" sz="1600" dirty="0">
+                <a:solidFill>
+                  <a:schemeClr val="tx2">
+                    <a:lumMod val="75000"/>
+                  </a:schemeClr>
+                </a:solidFill>
+              </a:rPr>
+              <a:t>н</a:t>
+            </a:r>
+            <a:r>
+              <a:rPr lang="bg-BG" sz="1600" dirty="0" smtClean="0">
+                <a:solidFill>
+                  <a:schemeClr val="tx2">
+                    <a:lumMod val="75000"/>
+                  </a:schemeClr>
+                </a:solidFill>
+              </a:rPr>
+              <a:t>а най-близкия </a:t>
+            </a:r>
+            <a:r>
+              <a:rPr lang="bg-BG" sz="1600" i="1" dirty="0" smtClean="0">
+                <a:solidFill>
+                  <a:schemeClr val="tx2">
+                    <a:lumMod val="75000"/>
+                  </a:schemeClr>
+                </a:solidFill>
+              </a:rPr>
+              <a:t>позициониран</a:t>
+            </a:r>
+            <a:r>
+              <a:rPr lang="bg-BG" sz="1600" dirty="0" smtClean="0">
+                <a:solidFill>
+                  <a:schemeClr val="tx2">
+                    <a:lumMod val="75000"/>
+                  </a:schemeClr>
+                </a:solidFill>
+              </a:rPr>
+              <a:t> родител;</a:t>
+            </a:r>
+          </a:p>
+          <a:p>
+            <a:endParaRPr lang="bg-BG" sz="1600" dirty="0">
+              <a:solidFill>
+                <a:schemeClr val="tx2">
+                  <a:lumMod val="75000"/>
+                </a:schemeClr>
+              </a:solidFill>
+            </a:endParaRPr>
+          </a:p>
+          <a:p>
+            <a:r>
+              <a:rPr lang="bg-BG" sz="1600" dirty="0"/>
+              <a:t>При </a:t>
+            </a:r>
+            <a:r>
+              <a:rPr lang="en-US" sz="1600" dirty="0"/>
+              <a:t>position: </a:t>
+            </a:r>
+            <a:r>
+              <a:rPr lang="en-US" sz="1600" dirty="0" smtClean="0">
+                <a:solidFill>
+                  <a:srgbClr val="427AA2"/>
+                </a:solidFill>
+              </a:rPr>
+              <a:t>relative</a:t>
+            </a:r>
+            <a:r>
+              <a:rPr lang="bg-BG" sz="1600" dirty="0" smtClean="0"/>
+              <a:t>– </a:t>
+            </a:r>
+            <a:r>
+              <a:rPr lang="en-US" sz="1600" dirty="0">
+                <a:solidFill>
+                  <a:srgbClr val="9365B8"/>
+                </a:solidFill>
+              </a:rPr>
+              <a:t>top,</a:t>
+            </a:r>
+            <a:r>
+              <a:rPr lang="bg-BG" sz="1600" dirty="0">
+                <a:solidFill>
+                  <a:srgbClr val="9365B8"/>
+                </a:solidFill>
+              </a:rPr>
+              <a:t> </a:t>
+            </a:r>
+            <a:r>
+              <a:rPr lang="bg-BG" sz="1600" dirty="0">
+                <a:solidFill>
+                  <a:schemeClr val="tx2">
+                    <a:lumMod val="75000"/>
+                  </a:schemeClr>
+                </a:solidFill>
+              </a:rPr>
+              <a:t>ще позиционира горния край на елемента спрямо </a:t>
+            </a:r>
+            <a:r>
+              <a:rPr lang="bg-BG" sz="1600" dirty="0" smtClean="0">
+                <a:solidFill>
+                  <a:schemeClr val="tx2">
+                    <a:lumMod val="75000"/>
+                  </a:schemeClr>
+                </a:solidFill>
+              </a:rPr>
+              <a:t>нормалната </a:t>
+            </a:r>
+          </a:p>
+          <a:p>
+            <a:r>
+              <a:rPr lang="bg-BG" sz="1600" dirty="0" smtClean="0">
+                <a:solidFill>
+                  <a:schemeClr val="tx2">
+                    <a:lumMod val="75000"/>
+                  </a:schemeClr>
+                </a:solidFill>
+              </a:rPr>
+              <a:t>позиция на елемента</a:t>
+            </a:r>
+            <a:r>
+              <a:rPr lang="en-US" sz="1600" dirty="0" smtClean="0">
+                <a:solidFill>
+                  <a:schemeClr val="tx2">
+                    <a:lumMod val="75000"/>
+                  </a:schemeClr>
+                </a:solidFill>
+              </a:rPr>
+              <a:t>;</a:t>
+            </a:r>
+            <a:endParaRPr lang="bg-BG" sz="1600" dirty="0" smtClean="0">
+              <a:solidFill>
+                <a:schemeClr val="tx2">
+                  <a:lumMod val="75000"/>
+                </a:schemeClr>
+              </a:solidFill>
+            </a:endParaRPr>
+          </a:p>
+          <a:p>
+            <a:endParaRPr lang="bg-BG" sz="1600" dirty="0">
+              <a:solidFill>
+                <a:schemeClr val="tx2">
+                  <a:lumMod val="75000"/>
+                </a:schemeClr>
+              </a:solidFill>
+            </a:endParaRPr>
+          </a:p>
+          <a:p>
+            <a:r>
+              <a:rPr lang="bg-BG" sz="1600" dirty="0"/>
+              <a:t>При </a:t>
+            </a:r>
+            <a:r>
+              <a:rPr lang="en-US" sz="1600" dirty="0"/>
+              <a:t>position: </a:t>
+            </a:r>
+            <a:r>
+              <a:rPr lang="en-US" sz="1600" dirty="0" smtClean="0">
+                <a:solidFill>
+                  <a:srgbClr val="427AA2"/>
+                </a:solidFill>
+              </a:rPr>
+              <a:t>sticky</a:t>
+            </a:r>
+            <a:r>
+              <a:rPr lang="bg-BG" sz="1600" dirty="0" smtClean="0"/>
+              <a:t>– </a:t>
+            </a:r>
+            <a:r>
+              <a:rPr lang="en-US" sz="1600" dirty="0">
+                <a:solidFill>
+                  <a:srgbClr val="9365B8"/>
+                </a:solidFill>
+              </a:rPr>
+              <a:t>top,</a:t>
+            </a:r>
+            <a:r>
+              <a:rPr lang="bg-BG" sz="1600" dirty="0">
+                <a:solidFill>
+                  <a:srgbClr val="9365B8"/>
+                </a:solidFill>
+              </a:rPr>
+              <a:t> </a:t>
+            </a:r>
+            <a:r>
+              <a:rPr lang="bg-BG" sz="1600" dirty="0">
+                <a:solidFill>
+                  <a:schemeClr val="tx2">
+                    <a:lumMod val="75000"/>
+                  </a:schemeClr>
+                </a:solidFill>
+              </a:rPr>
+              <a:t>ще </a:t>
+            </a:r>
+            <a:r>
+              <a:rPr lang="bg-BG" sz="1600" dirty="0" smtClean="0">
+                <a:solidFill>
+                  <a:schemeClr val="tx2">
+                    <a:lumMod val="75000"/>
+                  </a:schemeClr>
+                </a:solidFill>
+              </a:rPr>
+              <a:t>се държи както при </a:t>
+            </a:r>
+            <a:r>
+              <a:rPr lang="en-US" sz="1600" dirty="0" smtClean="0">
+                <a:solidFill>
+                  <a:srgbClr val="427AA2"/>
+                </a:solidFill>
+              </a:rPr>
+              <a:t>position relative, </a:t>
+            </a:r>
+            <a:r>
+              <a:rPr lang="bg-BG" sz="1600" dirty="0" smtClean="0">
+                <a:solidFill>
+                  <a:schemeClr val="tx2">
+                    <a:lumMod val="75000"/>
+                  </a:schemeClr>
+                </a:solidFill>
+              </a:rPr>
+              <a:t>докато елементът е във </a:t>
+            </a:r>
+            <a:r>
+              <a:rPr lang="en-US" sz="1600" dirty="0" smtClean="0">
+                <a:solidFill>
+                  <a:schemeClr val="tx2">
+                    <a:lumMod val="75000"/>
+                  </a:schemeClr>
+                </a:solidFill>
+              </a:rPr>
+              <a:t>viewport-a,</a:t>
+            </a:r>
+          </a:p>
+          <a:p>
+            <a:r>
+              <a:rPr lang="bg-BG" sz="1600" dirty="0" smtClean="0">
+                <a:solidFill>
+                  <a:schemeClr val="tx2">
+                    <a:lumMod val="75000"/>
+                  </a:schemeClr>
+                </a:solidFill>
+              </a:rPr>
+              <a:t>И като </a:t>
+            </a:r>
+            <a:r>
+              <a:rPr lang="en-US" sz="1600" dirty="0" smtClean="0">
+                <a:solidFill>
+                  <a:schemeClr val="tx2">
+                    <a:lumMod val="75000"/>
+                  </a:schemeClr>
+                </a:solidFill>
+              </a:rPr>
+              <a:t>position fixed, </a:t>
+            </a:r>
+            <a:r>
+              <a:rPr lang="bg-BG" sz="1600" dirty="0" smtClean="0">
+                <a:solidFill>
+                  <a:schemeClr val="tx2">
+                    <a:lumMod val="75000"/>
+                  </a:schemeClr>
+                </a:solidFill>
+              </a:rPr>
+              <a:t>когато е извън </a:t>
+            </a:r>
+            <a:r>
+              <a:rPr lang="en-US" sz="1600" dirty="0" smtClean="0">
+                <a:solidFill>
+                  <a:schemeClr val="tx2">
+                    <a:lumMod val="75000"/>
+                  </a:schemeClr>
+                </a:solidFill>
+              </a:rPr>
+              <a:t>viewport-a;</a:t>
+            </a:r>
+          </a:p>
+          <a:p>
+            <a:endParaRPr lang="en-US" sz="1600" dirty="0">
+              <a:solidFill>
+                <a:schemeClr val="tx2">
+                  <a:lumMod val="75000"/>
+                </a:schemeClr>
+              </a:solidFill>
+            </a:endParaRPr>
+          </a:p>
+          <a:p>
+            <a:r>
+              <a:rPr lang="bg-BG" sz="1600" dirty="0"/>
+              <a:t>При </a:t>
+            </a:r>
+            <a:r>
+              <a:rPr lang="en-US" sz="1600" dirty="0"/>
+              <a:t>position: </a:t>
+            </a:r>
+            <a:r>
+              <a:rPr lang="en-US" sz="1600" dirty="0" smtClean="0">
+                <a:solidFill>
+                  <a:srgbClr val="427AA2"/>
+                </a:solidFill>
+              </a:rPr>
+              <a:t>static</a:t>
+            </a:r>
+            <a:r>
+              <a:rPr lang="bg-BG" sz="1600" dirty="0" smtClean="0"/>
+              <a:t>– </a:t>
+            </a:r>
+            <a:r>
+              <a:rPr lang="en-US" sz="1600" dirty="0" smtClean="0">
+                <a:solidFill>
+                  <a:srgbClr val="9365B8"/>
+                </a:solidFill>
+              </a:rPr>
+              <a:t>top</a:t>
+            </a:r>
+            <a:r>
+              <a:rPr lang="bg-BG" sz="1600" dirty="0" smtClean="0">
+                <a:solidFill>
+                  <a:srgbClr val="9365B8"/>
+                </a:solidFill>
+              </a:rPr>
+              <a:t> </a:t>
+            </a:r>
+            <a:r>
+              <a:rPr lang="bg-BG" sz="1600" dirty="0" smtClean="0">
+                <a:solidFill>
+                  <a:schemeClr val="tx2">
+                    <a:lumMod val="75000"/>
+                  </a:schemeClr>
+                </a:solidFill>
+              </a:rPr>
+              <a:t>няма да окаже влияние;</a:t>
+            </a:r>
+            <a:endParaRPr lang="bg-BG" sz="1600" dirty="0">
+              <a:solidFill>
+                <a:schemeClr val="tx2">
+                  <a:lumMod val="75000"/>
+                </a:schemeClr>
+              </a:solidFill>
+            </a:endParaRPr>
+          </a:p>
+          <a:p>
+            <a:endParaRPr lang="bg-BG" sz="1600" dirty="0">
+              <a:solidFill>
+                <a:schemeClr val="tx2">
+                  <a:lumMod val="75000"/>
+                </a:schemeClr>
+              </a:solidFill>
+            </a:endParaRPr>
+          </a:p>
+        </p:txBody>
+      </p:sp>
+    </p:spTree>
+    <p:extLst>
+      <p:ext uri="{BB962C8B-B14F-4D97-AF65-F5344CB8AC3E}">
+        <p14:creationId xmlns:p14="http://schemas.microsoft.com/office/powerpoint/2010/main" val="673457476"/>
+      </p:ext>
+    </p:extLst>
+  </p:cSld>
+  <p:clrMapOvr>
+    <a:masterClrMapping/>
+  </p:clrMapOvr>
+</p:sld>
+</file>
+
+<file path=ppt/slides/slide2.xml><?xml version="1.0" encoding="utf-8"?>
+<p:sld xmlns:a="http://schemas.openxmlformats.org/drawingml/2006/main" xmlns:r="http://schemas.openxmlformats.org/officeDocument/2006/relationships" xmlns:p="http://schemas.openxmlformats.org/presentationml/2006/main">
+  <p:cSld>
+    <p:bg>
+      <p:bgPr>
+        <a:blipFill dpi="0" rotWithShape="1">
+          <a:blip r:embed="rId3">
+            <a:lum/>
+          </a:blip>
+          <a:srcRect/>
+          <a:stretch>
+            <a:fillRect/>
+          </a:stretch>
+        </a:blipFill>
+        <a:effectLst/>
+      </p:bgPr>
+    </p:bg>
+    <p:spTree>
+      <p:nvGrpSpPr>
+        <p:cNvPr id="1" name=""/>
+        <p:cNvGrpSpPr/>
+        <p:nvPr/>
+      </p:nvGrpSpPr>
+      <p:grpSpPr>
+        <a:xfrm>
+          <a:off x="0" y="0"/>
+          <a:ext cx="0" cy="0"/>
+          <a:chOff x="0" y="0"/>
+          <a:chExt cx="0" cy="0"/>
+        </a:xfrm>
+      </p:grpSpPr>
+      <p:sp>
+        <p:nvSpPr>
+          <p:cNvPr id="39" name="Rectangle 38">
+            <a:extLst>
+              <a:ext uri="{FF2B5EF4-FFF2-40B4-BE49-F238E27FC236}">
+                <a16:creationId xmlns:a16="http://schemas.microsoft.com/office/drawing/2014/main" xmlns="" id="{C1C163D1-85A2-4643-BA3C-22035ECBF6E9}"/>
+              </a:ext>
+            </a:extLst>
+          </p:cNvPr>
+          <p:cNvSpPr/>
+          <p:nvPr/>
+        </p:nvSpPr>
+        <p:spPr>
+          <a:xfrm>
+            <a:off x="7210970" y="0"/>
+            <a:ext cx="1933031" cy="356965"/>
+          </a:xfrm>
+          <a:prstGeom prst="rect">
+            <a:avLst/>
+          </a:prstGeom>
+          <a:solidFill>
+            <a:srgbClr val="0F7792">
+              <a:alpha val="50196"/>
+            </a:srgbClr>
+          </a:solidFill>
+          <a:ln>
+            <a:noFill/>
+          </a:ln>
+        </p:spPr>
+        <p:style>
+          <a:lnRef idx="2">
+            <a:schemeClr val="accent1">
+              <a:shade val="50000"/>
+            </a:schemeClr>
+          </a:lnRef>
+          <a:fillRef idx="1">
+            <a:schemeClr val="accent1"/>
+          </a:fillRef>
+          <a:effectRef idx="0">
+            <a:schemeClr val="accent1"/>
+          </a:effectRef>
+          <a:fontRef idx="minor">
+            <a:schemeClr val="lt1"/>
+          </a:fontRef>
+        </p:style>
+        <p:txBody>
+          <a:bodyPr rtlCol="0" anchor="ctr"/>
+          <a:lstStyle/>
+          <a:p>
+            <a:pPr algn="ctr"/>
+            <a:r>
+              <a:rPr lang="en-US" dirty="0" smtClean="0"/>
+              <a:t>Position</a:t>
+            </a:r>
+            <a:endParaRPr lang="en-US" dirty="0"/>
+          </a:p>
+        </p:txBody>
+      </p:sp>
+      <p:sp>
+        <p:nvSpPr>
+          <p:cNvPr id="5" name="Rectangle 4">
+            <a:extLst>
+              <a:ext uri="{FF2B5EF4-FFF2-40B4-BE49-F238E27FC236}">
+                <a16:creationId xmlns:a16="http://schemas.microsoft.com/office/drawing/2014/main" xmlns="" id="{12131ED0-4950-475C-B7DC-450FBBF3C54A}"/>
+              </a:ext>
+            </a:extLst>
+          </p:cNvPr>
+          <p:cNvSpPr/>
+          <p:nvPr/>
+        </p:nvSpPr>
+        <p:spPr>
+          <a:xfrm>
+            <a:off x="0" y="0"/>
+            <a:ext cx="4283968" cy="356965"/>
+          </a:xfrm>
+          <a:prstGeom prst="rect">
+            <a:avLst/>
+          </a:prstGeom>
+          <a:solidFill>
+            <a:srgbClr val="0F7792"/>
+          </a:solidFill>
+          <a:ln>
+            <a:noFill/>
+          </a:ln>
+        </p:spPr>
+        <p:style>
+          <a:lnRef idx="2">
+            <a:schemeClr val="accent1">
+              <a:shade val="50000"/>
+            </a:schemeClr>
+          </a:lnRef>
+          <a:fillRef idx="1">
+            <a:schemeClr val="accent1"/>
+          </a:fillRef>
+          <a:effectRef idx="0">
+            <a:schemeClr val="accent1"/>
+          </a:effectRef>
+          <a:fontRef idx="minor">
+            <a:schemeClr val="lt1"/>
+          </a:fontRef>
+        </p:style>
+        <p:txBody>
+          <a:bodyPr rtlCol="0" anchor="ctr"/>
+          <a:lstStyle/>
+          <a:p>
+            <a:pPr algn="ctr"/>
+            <a:endParaRPr lang="en-US"/>
+          </a:p>
+        </p:txBody>
+      </p:sp>
+      <p:sp>
+        <p:nvSpPr>
+          <p:cNvPr id="4" name="TextBox 3">
+            <a:extLst>
+              <a:ext uri="{FF2B5EF4-FFF2-40B4-BE49-F238E27FC236}">
+                <a16:creationId xmlns:a16="http://schemas.microsoft.com/office/drawing/2014/main" xmlns="" id="{DB2A6D78-D3DF-4739-BCDE-EE78ED59B04D}"/>
+              </a:ext>
+            </a:extLst>
+          </p:cNvPr>
+          <p:cNvSpPr txBox="1"/>
+          <p:nvPr/>
+        </p:nvSpPr>
+        <p:spPr>
+          <a:xfrm>
+            <a:off x="89756" y="24634"/>
+            <a:ext cx="4122204" cy="276999"/>
+          </a:xfrm>
+          <a:prstGeom prst="rect">
+            <a:avLst/>
+          </a:prstGeom>
+          <a:noFill/>
+        </p:spPr>
+        <p:txBody>
+          <a:bodyPr wrap="square" rtlCol="0">
+            <a:spAutoFit/>
+          </a:bodyPr>
+          <a:lstStyle/>
+          <a:p>
+            <a:r>
+              <a:rPr lang="en-US" sz="1200" b="1" dirty="0" smtClean="0">
+                <a:solidFill>
+                  <a:schemeClr val="bg1"/>
+                </a:solidFill>
+                <a:latin typeface="Verdana" panose="020B0604030504040204" pitchFamily="34" charset="0"/>
+                <a:ea typeface="Verdana" panose="020B0604030504040204" pitchFamily="34" charset="0"/>
+                <a:cs typeface="Verdana" panose="020B0604030504040204" pitchFamily="34" charset="0"/>
+              </a:rPr>
+              <a:t>CSS Positioning</a:t>
+            </a:r>
+            <a:endParaRPr lang="bg-BG" sz="1200" dirty="0">
+              <a:solidFill>
+                <a:schemeClr val="bg1"/>
+              </a:solidFill>
+              <a:latin typeface="Verdana" panose="020B0604030504040204" pitchFamily="34" charset="0"/>
+              <a:ea typeface="Verdana" panose="020B0604030504040204" pitchFamily="34" charset="0"/>
+              <a:cs typeface="Verdana" panose="020B0604030504040204" pitchFamily="34" charset="0"/>
+            </a:endParaRPr>
+          </a:p>
+        </p:txBody>
+      </p:sp>
+      <p:sp>
+        <p:nvSpPr>
+          <p:cNvPr id="10" name="Rectangle: Rounded Corners 5">
+            <a:extLst>
+              <a:ext uri="{FF2B5EF4-FFF2-40B4-BE49-F238E27FC236}">
+                <a16:creationId xmlns:a16="http://schemas.microsoft.com/office/drawing/2014/main" xmlns="" id="{682EAE92-D6DF-494B-9CC1-FF2B7145CC2C}"/>
+              </a:ext>
+            </a:extLst>
+          </p:cNvPr>
+          <p:cNvSpPr/>
+          <p:nvPr/>
+        </p:nvSpPr>
+        <p:spPr>
+          <a:xfrm>
+            <a:off x="1271850" y="625571"/>
+            <a:ext cx="6624736" cy="504056"/>
+          </a:xfrm>
+          <a:prstGeom prst="roundRect">
+            <a:avLst/>
+          </a:prstGeom>
+          <a:solidFill>
+            <a:srgbClr val="127994"/>
+          </a:solidFill>
+          <a:ln>
+            <a:noFill/>
+          </a:ln>
+          <a:effectLst>
+            <a:outerShdw blurRad="50800" dist="38100" dir="5400000" algn="t" rotWithShape="0">
+              <a:prstClr val="black">
+                <a:alpha val="40000"/>
+              </a:prstClr>
+            </a:outerShdw>
+          </a:effectLst>
+        </p:spPr>
+        <p:style>
+          <a:lnRef idx="2">
+            <a:schemeClr val="accent1">
+              <a:shade val="50000"/>
+            </a:schemeClr>
+          </a:lnRef>
+          <a:fillRef idx="1">
+            <a:schemeClr val="accent1"/>
+          </a:fillRef>
+          <a:effectRef idx="0">
+            <a:schemeClr val="accent1"/>
+          </a:effectRef>
+          <a:fontRef idx="minor">
+            <a:schemeClr val="lt1"/>
+          </a:fontRef>
+        </p:style>
+        <p:txBody>
+          <a:bodyPr rtlCol="0" anchor="ctr"/>
+          <a:lstStyle/>
+          <a:p>
+            <a:pPr algn="ctr"/>
+            <a:r>
+              <a:rPr lang="en-US" dirty="0" smtClean="0"/>
+              <a:t>position: </a:t>
+            </a:r>
+            <a:endParaRPr lang="en-US" dirty="0"/>
+          </a:p>
+        </p:txBody>
+      </p:sp>
+      <p:sp>
+        <p:nvSpPr>
+          <p:cNvPr id="2" name="TextBox 1"/>
+          <p:cNvSpPr txBox="1"/>
+          <p:nvPr/>
+        </p:nvSpPr>
+        <p:spPr>
+          <a:xfrm>
+            <a:off x="1046967" y="1429225"/>
+            <a:ext cx="7074501" cy="3293209"/>
+          </a:xfrm>
+          <a:prstGeom prst="rect">
+            <a:avLst/>
+          </a:prstGeom>
+          <a:noFill/>
+        </p:spPr>
+        <p:txBody>
+          <a:bodyPr wrap="none" rtlCol="0">
+            <a:spAutoFit/>
+          </a:bodyPr>
+          <a:lstStyle/>
+          <a:p>
+            <a:r>
+              <a:rPr lang="bg-BG" sz="1600" dirty="0" smtClean="0"/>
+              <a:t>Пропърти</a:t>
+            </a:r>
+            <a:r>
+              <a:rPr lang="bg-BG" sz="1600" b="1" dirty="0" smtClean="0"/>
+              <a:t> </a:t>
+            </a:r>
+            <a:r>
+              <a:rPr lang="en-US" sz="1600" b="1" dirty="0" smtClean="0">
+                <a:solidFill>
+                  <a:srgbClr val="9365B8"/>
+                </a:solidFill>
+              </a:rPr>
+              <a:t>position</a:t>
+            </a:r>
+            <a:r>
+              <a:rPr lang="en-US" sz="1600" b="1" dirty="0" smtClean="0"/>
+              <a:t> </a:t>
+            </a:r>
+            <a:r>
+              <a:rPr lang="bg-BG" sz="1600" dirty="0" smtClean="0"/>
+              <a:t>дефинира </a:t>
+            </a:r>
+            <a:r>
+              <a:rPr lang="bg-BG" sz="1600" i="1" dirty="0" smtClean="0"/>
+              <a:t>типът </a:t>
+            </a:r>
+            <a:r>
+              <a:rPr lang="bg-BG" sz="1600" dirty="0" smtClean="0"/>
+              <a:t>на метода за позициониране на елемент.</a:t>
+            </a:r>
+          </a:p>
+          <a:p>
+            <a:r>
+              <a:rPr lang="bg-BG" sz="1600" dirty="0" smtClean="0"/>
+              <a:t>Има 5 възможни стойности:</a:t>
+            </a:r>
+          </a:p>
+          <a:p>
+            <a:endParaRPr lang="bg-BG" sz="1600" dirty="0" smtClean="0"/>
+          </a:p>
+          <a:p>
+            <a:pPr marL="285750" indent="-285750">
+              <a:buFont typeface="Arial" panose="020B0604020202020204" pitchFamily="34" charset="0"/>
+              <a:buChar char="•"/>
+            </a:pPr>
+            <a:r>
+              <a:rPr lang="en-US" sz="1600" dirty="0">
+                <a:solidFill>
+                  <a:srgbClr val="427AA2"/>
+                </a:solidFill>
+              </a:rPr>
+              <a:t>s</a:t>
+            </a:r>
+            <a:r>
+              <a:rPr lang="en-US" sz="1600" dirty="0" smtClean="0">
+                <a:solidFill>
+                  <a:srgbClr val="427AA2"/>
+                </a:solidFill>
+              </a:rPr>
+              <a:t>tatic</a:t>
+            </a:r>
+          </a:p>
+          <a:p>
+            <a:pPr marL="285750" indent="-285750">
+              <a:buFont typeface="Arial" panose="020B0604020202020204" pitchFamily="34" charset="0"/>
+              <a:buChar char="•"/>
+            </a:pPr>
+            <a:r>
+              <a:rPr lang="en-US" sz="1600" dirty="0">
+                <a:solidFill>
+                  <a:srgbClr val="427AA2"/>
+                </a:solidFill>
+              </a:rPr>
+              <a:t>r</a:t>
+            </a:r>
+            <a:r>
+              <a:rPr lang="en-US" sz="1600" dirty="0" smtClean="0">
+                <a:solidFill>
+                  <a:srgbClr val="427AA2"/>
+                </a:solidFill>
+              </a:rPr>
+              <a:t>elative</a:t>
+            </a:r>
+          </a:p>
+          <a:p>
+            <a:pPr marL="285750" indent="-285750">
+              <a:buFont typeface="Arial" panose="020B0604020202020204" pitchFamily="34" charset="0"/>
+              <a:buChar char="•"/>
+            </a:pPr>
+            <a:r>
+              <a:rPr lang="en-US" sz="1600" dirty="0" smtClean="0">
+                <a:solidFill>
+                  <a:srgbClr val="427AA2"/>
+                </a:solidFill>
+              </a:rPr>
+              <a:t>fixed</a:t>
+            </a:r>
+          </a:p>
+          <a:p>
+            <a:pPr marL="285750" indent="-285750">
+              <a:buFont typeface="Arial" panose="020B0604020202020204" pitchFamily="34" charset="0"/>
+              <a:buChar char="•"/>
+            </a:pPr>
+            <a:r>
+              <a:rPr lang="en-US" sz="1600" dirty="0" smtClean="0">
+                <a:solidFill>
+                  <a:srgbClr val="427AA2"/>
+                </a:solidFill>
+              </a:rPr>
+              <a:t>absolute</a:t>
+            </a:r>
+          </a:p>
+          <a:p>
+            <a:pPr marL="285750" indent="-285750">
+              <a:buFont typeface="Arial" panose="020B0604020202020204" pitchFamily="34" charset="0"/>
+              <a:buChar char="•"/>
+            </a:pPr>
+            <a:r>
+              <a:rPr lang="en-US" sz="1600" dirty="0" smtClean="0">
+                <a:solidFill>
+                  <a:srgbClr val="427AA2"/>
+                </a:solidFill>
+              </a:rPr>
+              <a:t>sticky</a:t>
+            </a:r>
+            <a:r>
+              <a:rPr lang="en-US" sz="1600" b="1" dirty="0" smtClean="0">
+                <a:solidFill>
+                  <a:srgbClr val="427AA2"/>
+                </a:solidFill>
+              </a:rPr>
+              <a:t> </a:t>
+            </a:r>
+            <a:endParaRPr lang="bg-BG" sz="1600" b="1" dirty="0" smtClean="0">
+              <a:solidFill>
+                <a:srgbClr val="427AA2"/>
+              </a:solidFill>
+            </a:endParaRPr>
+          </a:p>
+          <a:p>
+            <a:pPr marL="285750" indent="-285750">
+              <a:buFont typeface="Arial" panose="020B0604020202020204" pitchFamily="34" charset="0"/>
+              <a:buChar char="•"/>
+            </a:pPr>
+            <a:endParaRPr lang="bg-BG" sz="1600" b="1" dirty="0">
+              <a:solidFill>
+                <a:srgbClr val="427AA2"/>
+              </a:solidFill>
+            </a:endParaRPr>
+          </a:p>
+          <a:p>
+            <a:r>
+              <a:rPr lang="bg-BG" sz="1600" b="1" dirty="0" smtClean="0">
+                <a:solidFill>
+                  <a:schemeClr val="tx2">
+                    <a:lumMod val="75000"/>
+                  </a:schemeClr>
+                </a:solidFill>
+              </a:rPr>
+              <a:t>Какво е позициониран елемент? </a:t>
+            </a:r>
+          </a:p>
+          <a:p>
+            <a:endParaRPr lang="bg-BG" sz="1600" b="1" dirty="0">
+              <a:solidFill>
+                <a:schemeClr val="tx2">
+                  <a:lumMod val="75000"/>
+                </a:schemeClr>
+              </a:solidFill>
+            </a:endParaRPr>
+          </a:p>
+          <a:p>
+            <a:r>
+              <a:rPr lang="bg-BG" sz="1600" dirty="0" smtClean="0">
+                <a:solidFill>
+                  <a:schemeClr val="tx2">
+                    <a:lumMod val="75000"/>
+                  </a:schemeClr>
+                </a:solidFill>
+              </a:rPr>
+              <a:t>Позиционирани елементи са всички на които изрично е дадена стойност на </a:t>
+            </a:r>
+          </a:p>
+          <a:p>
+            <a:r>
+              <a:rPr lang="bg-BG" sz="1600" dirty="0" smtClean="0">
+                <a:solidFill>
+                  <a:schemeClr val="tx2">
+                    <a:lumMod val="75000"/>
+                  </a:schemeClr>
+                </a:solidFill>
+              </a:rPr>
+              <a:t>пропърти </a:t>
+            </a:r>
+            <a:r>
+              <a:rPr lang="en-US" sz="1600" dirty="0" smtClean="0">
+                <a:solidFill>
+                  <a:schemeClr val="tx2">
+                    <a:lumMod val="75000"/>
+                  </a:schemeClr>
+                </a:solidFill>
+              </a:rPr>
+              <a:t>position</a:t>
+            </a:r>
+            <a:r>
+              <a:rPr lang="bg-BG" sz="1600" dirty="0" smtClean="0">
+                <a:solidFill>
+                  <a:schemeClr val="tx2">
+                    <a:lumMod val="75000"/>
+                  </a:schemeClr>
+                </a:solidFill>
+              </a:rPr>
+              <a:t>, различно от </a:t>
+            </a:r>
+            <a:r>
+              <a:rPr lang="en-US" sz="1600" dirty="0" smtClean="0">
+                <a:solidFill>
+                  <a:schemeClr val="tx2">
+                    <a:lumMod val="75000"/>
+                  </a:schemeClr>
+                </a:solidFill>
+              </a:rPr>
+              <a:t>static.</a:t>
+            </a:r>
+            <a:endParaRPr lang="bg-BG" sz="1600" dirty="0">
+              <a:solidFill>
+                <a:schemeClr val="tx2">
+                  <a:lumMod val="75000"/>
+                </a:schemeClr>
+              </a:solidFill>
+            </a:endParaRPr>
+          </a:p>
+        </p:txBody>
+      </p:sp>
+    </p:spTree>
+    <p:extLst>
+      <p:ext uri="{BB962C8B-B14F-4D97-AF65-F5344CB8AC3E}">
+        <p14:creationId xmlns:p14="http://schemas.microsoft.com/office/powerpoint/2010/main" val="3813723534"/>
       </p:ext>
     </p:extLst>
   </p:cSld>
@@ -8176,7 +10787,7 @@
           <p:cNvPr id="39" name="Rectangle 38">
             <a:extLst>
               <a:ext uri="{FF2B5EF4-FFF2-40B4-BE49-F238E27FC236}">
-                <a16:creationId xmlns="" xmlns:a16="http://schemas.microsoft.com/office/drawing/2014/main" id="{C1C163D1-85A2-4643-BA3C-22035ECBF6E9}"/>
+                <a16:creationId xmlns:a16="http://schemas.microsoft.com/office/drawing/2014/main" xmlns="" id="{C1C163D1-85A2-4643-BA3C-22035ECBF6E9}"/>
               </a:ext>
             </a:extLst>
           </p:cNvPr>
@@ -8222,10 +10833,10 @@
           <a:p>
             <a:pPr algn="ctr"/>
             <a:r>
-              <a:rPr lang="bg-BG" sz="1400"/>
-              <a:t>Псевдо елементи</a:t>
-            </a:r>
-            <a:endParaRPr lang="en-US" sz="1400" dirty="0"/>
+              <a:rPr lang="en-US" dirty="0" smtClean="0"/>
+              <a:t>Position</a:t>
+            </a:r>
+            <a:endParaRPr lang="en-US" dirty="0"/>
           </a:p>
         </p:txBody>
       </p:sp>
@@ -8234,7 +10845,7 @@
           <p:cNvPr id="5" name="Rectangle 4">
             <a:extLst>
               <a:ext uri="{FF2B5EF4-FFF2-40B4-BE49-F238E27FC236}">
-                <a16:creationId xmlns="" xmlns:a16="http://schemas.microsoft.com/office/drawing/2014/main" id="{12131ED0-4950-475C-B7DC-450FBBF3C54A}"/>
+                <a16:creationId xmlns:a16="http://schemas.microsoft.com/office/drawing/2014/main" xmlns="" id="{12131ED0-4950-475C-B7DC-450FBBF3C54A}"/>
               </a:ext>
             </a:extLst>
           </p:cNvPr>
@@ -8286,7 +10897,7 @@
           <p:cNvPr id="4" name="TextBox 3">
             <a:extLst>
               <a:ext uri="{FF2B5EF4-FFF2-40B4-BE49-F238E27FC236}">
-                <a16:creationId xmlns="" xmlns:a16="http://schemas.microsoft.com/office/drawing/2014/main" id="{DB2A6D78-D3DF-4739-BCDE-EE78ED59B04D}"/>
+                <a16:creationId xmlns:a16="http://schemas.microsoft.com/office/drawing/2014/main" xmlns="" id="{DB2A6D78-D3DF-4739-BCDE-EE78ED59B04D}"/>
               </a:ext>
             </a:extLst>
           </p:cNvPr>
@@ -8310,17 +10921,6 @@
           <a:lstStyle/>
           <a:p>
             <a:r>
-              <a:rPr lang="en-US" sz="1200" b="1" dirty="0">
-                <a:solidFill>
-                  <a:schemeClr val="bg1"/>
-                </a:solidFill>
-                <a:latin typeface="Verdana" panose="020B0604030504040204" pitchFamily="34" charset="0"/>
-                <a:ea typeface="Verdana" panose="020B0604030504040204" pitchFamily="34" charset="0"/>
-                <a:cs typeface="Verdana" panose="020B0604030504040204" pitchFamily="34" charset="0"/>
-              </a:rPr>
-              <a:t>CSS </a:t>
-            </a:r>
-            <a:r>
               <a:rPr lang="en-US" sz="1200" b="1" dirty="0" smtClean="0">
                 <a:solidFill>
                   <a:schemeClr val="bg1"/>
@@ -8329,7 +10929,7 @@
                 <a:ea typeface="Verdana" panose="020B0604030504040204" pitchFamily="34" charset="0"/>
                 <a:cs typeface="Verdana" panose="020B0604030504040204" pitchFamily="34" charset="0"/>
               </a:rPr>
-              <a:t>selectors</a:t>
+              <a:t>CSS Positioning</a:t>
             </a:r>
             <a:endParaRPr lang="bg-BG" sz="1200" dirty="0">
               <a:solidFill>
@@ -8344,10 +10944,10 @@
       </p:sp>
       <p:sp>
         <p:nvSpPr>
-          <p:cNvPr id="47" name="Rectangle: Rounded Corners 5">
+          <p:cNvPr id="10" name="Rectangle: Rounded Corners 5">
             <a:extLst>
               <a:ext uri="{FF2B5EF4-FFF2-40B4-BE49-F238E27FC236}">
-                <a16:creationId xmlns="" xmlns:a16="http://schemas.microsoft.com/office/drawing/2014/main" id="{682EAE92-D6DF-494B-9CC1-FF2B7145CC2C}"/>
+                <a16:creationId xmlns:a16="http://schemas.microsoft.com/office/drawing/2014/main" xmlns="" id="{682EAE92-D6DF-494B-9CC1-FF2B7145CC2C}"/>
               </a:ext>
             </a:extLst>
           </p:cNvPr>
@@ -8356,7 +10956,7 @@
         </p:nvSpPr>
         <p:spPr>
           <a:xfrm>
-            <a:off x="1115616" y="580310"/>
+            <a:off x="1271850" y="625571"/>
             <a:ext cx="6624736" cy="504056"/>
           </a:xfrm>
           <a:prstGeom prst="roundRect">
@@ -8398,8 +10998,16 @@
           <a:p>
             <a:pPr algn="ctr"/>
             <a:r>
+              <a:rPr lang="en-US" dirty="0" smtClean="0"/>
+              <a:t>position:</a:t>
+            </a:r>
+            <a:r>
               <a:rPr lang="bg-BG" dirty="0" smtClean="0"/>
-              <a:t>Псевдо елементи</a:t>
+              <a:t> </a:t>
+            </a:r>
+            <a:r>
+              <a:rPr lang="en-US" dirty="0" smtClean="0"/>
+              <a:t>static </a:t>
             </a:r>
             <a:endParaRPr lang="en-US" dirty="0"/>
           </a:p>
@@ -8407,20 +11015,14 @@
       </p:sp>
       <p:sp>
         <p:nvSpPr>
-          <p:cNvPr id="2" name="TextBox 1">
-            <a:extLst>
-              <a:ext uri="{FF2B5EF4-FFF2-40B4-BE49-F238E27FC236}">
-                <a16:creationId xmlns="" xmlns:a16="http://schemas.microsoft.com/office/drawing/2014/main" id="{1B819E04-FB3A-4140-997F-C60523568632}"/>
-              </a:ext>
-            </a:extLst>
-          </p:cNvPr>
+          <p:cNvPr id="2" name="TextBox 1"/>
           <p:cNvSpPr txBox="1"/>
           <p:nvPr/>
         </p:nvSpPr>
         <p:spPr>
           <a:xfrm>
-            <a:off x="561783" y="1307711"/>
-            <a:ext cx="8064896" cy="4031873"/>
+            <a:off x="809498" y="1398233"/>
+            <a:ext cx="7735579" cy="2554545"/>
           </a:xfrm>
           <a:prstGeom prst="rect">
             <a:avLst/>
@@ -8428,72 +11030,40 @@
           <a:noFill/>
         </p:spPr>
         <p:txBody>
-          <a:bodyPr wrap="square" rtlCol="0">
+          <a:bodyPr wrap="none" rtlCol="0">
             <a:spAutoFit/>
           </a:bodyPr>
           <a:lstStyle/>
           <a:p>
             <a:r>
+              <a:rPr lang="en-US" sz="1600" dirty="0" smtClean="0"/>
+              <a:t>HTML </a:t>
+            </a:r>
+            <a:r>
               <a:rPr lang="bg-BG" sz="1600" dirty="0" smtClean="0"/>
-              <a:t>Какво е псевдо-елемент?</a:t>
-            </a:r>
-          </a:p>
-          <a:p>
-            <a:endParaRPr lang="bg-BG" sz="1600" dirty="0"/>
+              <a:t>елементите са позиционирани по  този начин по презумпция </a:t>
+            </a:r>
+            <a:r>
+              <a:rPr lang="en-US" sz="1600" dirty="0" smtClean="0"/>
+              <a:t>(by default).</a:t>
+            </a:r>
+          </a:p>
+          <a:p>
+            <a:endParaRPr lang="en-US" sz="1600" dirty="0"/>
           </a:p>
           <a:p>
             <a:r>
               <a:rPr lang="bg-BG" sz="1600" dirty="0" smtClean="0"/>
-              <a:t>Това са елементи, които се използват за да се стилизира определена част от елемент. Като например</a:t>
-            </a:r>
-          </a:p>
-          <a:p>
-            <a:pPr marL="285750" indent="-285750">
-              <a:buFontTx/>
-              <a:buChar char="-"/>
-            </a:pPr>
+              <a:t>На позиционираните чрез този метод елементи не могат да се прилагат </a:t>
+            </a:r>
+            <a:r>
+              <a:rPr lang="en-US" sz="1600" dirty="0" smtClean="0"/>
+              <a:t>property</a:t>
+            </a:r>
             <a:r>
               <a:rPr lang="bg-BG" sz="1600" dirty="0" smtClean="0"/>
-              <a:t>първата буква или първия ред на елемент</a:t>
-            </a:r>
-            <a:r>
-              <a:rPr lang="en-US" sz="1600" dirty="0" smtClean="0"/>
-              <a:t> ::first-line &amp; ::first-letter</a:t>
-            </a:r>
-            <a:r>
-              <a:rPr lang="bg-BG" sz="1600" dirty="0" smtClean="0"/>
-              <a:t>;</a:t>
-            </a:r>
-          </a:p>
-          <a:p>
-            <a:pPr marL="285750" indent="-285750">
-              <a:buFontTx/>
-              <a:buChar char="-"/>
-            </a:pPr>
-            <a:r>
-              <a:rPr lang="bg-BG" sz="1600" dirty="0" smtClean="0"/>
-              <a:t>да се вмъкне съдържание преди или след самия елемент </a:t>
-            </a:r>
-            <a:r>
-              <a:rPr lang="en-US" sz="1600" dirty="0" smtClean="0"/>
-              <a:t>::before &amp; ::after;</a:t>
-            </a:r>
-          </a:p>
-          <a:p>
-            <a:pPr marL="285750" indent="-285750">
-              <a:buFontTx/>
-              <a:buChar char="-"/>
-            </a:pPr>
-            <a:endParaRPr lang="en-US" sz="1600" dirty="0"/>
-          </a:p>
-          <a:p>
-            <a:r>
-              <a:rPr lang="bg-BG" sz="1600" dirty="0" smtClean="0"/>
-              <a:t>Синтаксис</a:t>
-            </a:r>
-          </a:p>
-          <a:p>
-            <a:endParaRPr lang="bg-BG" sz="1600" dirty="0"/>
+              <a:t>-та </a:t>
+            </a:r>
           </a:p>
           <a:p>
             <a:r>
@@ -8502,79 +11072,160 @@
                   <a:srgbClr val="427AA2"/>
                 </a:solidFill>
               </a:rPr>
-              <a:t>selector</a:t>
-            </a:r>
-            <a:r>
-              <a:rPr lang="en-US" sz="1600" dirty="0">
-                <a:solidFill>
-                  <a:srgbClr val="9365B8"/>
-                </a:solidFill>
-              </a:rPr>
-              <a:t>::pseudo-element</a:t>
-            </a:r>
-            <a:r>
-              <a:rPr lang="en-US" sz="1600" dirty="0"/>
-              <a:t> {</a:t>
-            </a:r>
-            <a:br>
-              <a:rPr lang="en-US" sz="1600" dirty="0"/>
-            </a:br>
-            <a:r>
-              <a:rPr lang="en-US" sz="1600" dirty="0"/>
-              <a:t>   </a:t>
-            </a:r>
-            <a:r>
-              <a:rPr lang="en-US" sz="1600" dirty="0">
+              <a:t>t</a:t>
+            </a:r>
+            <a:r>
+              <a:rPr lang="en-US" sz="1600" dirty="0" smtClean="0">
                 <a:solidFill>
                   <a:srgbClr val="427AA2"/>
                 </a:solidFill>
               </a:rPr>
-              <a:t> </a:t>
-            </a:r>
-            <a:r>
-              <a:rPr lang="en-US" sz="1600" dirty="0" err="1">
+              <a:t>op</a:t>
+            </a:r>
+            <a:r>
+              <a:rPr lang="en-US" sz="1600" dirty="0" smtClean="0"/>
+              <a:t>, </a:t>
+            </a:r>
+            <a:r>
+              <a:rPr lang="en-US" sz="1600" dirty="0" smtClean="0">
                 <a:solidFill>
                   <a:srgbClr val="427AA2"/>
                 </a:solidFill>
               </a:rPr>
-              <a:t>property:value</a:t>
-            </a:r>
-            <a:r>
-              <a:rPr lang="en-US" sz="1600" dirty="0"/>
-              <a:t>;</a:t>
-            </a:r>
-            <a:br>
-              <a:rPr lang="en-US" sz="1600" dirty="0"/>
-            </a:br>
+              <a:t>right</a:t>
+            </a:r>
             <a:r>
               <a:rPr lang="en-US" sz="1600" dirty="0" smtClean="0"/>
-              <a:t>}</a:t>
-            </a:r>
-            <a:endParaRPr lang="bg-BG" sz="1600" dirty="0" smtClean="0"/>
-          </a:p>
-          <a:p>
-            <a:endParaRPr lang="bg-BG" sz="1600" dirty="0"/>
+              <a:t>, </a:t>
+            </a:r>
+            <a:r>
+              <a:rPr lang="en-US" sz="1600" dirty="0" smtClean="0">
+                <a:solidFill>
+                  <a:srgbClr val="427AA2"/>
+                </a:solidFill>
+              </a:rPr>
+              <a:t>bottom</a:t>
+            </a:r>
+            <a:r>
+              <a:rPr lang="en-US" sz="1600" dirty="0" smtClean="0"/>
+              <a:t> &amp; </a:t>
+            </a:r>
+            <a:r>
+              <a:rPr lang="en-US" sz="1600" dirty="0" smtClean="0">
+                <a:solidFill>
+                  <a:srgbClr val="427AA2"/>
+                </a:solidFill>
+              </a:rPr>
+              <a:t>left</a:t>
+            </a:r>
+            <a:r>
+              <a:rPr lang="en-US" sz="1600" dirty="0" smtClean="0"/>
+              <a:t>.</a:t>
+            </a:r>
+          </a:p>
+          <a:p>
+            <a:endParaRPr lang="en-US" sz="1600" dirty="0"/>
           </a:p>
           <a:p>
             <a:r>
               <a:rPr lang="bg-BG" sz="1600" dirty="0" smtClean="0"/>
-              <a:t>Записват се с двойно многоточие след името на селектора и преди името на псевдо елемента;</a:t>
-            </a:r>
-            <a:endParaRPr lang="bg-BG" sz="1600" dirty="0" smtClean="0"/>
-          </a:p>
-          <a:p>
-            <a:pPr marL="285750" indent="-285750">
-              <a:buFontTx/>
-              <a:buChar char="-"/>
-            </a:pPr>
-            <a:endParaRPr lang="bg-BG" sz="1600" dirty="0"/>
+              <a:t>На елемент с </a:t>
+            </a:r>
+            <a:r>
+              <a:rPr lang="en-US" sz="1600" dirty="0" smtClean="0">
+                <a:solidFill>
+                  <a:srgbClr val="427AA2"/>
+                </a:solidFill>
+              </a:rPr>
+              <a:t>position: static; </a:t>
+            </a:r>
+            <a:r>
+              <a:rPr lang="bg-BG" sz="1600" dirty="0" smtClean="0">
+                <a:solidFill>
+                  <a:schemeClr val="bg2">
+                    <a:lumMod val="25000"/>
+                  </a:schemeClr>
+                </a:solidFill>
+              </a:rPr>
+              <a:t>не се прилагат специфични правила, той е част от </a:t>
+            </a:r>
+          </a:p>
+          <a:p>
+            <a:r>
+              <a:rPr lang="bg-BG" sz="1600" dirty="0" smtClean="0">
+                <a:solidFill>
+                  <a:schemeClr val="bg2">
+                    <a:lumMod val="25000"/>
+                  </a:schemeClr>
+                </a:solidFill>
+              </a:rPr>
+              <a:t>стандартния </a:t>
+            </a:r>
+            <a:r>
+              <a:rPr lang="en-US" sz="1600" dirty="0" smtClean="0">
+                <a:solidFill>
+                  <a:schemeClr val="bg2">
+                    <a:lumMod val="25000"/>
+                  </a:schemeClr>
+                </a:solidFill>
+              </a:rPr>
+              <a:t>flow, </a:t>
+            </a:r>
+            <a:r>
+              <a:rPr lang="bg-BG" sz="1600" dirty="0" smtClean="0">
+                <a:solidFill>
+                  <a:schemeClr val="bg2">
+                    <a:lumMod val="25000"/>
+                  </a:schemeClr>
+                </a:solidFill>
+              </a:rPr>
+              <a:t>стандартния поток и позициониране на елементите.</a:t>
+            </a:r>
+          </a:p>
+          <a:p>
+            <a:endParaRPr lang="bg-BG" sz="1600" dirty="0">
+              <a:solidFill>
+                <a:schemeClr val="bg2">
+                  <a:lumMod val="25000"/>
+                </a:schemeClr>
+              </a:solidFill>
+            </a:endParaRPr>
+          </a:p>
+          <a:p>
+            <a:r>
+              <a:rPr lang="bg-BG" sz="1600" dirty="0" smtClean="0">
+                <a:solidFill>
+                  <a:schemeClr val="bg2">
+                    <a:lumMod val="25000"/>
+                  </a:schemeClr>
+                </a:solidFill>
+              </a:rPr>
+              <a:t>Не е необходимо да бъде дефиниран, освен ако не презаписва предишна стойност на</a:t>
+            </a:r>
+          </a:p>
+          <a:p>
+            <a:r>
+              <a:rPr lang="bg-BG" sz="1600" dirty="0" smtClean="0">
+                <a:solidFill>
+                  <a:schemeClr val="bg2">
+                    <a:lumMod val="25000"/>
+                  </a:schemeClr>
+                </a:solidFill>
+              </a:rPr>
+              <a:t>На този елемент</a:t>
+            </a:r>
+            <a:endParaRPr lang="en-US" sz="1600" dirty="0" smtClean="0">
+              <a:solidFill>
+                <a:srgbClr val="427AA2"/>
+              </a:solidFill>
+            </a:endParaRPr>
           </a:p>
         </p:txBody>
       </p:sp>
     </p:spTree>
     <p:extLst>
       <p:ext uri="{BB962C8B-B14F-4D97-AF65-F5344CB8AC3E}">
-        <p14:creationId xmlns:p14="http://schemas.microsoft.com/office/powerpoint/2010/main" val="242699609"/>
+        <p14:creationId xmlns:p14="http://schemas.microsoft.com/office/powerpoint/2010/main" val="2159927288"/>
       </p:ext>
     </p:extLst>
   </p:cSld>
@@ -8620,7 +11271,7 @@
           <p:cNvPr id="39" name="Rectangle 38">
             <a:extLst>
               <a:ext uri="{FF2B5EF4-FFF2-40B4-BE49-F238E27FC236}">
-                <a16:creationId xmlns="" xmlns:a16="http://schemas.microsoft.com/office/drawing/2014/main" id="{C1C163D1-85A2-4643-BA3C-22035ECBF6E9}"/>
+                <a16:creationId xmlns:a16="http://schemas.microsoft.com/office/drawing/2014/main" xmlns="" id="{C1C163D1-85A2-4643-BA3C-22035ECBF6E9}"/>
               </a:ext>
             </a:extLst>
           </p:cNvPr>
@@ -8666,10 +11317,10 @@
           <a:p>
             <a:pPr algn="ctr"/>
             <a:r>
-              <a:rPr lang="bg-BG" sz="1400"/>
-              <a:t>Псевдо елементи</a:t>
-            </a:r>
-            <a:endParaRPr lang="en-US" sz="1400" dirty="0"/>
+              <a:rPr lang="en-US" dirty="0" smtClean="0"/>
+              <a:t>Position</a:t>
+            </a:r>
+            <a:endParaRPr lang="en-US" dirty="0"/>
           </a:p>
         </p:txBody>
       </p:sp>
@@ -8678,7 +11329,7 @@
           <p:cNvPr id="5" name="Rectangle 4">
             <a:extLst>
               <a:ext uri="{FF2B5EF4-FFF2-40B4-BE49-F238E27FC236}">
-                <a16:creationId xmlns="" xmlns:a16="http://schemas.microsoft.com/office/drawing/2014/main" id="{12131ED0-4950-475C-B7DC-450FBBF3C54A}"/>
+                <a16:creationId xmlns:a16="http://schemas.microsoft.com/office/drawing/2014/main" xmlns="" id="{12131ED0-4950-475C-B7DC-450FBBF3C54A}"/>
               </a:ext>
             </a:extLst>
           </p:cNvPr>
@@ -8730,7 +11381,7 @@
           <p:cNvPr id="4" name="TextBox 3">
             <a:extLst>
               <a:ext uri="{FF2B5EF4-FFF2-40B4-BE49-F238E27FC236}">
-                <a16:creationId xmlns="" xmlns:a16="http://schemas.microsoft.com/office/drawing/2014/main" id="{DB2A6D78-D3DF-4739-BCDE-EE78ED59B04D}"/>
+                <a16:creationId xmlns:a16="http://schemas.microsoft.com/office/drawing/2014/main" xmlns="" id="{DB2A6D78-D3DF-4739-BCDE-EE78ED59B04D}"/>
               </a:ext>
             </a:extLst>
           </p:cNvPr>
@@ -8754,17 +11405,6 @@
           <a:lstStyle/>
           <a:p>
             <a:r>
-              <a:rPr lang="en-US" sz="1200" b="1" dirty="0">
-                <a:solidFill>
-                  <a:schemeClr val="bg1"/>
-                </a:solidFill>
-                <a:latin typeface="Verdana" panose="020B0604030504040204" pitchFamily="34" charset="0"/>
-                <a:ea typeface="Verdana" panose="020B0604030504040204" pitchFamily="34" charset="0"/>
-                <a:cs typeface="Verdana" panose="020B0604030504040204" pitchFamily="34" charset="0"/>
-              </a:rPr>
-              <a:t>CSS </a:t>
-            </a:r>
-            <a:r>
               <a:rPr lang="en-US" sz="1200" b="1" dirty="0" smtClean="0">
                 <a:solidFill>
                   <a:schemeClr val="bg1"/>
@@ -8773,7 +11413,7 @@
                 <a:ea typeface="Verdana" panose="020B0604030504040204" pitchFamily="34" charset="0"/>
                 <a:cs typeface="Verdana" panose="020B0604030504040204" pitchFamily="34" charset="0"/>
               </a:rPr>
-              <a:t>selectors</a:t>
+              <a:t>CSS Positioning</a:t>
             </a:r>
             <a:endParaRPr lang="bg-BG" sz="1200" dirty="0">
               <a:solidFill>
@@ -8788,10 +11428,10 @@
       </p:sp>
       <p:sp>
         <p:nvSpPr>
-          <p:cNvPr id="47" name="Rectangle: Rounded Corners 5">
+          <p:cNvPr id="10" name="Rectangle: Rounded Corners 5">
             <a:extLst>
               <a:ext uri="{FF2B5EF4-FFF2-40B4-BE49-F238E27FC236}">
-                <a16:creationId xmlns="" xmlns:a16="http://schemas.microsoft.com/office/drawing/2014/main" id="{682EAE92-D6DF-494B-9CC1-FF2B7145CC2C}"/>
+                <a16:creationId xmlns:a16="http://schemas.microsoft.com/office/drawing/2014/main" xmlns="" id="{682EAE92-D6DF-494B-9CC1-FF2B7145CC2C}"/>
               </a:ext>
             </a:extLst>
           </p:cNvPr>
@@ -8800,7 +11440,7 @@
         </p:nvSpPr>
         <p:spPr>
           <a:xfrm>
-            <a:off x="1115616" y="580310"/>
+            <a:off x="1271850" y="625571"/>
             <a:ext cx="6624736" cy="504056"/>
           </a:xfrm>
           <a:prstGeom prst="roundRect">
@@ -8843,9 +11483,47 @@
             <a:pPr algn="ctr"/>
             <a:r>
               <a:rPr lang="en-US" dirty="0" smtClean="0"/>
-              <a:t>::first-line &amp; ::first-letter</a:t>
+              <a:t>position:</a:t>
+            </a:r>
+            <a:r>
+              <a:rPr lang="bg-BG" dirty="0" smtClean="0"/>
+              <a:t> </a:t>
+            </a:r>
+            <a:r>
+              <a:rPr lang="en-US" dirty="0" smtClean="0"/>
+              <a:t>static </a:t>
             </a:r>
             <a:endParaRPr lang="en-US" dirty="0"/>
+          </a:p>
+        </p:txBody>
+      </p:sp>
+      <p:sp>
+        <p:nvSpPr>
+          <p:cNvPr id="2" name="TextBox 1"/>
+          <p:cNvSpPr txBox="1"/>
+          <p:nvPr/>
+        </p:nvSpPr>
+        <p:spPr>
+          <a:xfrm>
+            <a:off x="809498" y="1398233"/>
+            <a:ext cx="184731" cy="338554"/>
+          </a:xfrm>
+          <a:prstGeom prst="rect">
+            <a:avLst/>
+          </a:prstGeom>
+          <a:noFill/>
+        </p:spPr>
+        <p:txBody>
+          <a:bodyPr wrap="none" rtlCol="0">
+            <a:spAutoFit/>
+          </a:bodyPr>
+          <a:lstStyle/>
+          <a:p>
+            <a:endParaRPr lang="en-US" sz="1600" dirty="0" smtClean="0">
+              <a:solidFill>
+                <a:srgbClr val="427AA2"/>
+              </a:solidFill>
+            </a:endParaRPr>
           </a:p>
         </p:txBody>
       </p:sp>
@@ -8865,18 +11543,83 @@
         </p:blipFill>
         <p:spPr>
           <a:xfrm>
-            <a:off x="395536" y="1777380"/>
-            <a:ext cx="8591338" cy="2129581"/>
+            <a:off x="1664805" y="1567510"/>
+            <a:ext cx="5838825" cy="1171575"/>
           </a:xfrm>
           <a:prstGeom prst="rect">
             <a:avLst/>
           </a:prstGeom>
         </p:spPr>
       </p:pic>
+      <p:sp>
+        <p:nvSpPr>
+          <p:cNvPr id="8" name="TextBox 7"/>
+          <p:cNvSpPr txBox="1"/>
+          <p:nvPr/>
+        </p:nvSpPr>
+        <p:spPr>
+          <a:xfrm>
+            <a:off x="1664805" y="3007691"/>
+            <a:ext cx="3653372" cy="338554"/>
+          </a:xfrm>
+          <a:prstGeom prst="rect">
+            <a:avLst/>
+          </a:prstGeom>
+          <a:noFill/>
+        </p:spPr>
+        <p:txBody>
+          <a:bodyPr wrap="none" rtlCol="0">
+            <a:spAutoFit/>
+          </a:bodyPr>
+          <a:lstStyle/>
+          <a:p>
+            <a:r>
+              <a:rPr lang="en-US" sz="1600" b="1" i="1" dirty="0">
+                <a:solidFill>
+                  <a:srgbClr val="427AA2"/>
+                </a:solidFill>
+              </a:rPr>
+              <a:t>t</a:t>
+            </a:r>
+            <a:r>
+              <a:rPr lang="en-US" sz="1600" b="1" i="1" dirty="0" smtClean="0">
+                <a:solidFill>
+                  <a:srgbClr val="427AA2"/>
+                </a:solidFill>
+              </a:rPr>
+              <a:t>op </a:t>
+            </a:r>
+            <a:r>
+              <a:rPr lang="en-US" sz="1600" i="1" dirty="0" smtClean="0">
+                <a:solidFill>
+                  <a:srgbClr val="427AA2"/>
+                </a:solidFill>
+              </a:rPr>
+              <a:t>&amp;</a:t>
+            </a:r>
+            <a:r>
+              <a:rPr lang="en-US" sz="1600" b="1" i="1" dirty="0" smtClean="0">
+                <a:solidFill>
+                  <a:srgbClr val="427AA2"/>
+                </a:solidFill>
+              </a:rPr>
+              <a:t> left </a:t>
+            </a:r>
+            <a:r>
+              <a:rPr lang="bg-BG" sz="1600" i="1" dirty="0" smtClean="0">
+                <a:solidFill>
+                  <a:srgbClr val="427AA2"/>
+                </a:solidFill>
+              </a:rPr>
+              <a:t>в случая НЕ оказват влияние;</a:t>
+            </a:r>
+          </a:p>
+        </p:txBody>
+      </p:sp>
     </p:spTree>
     <p:extLst>
       <p:ext uri="{BB962C8B-B14F-4D97-AF65-F5344CB8AC3E}">
-        <p14:creationId xmlns:p14="http://schemas.microsoft.com/office/powerpoint/2010/main" val="901878305"/>
+        <p14:creationId xmlns:p14="http://schemas.microsoft.com/office/powerpoint/2010/main" val="800105484"/>
       </p:ext>
     </p:extLst>
   </p:cSld>
@@ -8922,7 +11665,7 @@
           <p:cNvPr id="39" name="Rectangle 38">
             <a:extLst>
               <a:ext uri="{FF2B5EF4-FFF2-40B4-BE49-F238E27FC236}">
-                <a16:creationId xmlns="" xmlns:a16="http://schemas.microsoft.com/office/drawing/2014/main" id="{C1C163D1-85A2-4643-BA3C-22035ECBF6E9}"/>
+                <a16:creationId xmlns:a16="http://schemas.microsoft.com/office/drawing/2014/main" xmlns="" id="{C1C163D1-85A2-4643-BA3C-22035ECBF6E9}"/>
               </a:ext>
             </a:extLst>
           </p:cNvPr>
@@ -8968,10 +11711,10 @@
           <a:p>
             <a:pPr algn="ctr"/>
             <a:r>
-              <a:rPr lang="bg-BG" sz="1400"/>
-              <a:t>Псевдо елементи</a:t>
-            </a:r>
-            <a:endParaRPr lang="en-US" sz="1400" dirty="0"/>
+              <a:rPr lang="en-US" dirty="0" smtClean="0"/>
+              <a:t>Position</a:t>
+            </a:r>
+            <a:endParaRPr lang="en-US" dirty="0"/>
           </a:p>
         </p:txBody>
       </p:sp>
@@ -8980,7 +11723,7 @@
           <p:cNvPr id="5" name="Rectangle 4">
             <a:extLst>
               <a:ext uri="{FF2B5EF4-FFF2-40B4-BE49-F238E27FC236}">
-                <a16:creationId xmlns="" xmlns:a16="http://schemas.microsoft.com/office/drawing/2014/main" id="{12131ED0-4950-475C-B7DC-450FBBF3C54A}"/>
+                <a16:creationId xmlns:a16="http://schemas.microsoft.com/office/drawing/2014/main" xmlns="" id="{12131ED0-4950-475C-B7DC-450FBBF3C54A}"/>
               </a:ext>
             </a:extLst>
           </p:cNvPr>
@@ -9032,7 +11775,7 @@
           <p:cNvPr id="4" name="TextBox 3">
             <a:extLst>
               <a:ext uri="{FF2B5EF4-FFF2-40B4-BE49-F238E27FC236}">
-                <a16:creationId xmlns="" xmlns:a16="http://schemas.microsoft.com/office/drawing/2014/main" id="{DB2A6D78-D3DF-4739-BCDE-EE78ED59B04D}"/>
+                <a16:creationId xmlns:a16="http://schemas.microsoft.com/office/drawing/2014/main" xmlns="" id="{DB2A6D78-D3DF-4739-BCDE-EE78ED59B04D}"/>
               </a:ext>
             </a:extLst>
           </p:cNvPr>
@@ -9056,17 +11799,6 @@
           <a:lstStyle/>
           <a:p>
             <a:r>
-              <a:rPr lang="en-US" sz="1200" b="1" dirty="0">
-                <a:solidFill>
-                  <a:schemeClr val="bg1"/>
-                </a:solidFill>
-                <a:latin typeface="Verdana" panose="020B0604030504040204" pitchFamily="34" charset="0"/>
-                <a:ea typeface="Verdana" panose="020B0604030504040204" pitchFamily="34" charset="0"/>
-                <a:cs typeface="Verdana" panose="020B0604030504040204" pitchFamily="34" charset="0"/>
-              </a:rPr>
-              <a:t>CSS </a:t>
-            </a:r>
-            <a:r>
               <a:rPr lang="en-US" sz="1200" b="1" dirty="0" smtClean="0">
                 <a:solidFill>
                   <a:schemeClr val="bg1"/>
@@ -9075,7 +11807,7 @@
                 <a:ea typeface="Verdana" panose="020B0604030504040204" pitchFamily="34" charset="0"/>
                 <a:cs typeface="Verdana" panose="020B0604030504040204" pitchFamily="34" charset="0"/>
               </a:rPr>
-              <a:t>selectors</a:t>
+              <a:t>CSS Positioning</a:t>
             </a:r>
             <a:endParaRPr lang="bg-BG" sz="1200" dirty="0">
               <a:solidFill>
@@ -9090,10 +11822,10 @@
       </p:sp>
       <p:sp>
         <p:nvSpPr>
-          <p:cNvPr id="47" name="Rectangle: Rounded Corners 5">
+          <p:cNvPr id="10" name="Rectangle: Rounded Corners 5">
             <a:extLst>
               <a:ext uri="{FF2B5EF4-FFF2-40B4-BE49-F238E27FC236}">
-                <a16:creationId xmlns="" xmlns:a16="http://schemas.microsoft.com/office/drawing/2014/main" id="{682EAE92-D6DF-494B-9CC1-FF2B7145CC2C}"/>
+                <a16:creationId xmlns:a16="http://schemas.microsoft.com/office/drawing/2014/main" xmlns="" id="{682EAE92-D6DF-494B-9CC1-FF2B7145CC2C}"/>
               </a:ext>
             </a:extLst>
           </p:cNvPr>
@@ -9102,7 +11834,7 @@
         </p:nvSpPr>
         <p:spPr>
           <a:xfrm>
-            <a:off x="1115616" y="580310"/>
+            <a:off x="1271850" y="625571"/>
             <a:ext cx="6624736" cy="504056"/>
           </a:xfrm>
           <a:prstGeom prst="roundRect">
@@ -9145,16 +11877,1508 @@
             <a:pPr algn="ctr"/>
             <a:r>
               <a:rPr lang="en-US" dirty="0" smtClean="0"/>
-              <a:t>::before &amp; ::after</a:t>
+              <a:t>position:</a:t>
+            </a:r>
+            <a:r>
+              <a:rPr lang="bg-BG" dirty="0" smtClean="0"/>
+              <a:t> </a:t>
+            </a:r>
+            <a:r>
+              <a:rPr lang="en-US" dirty="0" smtClean="0"/>
+              <a:t>relative</a:t>
             </a:r>
             <a:endParaRPr lang="en-US" dirty="0"/>
+          </a:p>
+        </p:txBody>
+      </p:sp>
+      <p:sp>
+        <p:nvSpPr>
+          <p:cNvPr id="2" name="TextBox 1"/>
+          <p:cNvSpPr txBox="1"/>
+          <p:nvPr/>
+        </p:nvSpPr>
+        <p:spPr>
+          <a:xfrm>
+            <a:off x="809498" y="1398233"/>
+            <a:ext cx="7772833" cy="1569660"/>
+          </a:xfrm>
+          <a:prstGeom prst="rect">
+            <a:avLst/>
+          </a:prstGeom>
+          <a:noFill/>
+        </p:spPr>
+        <p:txBody>
+          <a:bodyPr wrap="none" rtlCol="0">
+            <a:spAutoFit/>
+          </a:bodyPr>
+          <a:lstStyle/>
+          <a:p>
+            <a:r>
+              <a:rPr lang="bg-BG" sz="1600" dirty="0" smtClean="0"/>
+              <a:t>Релативно позициониран елемент остава на нормалното си място във </a:t>
+            </a:r>
+            <a:r>
+              <a:rPr lang="en-US" sz="1600" dirty="0" smtClean="0"/>
+              <a:t>flow-a </a:t>
+            </a:r>
+            <a:r>
+              <a:rPr lang="bg-BG" sz="1600" dirty="0" smtClean="0"/>
+              <a:t>на </a:t>
+            </a:r>
+          </a:p>
+          <a:p>
+            <a:r>
+              <a:rPr lang="bg-BG" sz="1600" dirty="0" smtClean="0"/>
+              <a:t>страницата, но за разлика от статичния вече може да бъде манипулиран чрез</a:t>
+            </a:r>
+          </a:p>
+          <a:p>
+            <a:r>
+              <a:rPr lang="en-US" sz="1600" dirty="0" smtClean="0"/>
+              <a:t>top, right, left, bottom &amp; </a:t>
+            </a:r>
+            <a:r>
+              <a:rPr lang="en-US" sz="1600" b="1" dirty="0" smtClean="0"/>
+              <a:t>z-index.</a:t>
+            </a:r>
+          </a:p>
+          <a:p>
+            <a:endParaRPr lang="en-US" sz="1600" b="1" dirty="0"/>
+          </a:p>
+          <a:p>
+            <a:r>
+              <a:rPr lang="bg-BG" sz="1600" dirty="0" smtClean="0"/>
+              <a:t>Манипулирането на този елемент, чрез изброените горе пропъртита, </a:t>
+            </a:r>
+            <a:r>
+              <a:rPr lang="bg-BG" sz="1600" b="1" dirty="0" smtClean="0"/>
+              <a:t>няма </a:t>
+            </a:r>
+            <a:r>
+              <a:rPr lang="bg-BG" sz="1600" dirty="0" smtClean="0"/>
+              <a:t>да засегне </a:t>
+            </a:r>
+          </a:p>
+          <a:p>
+            <a:r>
+              <a:rPr lang="bg-BG" sz="1600" dirty="0" smtClean="0"/>
+              <a:t>елементите около него.</a:t>
+            </a:r>
+            <a:endParaRPr lang="en-US" sz="1600" dirty="0"/>
           </a:p>
         </p:txBody>
       </p:sp>
     </p:spTree>
     <p:extLst>
       <p:ext uri="{BB962C8B-B14F-4D97-AF65-F5344CB8AC3E}">
-        <p14:creationId xmlns:p14="http://schemas.microsoft.com/office/powerpoint/2010/main" val="2732715957"/>
+        <p14:creationId xmlns:p14="http://schemas.microsoft.com/office/powerpoint/2010/main" val="2927127112"/>
+      </p:ext>
+    </p:extLst>
+  </p:cSld>
+  <p:clrMapOvr>
+    <a:masterClrMapping/>
+  </p:clrMapOvr>
+</p:sld>
+</file>
+
+<file path=ppt/slides/slide6.xml><?xml version="1.0" encoding="utf-8"?>
+<p:sld xmlns:a="http://schemas.openxmlformats.org/drawingml/2006/main" xmlns:r="http://schemas.openxmlformats.org/officeDocument/2006/relationships" xmlns:p="http://schemas.openxmlformats.org/presentationml/2006/main">
+  <p:cSld>
+    <p:bg>
+      <p:bgPr>
+        <a:blipFill dpi="0" rotWithShape="1">
+          <a:blip r:embed="rId3">
+            <a:lum/>
+          </a:blip>
+          <a:srcRect/>
+          <a:stretch>
+            <a:fillRect/>
+          </a:stretch>
+        </a:blipFill>
+        <a:effectLst/>
+      </p:bgPr>
+    </p:bg>
+    <p:spTree>
+      <p:nvGrpSpPr>
+        <p:cNvPr id="1" name=""/>
+        <p:cNvGrpSpPr/>
+        <p:nvPr/>
+      </p:nvGrpSpPr>
+      <p:grpSpPr>
+        <a:xfrm>
+          <a:off x="0" y="0"/>
+          <a:ext cx="0" cy="0"/>
+          <a:chOff x="0" y="0"/>
+          <a:chExt cx="0" cy="0"/>
+        </a:xfrm>
+      </p:grpSpPr>
+      <p:sp>
+        <p:nvSpPr>
+          <p:cNvPr id="39" name="Rectangle 38">
+            <a:extLst>
+              <a:ext uri="{FF2B5EF4-FFF2-40B4-BE49-F238E27FC236}">
+                <a16:creationId xmlns:a16="http://schemas.microsoft.com/office/drawing/2014/main" xmlns="" id="{C1C163D1-85A2-4643-BA3C-22035ECBF6E9}"/>
+              </a:ext>
+            </a:extLst>
+          </p:cNvPr>
+          <p:cNvSpPr/>
+          <p:nvPr/>
+        </p:nvSpPr>
+        <p:spPr>
+          <a:xfrm>
+            <a:off x="7210970" y="0"/>
+            <a:ext cx="1933031" cy="356965"/>
+          </a:xfrm>
+          <a:prstGeom prst="rect">
+            <a:avLst/>
+          </a:prstGeom>
+          <a:solidFill>
+            <a:srgbClr val="0F7792">
+              <a:alpha val="50196"/>
+            </a:srgbClr>
+          </a:solidFill>
+          <a:ln>
+            <a:noFill/>
+          </a:ln>
+        </p:spPr>
+        <p:style>
+          <a:lnRef idx="2">
+            <a:schemeClr val="accent1">
+              <a:shade val="50000"/>
+            </a:schemeClr>
+          </a:lnRef>
+          <a:fillRef idx="1">
+            <a:schemeClr val="accent1"/>
+          </a:fillRef>
+          <a:effectRef idx="0">
+            <a:schemeClr val="accent1"/>
+          </a:effectRef>
+          <a:fontRef idx="minor">
+            <a:schemeClr val="lt1"/>
+          </a:fontRef>
+        </p:style>
+        <p:txBody>
+          <a:bodyPr rtlCol="0" anchor="ctr"/>
+          <a:lstStyle/>
+          <a:p>
+            <a:pPr algn="ctr"/>
+            <a:r>
+              <a:rPr lang="en-US" dirty="0" smtClean="0"/>
+              <a:t>Position</a:t>
+            </a:r>
+            <a:endParaRPr lang="en-US" dirty="0"/>
+          </a:p>
+        </p:txBody>
+      </p:sp>
+      <p:sp>
+        <p:nvSpPr>
+          <p:cNvPr id="5" name="Rectangle 4">
+            <a:extLst>
+              <a:ext uri="{FF2B5EF4-FFF2-40B4-BE49-F238E27FC236}">
+                <a16:creationId xmlns:a16="http://schemas.microsoft.com/office/drawing/2014/main" xmlns="" id="{12131ED0-4950-475C-B7DC-450FBBF3C54A}"/>
+              </a:ext>
+            </a:extLst>
+          </p:cNvPr>
+          <p:cNvSpPr/>
+          <p:nvPr/>
+        </p:nvSpPr>
+        <p:spPr>
+          <a:xfrm>
+            <a:off x="0" y="0"/>
+            <a:ext cx="4283968" cy="356965"/>
+          </a:xfrm>
+          <a:prstGeom prst="rect">
+            <a:avLst/>
+          </a:prstGeom>
+          <a:solidFill>
+            <a:srgbClr val="0F7792"/>
+          </a:solidFill>
+          <a:ln>
+            <a:noFill/>
+          </a:ln>
+        </p:spPr>
+        <p:style>
+          <a:lnRef idx="2">
+            <a:schemeClr val="accent1">
+              <a:shade val="50000"/>
+            </a:schemeClr>
+          </a:lnRef>
+          <a:fillRef idx="1">
+            <a:schemeClr val="accent1"/>
+          </a:fillRef>
+          <a:effectRef idx="0">
+            <a:schemeClr val="accent1"/>
+          </a:effectRef>
+          <a:fontRef idx="minor">
+            <a:schemeClr val="lt1"/>
+          </a:fontRef>
+        </p:style>
+        <p:txBody>
+          <a:bodyPr rtlCol="0" anchor="ctr"/>
+          <a:lstStyle/>
+          <a:p>
+            <a:pPr algn="ctr"/>
+            <a:endParaRPr lang="en-US"/>
+          </a:p>
+        </p:txBody>
+      </p:sp>
+      <p:sp>
+        <p:nvSpPr>
+          <p:cNvPr id="4" name="TextBox 3">
+            <a:extLst>
+              <a:ext uri="{FF2B5EF4-FFF2-40B4-BE49-F238E27FC236}">
+                <a16:creationId xmlns:a16="http://schemas.microsoft.com/office/drawing/2014/main" xmlns="" id="{DB2A6D78-D3DF-4739-BCDE-EE78ED59B04D}"/>
+              </a:ext>
+            </a:extLst>
+          </p:cNvPr>
+          <p:cNvSpPr txBox="1"/>
+          <p:nvPr/>
+        </p:nvSpPr>
+        <p:spPr>
+          <a:xfrm>
+            <a:off x="89756" y="24634"/>
+            <a:ext cx="4122204" cy="276999"/>
+          </a:xfrm>
+          <a:prstGeom prst="rect">
+            <a:avLst/>
+          </a:prstGeom>
+          <a:noFill/>
+        </p:spPr>
+        <p:txBody>
+          <a:bodyPr wrap="square" rtlCol="0">
+            <a:spAutoFit/>
+          </a:bodyPr>
+          <a:lstStyle/>
+          <a:p>
+            <a:r>
+              <a:rPr lang="en-US" sz="1200" b="1" dirty="0" smtClean="0">
+                <a:solidFill>
+                  <a:schemeClr val="bg1"/>
+                </a:solidFill>
+                <a:latin typeface="Verdana" panose="020B0604030504040204" pitchFamily="34" charset="0"/>
+                <a:ea typeface="Verdana" panose="020B0604030504040204" pitchFamily="34" charset="0"/>
+                <a:cs typeface="Verdana" panose="020B0604030504040204" pitchFamily="34" charset="0"/>
+              </a:rPr>
+              <a:t>CSS Positioning</a:t>
+            </a:r>
+            <a:endParaRPr lang="bg-BG" sz="1200" dirty="0">
+              <a:solidFill>
+                <a:schemeClr val="bg1"/>
+              </a:solidFill>
+              <a:latin typeface="Verdana" panose="020B0604030504040204" pitchFamily="34" charset="0"/>
+              <a:ea typeface="Verdana" panose="020B0604030504040204" pitchFamily="34" charset="0"/>
+              <a:cs typeface="Verdana" panose="020B0604030504040204" pitchFamily="34" charset="0"/>
+            </a:endParaRPr>
+          </a:p>
+        </p:txBody>
+      </p:sp>
+      <p:sp>
+        <p:nvSpPr>
+          <p:cNvPr id="10" name="Rectangle: Rounded Corners 5">
+            <a:extLst>
+              <a:ext uri="{FF2B5EF4-FFF2-40B4-BE49-F238E27FC236}">
+                <a16:creationId xmlns:a16="http://schemas.microsoft.com/office/drawing/2014/main" xmlns="" id="{682EAE92-D6DF-494B-9CC1-FF2B7145CC2C}"/>
+              </a:ext>
+            </a:extLst>
+          </p:cNvPr>
+          <p:cNvSpPr/>
+          <p:nvPr/>
+        </p:nvSpPr>
+        <p:spPr>
+          <a:xfrm>
+            <a:off x="1271850" y="625571"/>
+            <a:ext cx="6624736" cy="504056"/>
+          </a:xfrm>
+          <a:prstGeom prst="roundRect">
+            <a:avLst/>
+          </a:prstGeom>
+          <a:solidFill>
+            <a:srgbClr val="127994"/>
+          </a:solidFill>
+          <a:ln>
+            <a:noFill/>
+          </a:ln>
+          <a:effectLst>
+            <a:outerShdw blurRad="50800" dist="38100" dir="5400000" algn="t" rotWithShape="0">
+              <a:prstClr val="black">
+                <a:alpha val="40000"/>
+              </a:prstClr>
+            </a:outerShdw>
+          </a:effectLst>
+        </p:spPr>
+        <p:style>
+          <a:lnRef idx="2">
+            <a:schemeClr val="accent1">
+              <a:shade val="50000"/>
+            </a:schemeClr>
+          </a:lnRef>
+          <a:fillRef idx="1">
+            <a:schemeClr val="accent1"/>
+          </a:fillRef>
+          <a:effectRef idx="0">
+            <a:schemeClr val="accent1"/>
+          </a:effectRef>
+          <a:fontRef idx="minor">
+            <a:schemeClr val="lt1"/>
+          </a:fontRef>
+        </p:style>
+        <p:txBody>
+          <a:bodyPr rtlCol="0" anchor="ctr"/>
+          <a:lstStyle/>
+          <a:p>
+            <a:pPr algn="ctr"/>
+            <a:r>
+              <a:rPr lang="en-US" dirty="0" smtClean="0"/>
+              <a:t>position:</a:t>
+            </a:r>
+            <a:r>
+              <a:rPr lang="bg-BG" dirty="0" smtClean="0"/>
+              <a:t> </a:t>
+            </a:r>
+            <a:r>
+              <a:rPr lang="en-US" dirty="0" smtClean="0"/>
+              <a:t>relative</a:t>
+            </a:r>
+            <a:endParaRPr lang="en-US" dirty="0"/>
+          </a:p>
+        </p:txBody>
+      </p:sp>
+      <p:sp>
+        <p:nvSpPr>
+          <p:cNvPr id="2" name="TextBox 1"/>
+          <p:cNvSpPr txBox="1"/>
+          <p:nvPr/>
+        </p:nvSpPr>
+        <p:spPr>
+          <a:xfrm>
+            <a:off x="809498" y="1398233"/>
+            <a:ext cx="184731" cy="338554"/>
+          </a:xfrm>
+          <a:prstGeom prst="rect">
+            <a:avLst/>
+          </a:prstGeom>
+          <a:noFill/>
+        </p:spPr>
+        <p:txBody>
+          <a:bodyPr wrap="none" rtlCol="0">
+            <a:spAutoFit/>
+          </a:bodyPr>
+          <a:lstStyle/>
+          <a:p>
+            <a:endParaRPr lang="en-US" sz="1600" dirty="0" smtClean="0">
+              <a:solidFill>
+                <a:srgbClr val="427AA2"/>
+              </a:solidFill>
+            </a:endParaRPr>
+          </a:p>
+        </p:txBody>
+      </p:sp>
+      <p:pic>
+        <p:nvPicPr>
+          <p:cNvPr id="9" name="Picture 8"/>
+          <p:cNvPicPr>
+            <a:picLocks noChangeAspect="1"/>
+          </p:cNvPicPr>
+          <p:nvPr/>
+        </p:nvPicPr>
+        <p:blipFill>
+          <a:blip r:embed="rId4"/>
+          <a:stretch>
+            <a:fillRect/>
+          </a:stretch>
+        </p:blipFill>
+        <p:spPr>
+          <a:xfrm>
+            <a:off x="539552" y="1398233"/>
+            <a:ext cx="8328581" cy="3410335"/>
+          </a:xfrm>
+          <a:prstGeom prst="rect">
+            <a:avLst/>
+          </a:prstGeom>
+        </p:spPr>
+      </p:pic>
+    </p:spTree>
+    <p:extLst>
+      <p:ext uri="{BB962C8B-B14F-4D97-AF65-F5344CB8AC3E}">
+        <p14:creationId xmlns:p14="http://schemas.microsoft.com/office/powerpoint/2010/main" val="807302999"/>
+      </p:ext>
+    </p:extLst>
+  </p:cSld>
+  <p:clrMapOvr>
+    <a:masterClrMapping/>
+  </p:clrMapOvr>
+</p:sld>
+</file>
+
+<file path=ppt/slides/slide7.xml><?xml version="1.0" encoding="utf-8"?>
+<p:sld xmlns:a="http://schemas.openxmlformats.org/drawingml/2006/main" xmlns:r="http://schemas.openxmlformats.org/officeDocument/2006/relationships" xmlns:p="http://schemas.openxmlformats.org/presentationml/2006/main">
+  <p:cSld>
+    <p:bg>
+      <p:bgPr>
+        <a:blipFill dpi="0" rotWithShape="1">
+          <a:blip r:embed="rId3">
+            <a:lum/>
+          </a:blip>
+          <a:srcRect/>
+          <a:stretch>
+            <a:fillRect/>
+          </a:stretch>
+        </a:blipFill>
+        <a:effectLst/>
+      </p:bgPr>
+    </p:bg>
+    <p:spTree>
+      <p:nvGrpSpPr>
+        <p:cNvPr id="1" name=""/>
+        <p:cNvGrpSpPr/>
+        <p:nvPr/>
+      </p:nvGrpSpPr>
+      <p:grpSpPr>
+        <a:xfrm>
+          <a:off x="0" y="0"/>
+          <a:ext cx="0" cy="0"/>
+          <a:chOff x="0" y="0"/>
+          <a:chExt cx="0" cy="0"/>
+        </a:xfrm>
+      </p:grpSpPr>
+      <p:sp>
+        <p:nvSpPr>
+          <p:cNvPr id="39" name="Rectangle 38">
+            <a:extLst>
+              <a:ext uri="{FF2B5EF4-FFF2-40B4-BE49-F238E27FC236}">
+                <a16:creationId xmlns:a16="http://schemas.microsoft.com/office/drawing/2014/main" xmlns="" id="{C1C163D1-85A2-4643-BA3C-22035ECBF6E9}"/>
+              </a:ext>
+            </a:extLst>
+          </p:cNvPr>
+          <p:cNvSpPr/>
+          <p:nvPr/>
+        </p:nvSpPr>
+        <p:spPr>
+          <a:xfrm>
+            <a:off x="7210970" y="0"/>
+            <a:ext cx="1933031" cy="356965"/>
+          </a:xfrm>
+          <a:prstGeom prst="rect">
+            <a:avLst/>
+          </a:prstGeom>
+          <a:solidFill>
+            <a:srgbClr val="0F7792">
+              <a:alpha val="50196"/>
+            </a:srgbClr>
+          </a:solidFill>
+          <a:ln>
+            <a:noFill/>
+          </a:ln>
+        </p:spPr>
+        <p:style>
+          <a:lnRef idx="2">
+            <a:schemeClr val="accent1">
+              <a:shade val="50000"/>
+            </a:schemeClr>
+          </a:lnRef>
+          <a:fillRef idx="1">
+            <a:schemeClr val="accent1"/>
+          </a:fillRef>
+          <a:effectRef idx="0">
+            <a:schemeClr val="accent1"/>
+          </a:effectRef>
+          <a:fontRef idx="minor">
+            <a:schemeClr val="lt1"/>
+          </a:fontRef>
+        </p:style>
+        <p:txBody>
+          <a:bodyPr rtlCol="0" anchor="ctr"/>
+          <a:lstStyle/>
+          <a:p>
+            <a:pPr algn="ctr"/>
+            <a:r>
+              <a:rPr lang="en-US" dirty="0" smtClean="0"/>
+              <a:t>Position</a:t>
+            </a:r>
+            <a:endParaRPr lang="en-US" dirty="0"/>
+          </a:p>
+        </p:txBody>
+      </p:sp>
+      <p:sp>
+        <p:nvSpPr>
+          <p:cNvPr id="5" name="Rectangle 4">
+            <a:extLst>
+              <a:ext uri="{FF2B5EF4-FFF2-40B4-BE49-F238E27FC236}">
+                <a16:creationId xmlns:a16="http://schemas.microsoft.com/office/drawing/2014/main" xmlns="" id="{12131ED0-4950-475C-B7DC-450FBBF3C54A}"/>
+              </a:ext>
+            </a:extLst>
+          </p:cNvPr>
+          <p:cNvSpPr/>
+          <p:nvPr/>
+        </p:nvSpPr>
+        <p:spPr>
+          <a:xfrm>
+            <a:off x="0" y="0"/>
+            <a:ext cx="4283968" cy="356965"/>
+          </a:xfrm>
+          <a:prstGeom prst="rect">
+            <a:avLst/>
+          </a:prstGeom>
+          <a:solidFill>
+            <a:srgbClr val="0F7792"/>
+          </a:solidFill>
+          <a:ln>
+            <a:noFill/>
+          </a:ln>
+        </p:spPr>
+        <p:style>
+          <a:lnRef idx="2">
+            <a:schemeClr val="accent1">
+              <a:shade val="50000"/>
+            </a:schemeClr>
+          </a:lnRef>
+          <a:fillRef idx="1">
+            <a:schemeClr val="accent1"/>
+          </a:fillRef>
+          <a:effectRef idx="0">
+            <a:schemeClr val="accent1"/>
+          </a:effectRef>
+          <a:fontRef idx="minor">
+            <a:schemeClr val="lt1"/>
+          </a:fontRef>
+        </p:style>
+        <p:txBody>
+          <a:bodyPr rtlCol="0" anchor="ctr"/>
+          <a:lstStyle/>
+          <a:p>
+            <a:pPr algn="ctr"/>
+            <a:endParaRPr lang="en-US"/>
+          </a:p>
+        </p:txBody>
+      </p:sp>
+      <p:sp>
+        <p:nvSpPr>
+          <p:cNvPr id="4" name="TextBox 3">
+            <a:extLst>
+              <a:ext uri="{FF2B5EF4-FFF2-40B4-BE49-F238E27FC236}">
+                <a16:creationId xmlns:a16="http://schemas.microsoft.com/office/drawing/2014/main" xmlns="" id="{DB2A6D78-D3DF-4739-BCDE-EE78ED59B04D}"/>
+              </a:ext>
+            </a:extLst>
+          </p:cNvPr>
+          <p:cNvSpPr txBox="1"/>
+          <p:nvPr/>
+        </p:nvSpPr>
+        <p:spPr>
+          <a:xfrm>
+            <a:off x="89756" y="24634"/>
+            <a:ext cx="4122204" cy="276999"/>
+          </a:xfrm>
+          <a:prstGeom prst="rect">
+            <a:avLst/>
+          </a:prstGeom>
+          <a:noFill/>
+        </p:spPr>
+        <p:txBody>
+          <a:bodyPr wrap="square" rtlCol="0">
+            <a:spAutoFit/>
+          </a:bodyPr>
+          <a:lstStyle/>
+          <a:p>
+            <a:r>
+              <a:rPr lang="en-US" sz="1200" b="1" dirty="0" smtClean="0">
+                <a:solidFill>
+                  <a:schemeClr val="bg1"/>
+                </a:solidFill>
+                <a:latin typeface="Verdana" panose="020B0604030504040204" pitchFamily="34" charset="0"/>
+                <a:ea typeface="Verdana" panose="020B0604030504040204" pitchFamily="34" charset="0"/>
+                <a:cs typeface="Verdana" panose="020B0604030504040204" pitchFamily="34" charset="0"/>
+              </a:rPr>
+              <a:t>CSS Positioning</a:t>
+            </a:r>
+            <a:endParaRPr lang="bg-BG" sz="1200" dirty="0">
+              <a:solidFill>
+                <a:schemeClr val="bg1"/>
+              </a:solidFill>
+              <a:latin typeface="Verdana" panose="020B0604030504040204" pitchFamily="34" charset="0"/>
+              <a:ea typeface="Verdana" panose="020B0604030504040204" pitchFamily="34" charset="0"/>
+              <a:cs typeface="Verdana" panose="020B0604030504040204" pitchFamily="34" charset="0"/>
+            </a:endParaRPr>
+          </a:p>
+        </p:txBody>
+      </p:sp>
+      <p:sp>
+        <p:nvSpPr>
+          <p:cNvPr id="10" name="Rectangle: Rounded Corners 5">
+            <a:extLst>
+              <a:ext uri="{FF2B5EF4-FFF2-40B4-BE49-F238E27FC236}">
+                <a16:creationId xmlns:a16="http://schemas.microsoft.com/office/drawing/2014/main" xmlns="" id="{682EAE92-D6DF-494B-9CC1-FF2B7145CC2C}"/>
+              </a:ext>
+            </a:extLst>
+          </p:cNvPr>
+          <p:cNvSpPr/>
+          <p:nvPr/>
+        </p:nvSpPr>
+        <p:spPr>
+          <a:xfrm>
+            <a:off x="1271850" y="625571"/>
+            <a:ext cx="6624736" cy="504056"/>
+          </a:xfrm>
+          <a:prstGeom prst="roundRect">
+            <a:avLst/>
+          </a:prstGeom>
+          <a:solidFill>
+            <a:srgbClr val="127994"/>
+          </a:solidFill>
+          <a:ln>
+            <a:noFill/>
+          </a:ln>
+          <a:effectLst>
+            <a:outerShdw blurRad="50800" dist="38100" dir="5400000" algn="t" rotWithShape="0">
+              <a:prstClr val="black">
+                <a:alpha val="40000"/>
+              </a:prstClr>
+            </a:outerShdw>
+          </a:effectLst>
+        </p:spPr>
+        <p:style>
+          <a:lnRef idx="2">
+            <a:schemeClr val="accent1">
+              <a:shade val="50000"/>
+            </a:schemeClr>
+          </a:lnRef>
+          <a:fillRef idx="1">
+            <a:schemeClr val="accent1"/>
+          </a:fillRef>
+          <a:effectRef idx="0">
+            <a:schemeClr val="accent1"/>
+          </a:effectRef>
+          <a:fontRef idx="minor">
+            <a:schemeClr val="lt1"/>
+          </a:fontRef>
+        </p:style>
+        <p:txBody>
+          <a:bodyPr rtlCol="0" anchor="ctr"/>
+          <a:lstStyle/>
+          <a:p>
+            <a:pPr algn="ctr"/>
+            <a:r>
+              <a:rPr lang="en-US" dirty="0" smtClean="0"/>
+              <a:t>position:</a:t>
+            </a:r>
+            <a:r>
+              <a:rPr lang="bg-BG" dirty="0" smtClean="0"/>
+              <a:t> </a:t>
+            </a:r>
+            <a:r>
+              <a:rPr lang="en-US" dirty="0" smtClean="0"/>
+              <a:t>absolute</a:t>
+            </a:r>
+            <a:endParaRPr lang="en-US" dirty="0"/>
+          </a:p>
+        </p:txBody>
+      </p:sp>
+      <p:sp>
+        <p:nvSpPr>
+          <p:cNvPr id="2" name="TextBox 1"/>
+          <p:cNvSpPr txBox="1"/>
+          <p:nvPr/>
+        </p:nvSpPr>
+        <p:spPr>
+          <a:xfrm>
+            <a:off x="809498" y="1398233"/>
+            <a:ext cx="8115363" cy="2800767"/>
+          </a:xfrm>
+          <a:prstGeom prst="rect">
+            <a:avLst/>
+          </a:prstGeom>
+          <a:noFill/>
+        </p:spPr>
+        <p:txBody>
+          <a:bodyPr wrap="none" rtlCol="0">
+            <a:spAutoFit/>
+          </a:bodyPr>
+          <a:lstStyle/>
+          <a:p>
+            <a:r>
+              <a:rPr lang="bg-BG" sz="1600" dirty="0" smtClean="0"/>
+              <a:t>Елемент с </a:t>
+            </a:r>
+            <a:r>
+              <a:rPr lang="en-US" sz="1600" dirty="0" smtClean="0"/>
+              <a:t>position: absolute</a:t>
+            </a:r>
+            <a:r>
+              <a:rPr lang="bg-BG" sz="1600" dirty="0" smtClean="0"/>
+              <a:t> бива „изваден“ от нормалния </a:t>
+            </a:r>
+            <a:r>
+              <a:rPr lang="en-US" sz="1600" dirty="0" smtClean="0"/>
+              <a:t>flow </a:t>
+            </a:r>
+            <a:r>
+              <a:rPr lang="bg-BG" sz="1600" dirty="0" smtClean="0"/>
+              <a:t>на документа.</a:t>
+            </a:r>
+          </a:p>
+          <a:p>
+            <a:endParaRPr lang="bg-BG" sz="1600" dirty="0"/>
+          </a:p>
+          <a:p>
+            <a:r>
+              <a:rPr lang="bg-BG" sz="1600" dirty="0" smtClean="0"/>
+              <a:t>Позицията на  такъв елемент, както и релативните, може да бъде манипулирана чрез</a:t>
+            </a:r>
+          </a:p>
+          <a:p>
+            <a:r>
+              <a:rPr lang="en-US" sz="1600" dirty="0" smtClean="0"/>
+              <a:t>top, right, bottom, left &amp; z-index;</a:t>
+            </a:r>
+          </a:p>
+          <a:p>
+            <a:endParaRPr lang="en-US" sz="1600" dirty="0"/>
+          </a:p>
+          <a:p>
+            <a:r>
+              <a:rPr lang="bg-BG" sz="1600" dirty="0" smtClean="0"/>
+              <a:t>Ако </a:t>
+            </a:r>
+            <a:r>
+              <a:rPr lang="en-US" sz="1600" dirty="0" smtClean="0"/>
+              <a:t>parent</a:t>
+            </a:r>
+            <a:r>
+              <a:rPr lang="bg-BG" sz="1600" dirty="0" smtClean="0"/>
+              <a:t> елемент съдържа елемент с позиция </a:t>
+            </a:r>
+            <a:r>
+              <a:rPr lang="en-US" sz="1600" dirty="0" smtClean="0"/>
+              <a:t>absolute,</a:t>
+            </a:r>
+            <a:r>
+              <a:rPr lang="bg-BG" sz="1600" dirty="0" smtClean="0"/>
+              <a:t> то родителя, ще се държи </a:t>
+            </a:r>
+          </a:p>
+          <a:p>
+            <a:r>
+              <a:rPr lang="bg-BG" sz="1600" dirty="0" smtClean="0"/>
+              <a:t>сякаш в него няма такъв елемент : )</a:t>
+            </a:r>
+            <a:r>
+              <a:rPr lang="en-US" sz="1600" dirty="0" smtClean="0"/>
+              <a:t> *</a:t>
+            </a:r>
+            <a:r>
+              <a:rPr lang="en-US" sz="1600" i="1" dirty="0" smtClean="0"/>
+              <a:t>nested element with position absolute</a:t>
+            </a:r>
+          </a:p>
+          <a:p>
+            <a:endParaRPr lang="en-US" sz="1600" i="1" dirty="0"/>
+          </a:p>
+          <a:p>
+            <a:r>
+              <a:rPr lang="bg-BG" sz="1600" dirty="0" smtClean="0"/>
+              <a:t>Ако „родителя“ е статичен елемент, то абсолютния елемент в него ще бъде позициониран</a:t>
+            </a:r>
+          </a:p>
+          <a:p>
+            <a:r>
+              <a:rPr lang="bg-BG" sz="1600" dirty="0" smtClean="0"/>
+              <a:t>спрямо първия елемент нагоре по </a:t>
+            </a:r>
+            <a:r>
+              <a:rPr lang="en-US" sz="1600" dirty="0" smtClean="0"/>
+              <a:t>DOM</a:t>
+            </a:r>
+            <a:r>
+              <a:rPr lang="bg-BG" sz="1600" dirty="0" smtClean="0"/>
+              <a:t> дървото, който е позициониран елемент. Ако не</a:t>
+            </a:r>
+          </a:p>
+          <a:p>
+            <a:r>
+              <a:rPr lang="bg-BG" sz="1600" dirty="0"/>
+              <a:t>н</a:t>
+            </a:r>
+            <a:r>
+              <a:rPr lang="bg-BG" sz="1600" dirty="0" smtClean="0"/>
+              <a:t>амери такъв то тогава ще се позиционира спрямо </a:t>
+            </a:r>
+            <a:r>
+              <a:rPr lang="en-US" sz="1600" dirty="0" smtClean="0"/>
+              <a:t>document</a:t>
+            </a:r>
+            <a:r>
+              <a:rPr lang="bg-BG" sz="1600" dirty="0" smtClean="0"/>
+              <a:t> </a:t>
+            </a:r>
+            <a:r>
+              <a:rPr lang="en-US" sz="1600" dirty="0" smtClean="0"/>
+              <a:t>body</a:t>
+            </a:r>
+            <a:endParaRPr lang="en-US" sz="1600" dirty="0"/>
+          </a:p>
+        </p:txBody>
+      </p:sp>
+    </p:spTree>
+    <p:extLst>
+      <p:ext uri="{BB962C8B-B14F-4D97-AF65-F5344CB8AC3E}">
+        <p14:creationId xmlns:p14="http://schemas.microsoft.com/office/powerpoint/2010/main" val="3519766801"/>
+      </p:ext>
+    </p:extLst>
+  </p:cSld>
+  <p:clrMapOvr>
+    <a:masterClrMapping/>
+  </p:clrMapOvr>
+</p:sld>
+</file>
+
+<file path=ppt/slides/slide8.xml><?xml version="1.0" encoding="utf-8"?>
+<p:sld xmlns:a="http://schemas.openxmlformats.org/drawingml/2006/main" xmlns:r="http://schemas.openxmlformats.org/officeDocument/2006/relationships" xmlns:p="http://schemas.openxmlformats.org/presentationml/2006/main">
+  <p:cSld>
+    <p:bg>
+      <p:bgPr>
+        <a:blipFill dpi="0" rotWithShape="1">
+          <a:blip r:embed="rId3">
+            <a:lum/>
+          </a:blip>
+          <a:srcRect/>
+          <a:stretch>
+            <a:fillRect/>
+          </a:stretch>
+        </a:blipFill>
+        <a:effectLst/>
+      </p:bgPr>
+    </p:bg>
+    <p:spTree>
+      <p:nvGrpSpPr>
+        <p:cNvPr id="1" name=""/>
+        <p:cNvGrpSpPr/>
+        <p:nvPr/>
+      </p:nvGrpSpPr>
+      <p:grpSpPr>
+        <a:xfrm>
+          <a:off x="0" y="0"/>
+          <a:ext cx="0" cy="0"/>
+          <a:chOff x="0" y="0"/>
+          <a:chExt cx="0" cy="0"/>
+        </a:xfrm>
+      </p:grpSpPr>
+      <p:sp>
+        <p:nvSpPr>
+          <p:cNvPr id="39" name="Rectangle 38">
+            <a:extLst>
+              <a:ext uri="{FF2B5EF4-FFF2-40B4-BE49-F238E27FC236}">
+                <a16:creationId xmlns:a16="http://schemas.microsoft.com/office/drawing/2014/main" xmlns="" id="{C1C163D1-85A2-4643-BA3C-22035ECBF6E9}"/>
+              </a:ext>
+            </a:extLst>
+          </p:cNvPr>
+          <p:cNvSpPr/>
+          <p:nvPr/>
+        </p:nvSpPr>
+        <p:spPr>
+          <a:xfrm>
+            <a:off x="7210970" y="0"/>
+            <a:ext cx="1933031" cy="356965"/>
+          </a:xfrm>
+          <a:prstGeom prst="rect">
+            <a:avLst/>
+          </a:prstGeom>
+          <a:solidFill>
+            <a:srgbClr val="0F7792">
+              <a:alpha val="50196"/>
+            </a:srgbClr>
+          </a:solidFill>
+          <a:ln>
+            <a:noFill/>
+          </a:ln>
+        </p:spPr>
+        <p:style>
+          <a:lnRef idx="2">
+            <a:schemeClr val="accent1">
+              <a:shade val="50000"/>
+            </a:schemeClr>
+          </a:lnRef>
+          <a:fillRef idx="1">
+            <a:schemeClr val="accent1"/>
+          </a:fillRef>
+          <a:effectRef idx="0">
+            <a:schemeClr val="accent1"/>
+          </a:effectRef>
+          <a:fontRef idx="minor">
+            <a:schemeClr val="lt1"/>
+          </a:fontRef>
+        </p:style>
+        <p:txBody>
+          <a:bodyPr rtlCol="0" anchor="ctr"/>
+          <a:lstStyle/>
+          <a:p>
+            <a:pPr algn="ctr"/>
+            <a:r>
+              <a:rPr lang="en-US" dirty="0" smtClean="0"/>
+              <a:t>Position</a:t>
+            </a:r>
+            <a:endParaRPr lang="en-US" dirty="0"/>
+          </a:p>
+        </p:txBody>
+      </p:sp>
+      <p:sp>
+        <p:nvSpPr>
+          <p:cNvPr id="5" name="Rectangle 4">
+            <a:extLst>
+              <a:ext uri="{FF2B5EF4-FFF2-40B4-BE49-F238E27FC236}">
+                <a16:creationId xmlns:a16="http://schemas.microsoft.com/office/drawing/2014/main" xmlns="" id="{12131ED0-4950-475C-B7DC-450FBBF3C54A}"/>
+              </a:ext>
+            </a:extLst>
+          </p:cNvPr>
+          <p:cNvSpPr/>
+          <p:nvPr/>
+        </p:nvSpPr>
+        <p:spPr>
+          <a:xfrm>
+            <a:off x="0" y="0"/>
+            <a:ext cx="4283968" cy="356965"/>
+          </a:xfrm>
+          <a:prstGeom prst="rect">
+            <a:avLst/>
+          </a:prstGeom>
+          <a:solidFill>
+            <a:srgbClr val="0F7792"/>
+          </a:solidFill>
+          <a:ln>
+            <a:noFill/>
+          </a:ln>
+        </p:spPr>
+        <p:style>
+          <a:lnRef idx="2">
+            <a:schemeClr val="accent1">
+              <a:shade val="50000"/>
+            </a:schemeClr>
+          </a:lnRef>
+          <a:fillRef idx="1">
+            <a:schemeClr val="accent1"/>
+          </a:fillRef>
+          <a:effectRef idx="0">
+            <a:schemeClr val="accent1"/>
+          </a:effectRef>
+          <a:fontRef idx="minor">
+            <a:schemeClr val="lt1"/>
+          </a:fontRef>
+        </p:style>
+        <p:txBody>
+          <a:bodyPr rtlCol="0" anchor="ctr"/>
+          <a:lstStyle/>
+          <a:p>
+            <a:pPr algn="ctr"/>
+            <a:endParaRPr lang="en-US"/>
+          </a:p>
+        </p:txBody>
+      </p:sp>
+      <p:sp>
+        <p:nvSpPr>
+          <p:cNvPr id="4" name="TextBox 3">
+            <a:extLst>
+              <a:ext uri="{FF2B5EF4-FFF2-40B4-BE49-F238E27FC236}">
+                <a16:creationId xmlns:a16="http://schemas.microsoft.com/office/drawing/2014/main" xmlns="" id="{DB2A6D78-D3DF-4739-BCDE-EE78ED59B04D}"/>
+              </a:ext>
+            </a:extLst>
+          </p:cNvPr>
+          <p:cNvSpPr txBox="1"/>
+          <p:nvPr/>
+        </p:nvSpPr>
+        <p:spPr>
+          <a:xfrm>
+            <a:off x="89756" y="24634"/>
+            <a:ext cx="4122204" cy="276999"/>
+          </a:xfrm>
+          <a:prstGeom prst="rect">
+            <a:avLst/>
+          </a:prstGeom>
+          <a:noFill/>
+        </p:spPr>
+        <p:txBody>
+          <a:bodyPr wrap="square" rtlCol="0">
+            <a:spAutoFit/>
+          </a:bodyPr>
+          <a:lstStyle/>
+          <a:p>
+            <a:r>
+              <a:rPr lang="en-US" sz="1200" b="1" dirty="0" smtClean="0">
+                <a:solidFill>
+                  <a:schemeClr val="bg1"/>
+                </a:solidFill>
+                <a:latin typeface="Verdana" panose="020B0604030504040204" pitchFamily="34" charset="0"/>
+                <a:ea typeface="Verdana" panose="020B0604030504040204" pitchFamily="34" charset="0"/>
+                <a:cs typeface="Verdana" panose="020B0604030504040204" pitchFamily="34" charset="0"/>
+              </a:rPr>
+              <a:t>CSS Positioning</a:t>
+            </a:r>
+            <a:endParaRPr lang="bg-BG" sz="1200" dirty="0">
+              <a:solidFill>
+                <a:schemeClr val="bg1"/>
+              </a:solidFill>
+              <a:latin typeface="Verdana" panose="020B0604030504040204" pitchFamily="34" charset="0"/>
+              <a:ea typeface="Verdana" panose="020B0604030504040204" pitchFamily="34" charset="0"/>
+              <a:cs typeface="Verdana" panose="020B0604030504040204" pitchFamily="34" charset="0"/>
+            </a:endParaRPr>
+          </a:p>
+        </p:txBody>
+      </p:sp>
+      <p:sp>
+        <p:nvSpPr>
+          <p:cNvPr id="10" name="Rectangle: Rounded Corners 5">
+            <a:extLst>
+              <a:ext uri="{FF2B5EF4-FFF2-40B4-BE49-F238E27FC236}">
+                <a16:creationId xmlns:a16="http://schemas.microsoft.com/office/drawing/2014/main" xmlns="" id="{682EAE92-D6DF-494B-9CC1-FF2B7145CC2C}"/>
+              </a:ext>
+            </a:extLst>
+          </p:cNvPr>
+          <p:cNvSpPr/>
+          <p:nvPr/>
+        </p:nvSpPr>
+        <p:spPr>
+          <a:xfrm>
+            <a:off x="1271850" y="625571"/>
+            <a:ext cx="6624736" cy="504056"/>
+          </a:xfrm>
+          <a:prstGeom prst="roundRect">
+            <a:avLst/>
+          </a:prstGeom>
+          <a:solidFill>
+            <a:srgbClr val="127994"/>
+          </a:solidFill>
+          <a:ln>
+            <a:noFill/>
+          </a:ln>
+          <a:effectLst>
+            <a:outerShdw blurRad="50800" dist="38100" dir="5400000" algn="t" rotWithShape="0">
+              <a:prstClr val="black">
+                <a:alpha val="40000"/>
+              </a:prstClr>
+            </a:outerShdw>
+          </a:effectLst>
+        </p:spPr>
+        <p:style>
+          <a:lnRef idx="2">
+            <a:schemeClr val="accent1">
+              <a:shade val="50000"/>
+            </a:schemeClr>
+          </a:lnRef>
+          <a:fillRef idx="1">
+            <a:schemeClr val="accent1"/>
+          </a:fillRef>
+          <a:effectRef idx="0">
+            <a:schemeClr val="accent1"/>
+          </a:effectRef>
+          <a:fontRef idx="minor">
+            <a:schemeClr val="lt1"/>
+          </a:fontRef>
+        </p:style>
+        <p:txBody>
+          <a:bodyPr rtlCol="0" anchor="ctr"/>
+          <a:lstStyle/>
+          <a:p>
+            <a:pPr algn="ctr"/>
+            <a:r>
+              <a:rPr lang="en-US" dirty="0" smtClean="0"/>
+              <a:t>position:</a:t>
+            </a:r>
+            <a:r>
+              <a:rPr lang="bg-BG" dirty="0" smtClean="0"/>
+              <a:t> </a:t>
+            </a:r>
+            <a:r>
+              <a:rPr lang="en-US" dirty="0" smtClean="0"/>
+              <a:t>absolute</a:t>
+            </a:r>
+            <a:endParaRPr lang="en-US" dirty="0"/>
+          </a:p>
+        </p:txBody>
+      </p:sp>
+      <p:sp>
+        <p:nvSpPr>
+          <p:cNvPr id="2" name="TextBox 1"/>
+          <p:cNvSpPr txBox="1"/>
+          <p:nvPr/>
+        </p:nvSpPr>
+        <p:spPr>
+          <a:xfrm>
+            <a:off x="809498" y="1398233"/>
+            <a:ext cx="184731" cy="338554"/>
+          </a:xfrm>
+          <a:prstGeom prst="rect">
+            <a:avLst/>
+          </a:prstGeom>
+          <a:noFill/>
+        </p:spPr>
+        <p:txBody>
+          <a:bodyPr wrap="none" rtlCol="0">
+            <a:spAutoFit/>
+          </a:bodyPr>
+          <a:lstStyle/>
+          <a:p>
+            <a:endParaRPr lang="en-US" sz="1600" dirty="0" smtClean="0">
+              <a:solidFill>
+                <a:srgbClr val="427AA2"/>
+              </a:solidFill>
+            </a:endParaRPr>
+          </a:p>
+        </p:txBody>
+      </p:sp>
+      <p:pic>
+        <p:nvPicPr>
+          <p:cNvPr id="3" name="Picture 2"/>
+          <p:cNvPicPr>
+            <a:picLocks noChangeAspect="1"/>
+          </p:cNvPicPr>
+          <p:nvPr/>
+        </p:nvPicPr>
+        <p:blipFill>
+          <a:blip r:embed="rId4"/>
+          <a:stretch>
+            <a:fillRect/>
+          </a:stretch>
+        </p:blipFill>
+        <p:spPr>
+          <a:xfrm>
+            <a:off x="395536" y="1489348"/>
+            <a:ext cx="8532440" cy="2888586"/>
+          </a:xfrm>
+          <a:prstGeom prst="rect">
+            <a:avLst/>
+          </a:prstGeom>
+        </p:spPr>
+      </p:pic>
+    </p:spTree>
+    <p:extLst>
+      <p:ext uri="{BB962C8B-B14F-4D97-AF65-F5344CB8AC3E}">
+        <p14:creationId xmlns:p14="http://schemas.microsoft.com/office/powerpoint/2010/main" val="1547222444"/>
+      </p:ext>
+    </p:extLst>
+  </p:cSld>
+  <p:clrMapOvr>
+    <a:masterClrMapping/>
+  </p:clrMapOvr>
+</p:sld>
+</file>
+
+<file path=ppt/slides/slide9.xml><?xml version="1.0" encoding="utf-8"?>
+<p:sld xmlns:a="http://schemas.openxmlformats.org/drawingml/2006/main" xmlns:r="http://schemas.openxmlformats.org/officeDocument/2006/relationships" xmlns:p="http://schemas.openxmlformats.org/presentationml/2006/main">
+  <p:cSld>
+    <p:bg>
+      <p:bgPr>
+        <a:blipFill dpi="0" rotWithShape="1">
+          <a:blip r:embed="rId3">
+            <a:lum/>
+          </a:blip>
+          <a:srcRect/>
+          <a:stretch>
+            <a:fillRect/>
+          </a:stretch>
+        </a:blipFill>
+        <a:effectLst/>
+      </p:bgPr>
+    </p:bg>
+    <p:spTree>
+      <p:nvGrpSpPr>
+        <p:cNvPr id="1" name=""/>
+        <p:cNvGrpSpPr/>
+        <p:nvPr/>
+      </p:nvGrpSpPr>
+      <p:grpSpPr>
+        <a:xfrm>
+          <a:off x="0" y="0"/>
+          <a:ext cx="0" cy="0"/>
+          <a:chOff x="0" y="0"/>
+          <a:chExt cx="0" cy="0"/>
+        </a:xfrm>
+      </p:grpSpPr>
+      <p:sp>
+        <p:nvSpPr>
+          <p:cNvPr id="39" name="Rectangle 38">
+            <a:extLst>
+              <a:ext uri="{FF2B5EF4-FFF2-40B4-BE49-F238E27FC236}">
+                <a16:creationId xmlns:a16="http://schemas.microsoft.com/office/drawing/2014/main" xmlns="" id="{C1C163D1-85A2-4643-BA3C-22035ECBF6E9}"/>
+              </a:ext>
+            </a:extLst>
+          </p:cNvPr>
+          <p:cNvSpPr/>
+          <p:nvPr/>
+        </p:nvSpPr>
+        <p:spPr>
+          <a:xfrm>
+            <a:off x="7210970" y="0"/>
+            <a:ext cx="1933031" cy="356965"/>
+          </a:xfrm>
+          <a:prstGeom prst="rect">
+            <a:avLst/>
+          </a:prstGeom>
+          <a:solidFill>
+            <a:srgbClr val="0F7792">
+              <a:alpha val="50196"/>
+            </a:srgbClr>
+          </a:solidFill>
+          <a:ln>
+            <a:noFill/>
+          </a:ln>
+        </p:spPr>
+        <p:style>
+          <a:lnRef idx="2">
+            <a:schemeClr val="accent1">
+              <a:shade val="50000"/>
+            </a:schemeClr>
+          </a:lnRef>
+          <a:fillRef idx="1">
+            <a:schemeClr val="accent1"/>
+          </a:fillRef>
+          <a:effectRef idx="0">
+            <a:schemeClr val="accent1"/>
+          </a:effectRef>
+          <a:fontRef idx="minor">
+            <a:schemeClr val="lt1"/>
+          </a:fontRef>
+        </p:style>
+        <p:txBody>
+          <a:bodyPr rtlCol="0" anchor="ctr"/>
+          <a:lstStyle/>
+          <a:p>
+            <a:pPr algn="ctr"/>
+            <a:r>
+              <a:rPr lang="en-US" dirty="0" smtClean="0"/>
+              <a:t>Position</a:t>
+            </a:r>
+            <a:endParaRPr lang="en-US" dirty="0"/>
+          </a:p>
+        </p:txBody>
+      </p:sp>
+      <p:sp>
+        <p:nvSpPr>
+          <p:cNvPr id="5" name="Rectangle 4">
+            <a:extLst>
+              <a:ext uri="{FF2B5EF4-FFF2-40B4-BE49-F238E27FC236}">
+                <a16:creationId xmlns:a16="http://schemas.microsoft.com/office/drawing/2014/main" xmlns="" id="{12131ED0-4950-475C-B7DC-450FBBF3C54A}"/>
+              </a:ext>
+            </a:extLst>
+          </p:cNvPr>
+          <p:cNvSpPr/>
+          <p:nvPr/>
+        </p:nvSpPr>
+        <p:spPr>
+          <a:xfrm>
+            <a:off x="0" y="0"/>
+            <a:ext cx="4283968" cy="356965"/>
+          </a:xfrm>
+          <a:prstGeom prst="rect">
+            <a:avLst/>
+          </a:prstGeom>
+          <a:solidFill>
+            <a:srgbClr val="0F7792"/>
+          </a:solidFill>
+          <a:ln>
+            <a:noFill/>
+          </a:ln>
+        </p:spPr>
+        <p:style>
+          <a:lnRef idx="2">
+            <a:schemeClr val="accent1">
+              <a:shade val="50000"/>
+            </a:schemeClr>
+          </a:lnRef>
+          <a:fillRef idx="1">
+            <a:schemeClr val="accent1"/>
+          </a:fillRef>
+          <a:effectRef idx="0">
+            <a:schemeClr val="accent1"/>
+          </a:effectRef>
+          <a:fontRef idx="minor">
+            <a:schemeClr val="lt1"/>
+          </a:fontRef>
+        </p:style>
+        <p:txBody>
+          <a:bodyPr rtlCol="0" anchor="ctr"/>
+          <a:lstStyle/>
+          <a:p>
+            <a:pPr algn="ctr"/>
+            <a:endParaRPr lang="en-US"/>
+          </a:p>
+        </p:txBody>
+      </p:sp>
+      <p:sp>
+        <p:nvSpPr>
+          <p:cNvPr id="4" name="TextBox 3">
+            <a:extLst>
+              <a:ext uri="{FF2B5EF4-FFF2-40B4-BE49-F238E27FC236}">
+                <a16:creationId xmlns:a16="http://schemas.microsoft.com/office/drawing/2014/main" xmlns="" id="{DB2A6D78-D3DF-4739-BCDE-EE78ED59B04D}"/>
+              </a:ext>
+            </a:extLst>
+          </p:cNvPr>
+          <p:cNvSpPr txBox="1"/>
+          <p:nvPr/>
+        </p:nvSpPr>
+        <p:spPr>
+          <a:xfrm>
+            <a:off x="89756" y="24634"/>
+            <a:ext cx="4122204" cy="276999"/>
+          </a:xfrm>
+          <a:prstGeom prst="rect">
+            <a:avLst/>
+          </a:prstGeom>
+          <a:noFill/>
+        </p:spPr>
+        <p:txBody>
+          <a:bodyPr wrap="square" rtlCol="0">
+            <a:spAutoFit/>
+          </a:bodyPr>
+          <a:lstStyle/>
+          <a:p>
+            <a:r>
+              <a:rPr lang="en-US" sz="1200" b="1" dirty="0" smtClean="0">
+                <a:solidFill>
+                  <a:schemeClr val="bg1"/>
+                </a:solidFill>
+                <a:latin typeface="Verdana" panose="020B0604030504040204" pitchFamily="34" charset="0"/>
+                <a:ea typeface="Verdana" panose="020B0604030504040204" pitchFamily="34" charset="0"/>
+                <a:cs typeface="Verdana" panose="020B0604030504040204" pitchFamily="34" charset="0"/>
+              </a:rPr>
+              <a:t>CSS Positioning</a:t>
+            </a:r>
+            <a:endParaRPr lang="bg-BG" sz="1200" dirty="0">
+              <a:solidFill>
+                <a:schemeClr val="bg1"/>
+              </a:solidFill>
+              <a:latin typeface="Verdana" panose="020B0604030504040204" pitchFamily="34" charset="0"/>
+              <a:ea typeface="Verdana" panose="020B0604030504040204" pitchFamily="34" charset="0"/>
+              <a:cs typeface="Verdana" panose="020B0604030504040204" pitchFamily="34" charset="0"/>
+            </a:endParaRPr>
+          </a:p>
+        </p:txBody>
+      </p:sp>
+      <p:sp>
+        <p:nvSpPr>
+          <p:cNvPr id="10" name="Rectangle: Rounded Corners 5">
+            <a:extLst>
+              <a:ext uri="{FF2B5EF4-FFF2-40B4-BE49-F238E27FC236}">
+                <a16:creationId xmlns:a16="http://schemas.microsoft.com/office/drawing/2014/main" xmlns="" id="{682EAE92-D6DF-494B-9CC1-FF2B7145CC2C}"/>
+              </a:ext>
+            </a:extLst>
+          </p:cNvPr>
+          <p:cNvSpPr/>
+          <p:nvPr/>
+        </p:nvSpPr>
+        <p:spPr>
+          <a:xfrm>
+            <a:off x="1271850" y="625571"/>
+            <a:ext cx="6624736" cy="504056"/>
+          </a:xfrm>
+          <a:prstGeom prst="roundRect">
+            <a:avLst/>
+          </a:prstGeom>
+          <a:solidFill>
+            <a:srgbClr val="127994"/>
+          </a:solidFill>
+          <a:ln>
+            <a:noFill/>
+          </a:ln>
+          <a:effectLst>
+            <a:outerShdw blurRad="50800" dist="38100" dir="5400000" algn="t" rotWithShape="0">
+              <a:prstClr val="black">
+                <a:alpha val="40000"/>
+              </a:prstClr>
+            </a:outerShdw>
+          </a:effectLst>
+        </p:spPr>
+        <p:style>
+          <a:lnRef idx="2">
+            <a:schemeClr val="accent1">
+              <a:shade val="50000"/>
+            </a:schemeClr>
+          </a:lnRef>
+          <a:fillRef idx="1">
+            <a:schemeClr val="accent1"/>
+          </a:fillRef>
+          <a:effectRef idx="0">
+            <a:schemeClr val="accent1"/>
+          </a:effectRef>
+          <a:fontRef idx="minor">
+            <a:schemeClr val="lt1"/>
+          </a:fontRef>
+        </p:style>
+        <p:txBody>
+          <a:bodyPr rtlCol="0" anchor="ctr"/>
+          <a:lstStyle/>
+          <a:p>
+            <a:pPr algn="ctr"/>
+            <a:r>
+              <a:rPr lang="en-US" dirty="0" smtClean="0"/>
+              <a:t>Nested element with position:</a:t>
+            </a:r>
+            <a:r>
+              <a:rPr lang="bg-BG" dirty="0" smtClean="0"/>
+              <a:t> </a:t>
+            </a:r>
+            <a:r>
+              <a:rPr lang="en-US" dirty="0" smtClean="0"/>
+              <a:t>absolute*</a:t>
+            </a:r>
+            <a:endParaRPr lang="en-US" dirty="0"/>
+          </a:p>
+        </p:txBody>
+      </p:sp>
+      <p:sp>
+        <p:nvSpPr>
+          <p:cNvPr id="2" name="TextBox 1"/>
+          <p:cNvSpPr txBox="1"/>
+          <p:nvPr/>
+        </p:nvSpPr>
+        <p:spPr>
+          <a:xfrm>
+            <a:off x="809498" y="1398233"/>
+            <a:ext cx="184731" cy="338554"/>
+          </a:xfrm>
+          <a:prstGeom prst="rect">
+            <a:avLst/>
+          </a:prstGeom>
+          <a:noFill/>
+        </p:spPr>
+        <p:txBody>
+          <a:bodyPr wrap="none" rtlCol="0">
+            <a:spAutoFit/>
+          </a:bodyPr>
+          <a:lstStyle/>
+          <a:p>
+            <a:endParaRPr lang="en-US" sz="1600" dirty="0" smtClean="0">
+              <a:solidFill>
+                <a:srgbClr val="427AA2"/>
+              </a:solidFill>
+            </a:endParaRPr>
+          </a:p>
+        </p:txBody>
+      </p:sp>
+      <p:pic>
+        <p:nvPicPr>
+          <p:cNvPr id="8" name="Picture 7"/>
+          <p:cNvPicPr>
+            <a:picLocks noChangeAspect="1"/>
+          </p:cNvPicPr>
+          <p:nvPr/>
+        </p:nvPicPr>
+        <p:blipFill>
+          <a:blip r:embed="rId4"/>
+          <a:stretch>
+            <a:fillRect/>
+          </a:stretch>
+        </p:blipFill>
+        <p:spPr>
+          <a:xfrm>
+            <a:off x="296825" y="1398233"/>
+            <a:ext cx="8536434" cy="2971435"/>
+          </a:xfrm>
+          <a:prstGeom prst="rect">
+            <a:avLst/>
+          </a:prstGeom>
+        </p:spPr>
+      </p:pic>
+    </p:spTree>
+    <p:extLst>
+      <p:ext uri="{BB962C8B-B14F-4D97-AF65-F5344CB8AC3E}">
+        <p14:creationId xmlns:p14="http://schemas.microsoft.com/office/powerpoint/2010/main" val="917693594"/>
       </p:ext>
     </p:extLst>
   </p:cSld>
